--- a/GAM340/01/GAM340_01_lecture.pptx
+++ b/GAM340/01/GAM340_01_lecture.pptx
@@ -5,14 +5,26 @@
     <p:sldMasterId id="2147483648" r:id="rId1"/>
   </p:sldMasterIdLst>
   <p:notesMasterIdLst>
-    <p:notesMasterId r:id="rId4"/>
+    <p:notesMasterId r:id="rId16"/>
   </p:notesMasterIdLst>
   <p:handoutMasterIdLst>
-    <p:handoutMasterId r:id="rId5"/>
+    <p:handoutMasterId r:id="rId17"/>
   </p:handoutMasterIdLst>
   <p:sldIdLst>
     <p:sldId id="257" r:id="rId2"/>
-    <p:sldId id="409" r:id="rId3"/>
+    <p:sldId id="334" r:id="rId3"/>
+    <p:sldId id="411" r:id="rId4"/>
+    <p:sldId id="412" r:id="rId5"/>
+    <p:sldId id="413" r:id="rId6"/>
+    <p:sldId id="414" r:id="rId7"/>
+    <p:sldId id="415" r:id="rId8"/>
+    <p:sldId id="418" r:id="rId9"/>
+    <p:sldId id="416" r:id="rId10"/>
+    <p:sldId id="332" r:id="rId11"/>
+    <p:sldId id="417" r:id="rId12"/>
+    <p:sldId id="419" r:id="rId13"/>
+    <p:sldId id="420" r:id="rId14"/>
+    <p:sldId id="410" r:id="rId15"/>
   </p:sldIdLst>
   <p:sldSz cx="9144000" cy="6858000" type="screen4x3"/>
   <p:notesSz cx="7315200" cy="9601200"/>
@@ -951,7 +963,7 @@
             <a:fld id="{134C908B-E4CF-4B88-8994-49C91B4DAC10}" type="datetimeFigureOut">
               <a:rPr lang="en-US" smtClean="0"/>
               <a:pPr/>
-              <a:t>9/10/19</a:t>
+              <a:t>9/19/19</a:t>
             </a:fld>
             <a:endParaRPr lang="en-US"/>
           </a:p>
@@ -1113,7 +1125,7 @@
             <a:fld id="{FCD4ED34-E2A7-4A73-B53B-08CB721EE63F}" type="datetimeFigureOut">
               <a:rPr lang="en-US" smtClean="0"/>
               <a:pPr/>
-              <a:t>9/10/19</a:t>
+              <a:t>9/19/19</a:t>
             </a:fld>
             <a:endParaRPr lang="en-GB"/>
           </a:p>
@@ -1576,7 +1588,7 @@
             <a:fld id="{24C0EDFE-3590-4448-BF7B-7FB41E82085F}" type="datetimeFigureOut">
               <a:rPr lang="en-US" smtClean="0"/>
               <a:pPr/>
-              <a:t>9/10/19</a:t>
+              <a:t>9/19/19</a:t>
             </a:fld>
             <a:endParaRPr lang="en-US" dirty="0"/>
           </a:p>
@@ -1765,7 +1777,7 @@
             <a:fld id="{24C0EDFE-3590-4448-BF7B-7FB41E82085F}" type="datetimeFigureOut">
               <a:rPr lang="en-US" smtClean="0"/>
               <a:pPr/>
-              <a:t>9/10/19</a:t>
+              <a:t>9/19/19</a:t>
             </a:fld>
             <a:endParaRPr lang="en-US" dirty="0"/>
           </a:p>
@@ -1943,7 +1955,7 @@
             <a:fld id="{24C0EDFE-3590-4448-BF7B-7FB41E82085F}" type="datetimeFigureOut">
               <a:rPr lang="en-US" smtClean="0"/>
               <a:pPr/>
-              <a:t>9/10/19</a:t>
+              <a:t>9/19/19</a:t>
             </a:fld>
             <a:endParaRPr lang="en-US" dirty="0"/>
           </a:p>
@@ -2192,7 +2204,7 @@
             <a:fld id="{24C0EDFE-3590-4448-BF7B-7FB41E82085F}" type="datetimeFigureOut">
               <a:rPr lang="en-US" smtClean="0"/>
               <a:pPr/>
-              <a:t>9/10/19</a:t>
+              <a:t>9/19/19</a:t>
             </a:fld>
             <a:endParaRPr lang="en-US" dirty="0"/>
           </a:p>
@@ -2514,7 +2526,7 @@
             <a:fld id="{24C0EDFE-3590-4448-BF7B-7FB41E82085F}" type="datetimeFigureOut">
               <a:rPr lang="en-US" smtClean="0"/>
               <a:pPr/>
-              <a:t>9/10/19</a:t>
+              <a:t>9/19/19</a:t>
             </a:fld>
             <a:endParaRPr lang="en-US" dirty="0"/>
           </a:p>
@@ -2820,7 +2832,7 @@
             <a:fld id="{24C0EDFE-3590-4448-BF7B-7FB41E82085F}" type="datetimeFigureOut">
               <a:rPr lang="en-US" smtClean="0"/>
               <a:pPr/>
-              <a:t>9/10/19</a:t>
+              <a:t>9/19/19</a:t>
             </a:fld>
             <a:endParaRPr lang="en-US" dirty="0"/>
           </a:p>
@@ -3244,7 +3256,7 @@
             <a:fld id="{24C0EDFE-3590-4448-BF7B-7FB41E82085F}" type="datetimeFigureOut">
               <a:rPr lang="en-US" smtClean="0"/>
               <a:pPr/>
-              <a:t>9/10/19</a:t>
+              <a:t>9/19/19</a:t>
             </a:fld>
             <a:endParaRPr lang="en-US" dirty="0"/>
           </a:p>
@@ -3366,7 +3378,7 @@
             <a:fld id="{24C0EDFE-3590-4448-BF7B-7FB41E82085F}" type="datetimeFigureOut">
               <a:rPr lang="en-US" smtClean="0"/>
               <a:pPr/>
-              <a:t>9/10/19</a:t>
+              <a:t>9/19/19</a:t>
             </a:fld>
             <a:endParaRPr lang="en-US" dirty="0"/>
           </a:p>
@@ -3458,7 +3470,7 @@
             <a:fld id="{24C0EDFE-3590-4448-BF7B-7FB41E82085F}" type="datetimeFigureOut">
               <a:rPr lang="en-US" smtClean="0"/>
               <a:pPr/>
-              <a:t>9/10/19</a:t>
+              <a:t>9/19/19</a:t>
             </a:fld>
             <a:endParaRPr lang="en-US" dirty="0"/>
           </a:p>
@@ -3733,7 +3745,7 @@
             <a:fld id="{24C0EDFE-3590-4448-BF7B-7FB41E82085F}" type="datetimeFigureOut">
               <a:rPr lang="en-US" smtClean="0"/>
               <a:pPr/>
-              <a:t>9/10/19</a:t>
+              <a:t>9/19/19</a:t>
             </a:fld>
             <a:endParaRPr lang="en-US" dirty="0"/>
           </a:p>
@@ -3985,7 +3997,7 @@
             <a:fld id="{24C0EDFE-3590-4448-BF7B-7FB41E82085F}" type="datetimeFigureOut">
               <a:rPr lang="en-US" smtClean="0"/>
               <a:pPr/>
-              <a:t>9/10/19</a:t>
+              <a:t>9/19/19</a:t>
             </a:fld>
             <a:endParaRPr lang="en-US" dirty="0"/>
           </a:p>
@@ -4162,7 +4174,7 @@
             <a:fld id="{24C0EDFE-3590-4448-BF7B-7FB41E82085F}" type="datetimeFigureOut">
               <a:rPr lang="en-US" smtClean="0"/>
               <a:pPr/>
-              <a:t>9/10/19</a:t>
+              <a:t>9/19/19</a:t>
             </a:fld>
             <a:endParaRPr lang="en-US" dirty="0"/>
           </a:p>
@@ -4830,7 +4842,7 @@
                 <a:latin typeface="Calibri" pitchFamily="34" charset="0"/>
                 <a:cs typeface="Calibri" pitchFamily="34" charset="0"/>
               </a:rPr>
-              <a:t>Lecture </a:t>
+              <a:t>Lecture 1</a:t>
             </a:r>
             <a:r>
               <a:rPr lang="en-US" sz="3600" dirty="0">
@@ -4840,7 +4852,7 @@
                 <a:latin typeface="Calibri" pitchFamily="34" charset="0"/>
                 <a:cs typeface="Calibri" pitchFamily="34" charset="0"/>
               </a:rPr>
-              <a:t>X: Placeholder</a:t>
+              <a:t>: Module Introduction</a:t>
             </a:r>
             <a:endParaRPr kumimoji="0" lang="en-US" sz="1800" b="0" i="0" u="none" strike="noStrike" cap="none" normalizeH="0" baseline="0" dirty="0">
               <a:ln>
@@ -4857,6 +4869,2322 @@
         </p:txBody>
       </p:sp>
     </p:spTree>
+  </p:cSld>
+  <p:clrMapOvr>
+    <a:masterClrMapping/>
+  </p:clrMapOvr>
+</p:sld>
+</file>
+
+<file path=ppt/slides/slide10.xml><?xml version="1.0" encoding="utf-8"?>
+<p:sld xmlns:a="http://schemas.openxmlformats.org/drawingml/2006/main" xmlns:r="http://schemas.openxmlformats.org/officeDocument/2006/relationships" xmlns:p="http://schemas.openxmlformats.org/presentationml/2006/main">
+  <p:cSld>
+    <p:spTree>
+      <p:nvGrpSpPr>
+        <p:cNvPr id="1" name=""/>
+        <p:cNvGrpSpPr/>
+        <p:nvPr/>
+      </p:nvGrpSpPr>
+      <p:grpSpPr>
+        <a:xfrm>
+          <a:off x="0" y="0"/>
+          <a:ext cx="0" cy="0"/>
+          <a:chOff x="0" y="0"/>
+          <a:chExt cx="0" cy="0"/>
+        </a:xfrm>
+      </p:grpSpPr>
+      <p:sp>
+        <p:nvSpPr>
+          <p:cNvPr id="3" name="Content Placeholder 2"/>
+          <p:cNvSpPr>
+            <a:spLocks noGrp="1"/>
+          </p:cNvSpPr>
+          <p:nvPr>
+            <p:ph idx="1"/>
+          </p:nvPr>
+        </p:nvSpPr>
+        <p:spPr>
+          <a:xfrm>
+            <a:off x="446856" y="548680"/>
+            <a:ext cx="8229600" cy="6120680"/>
+          </a:xfrm>
+        </p:spPr>
+        <p:txBody>
+          <a:bodyPr>
+            <a:normAutofit/>
+          </a:bodyPr>
+          <a:lstStyle/>
+          <a:p>
+            <a:r>
+              <a:rPr lang="en-GB" dirty="0"/>
+              <a:t>Introduction to the module</a:t>
+            </a:r>
+          </a:p>
+        </p:txBody>
+      </p:sp>
+      <p:sp>
+        <p:nvSpPr>
+          <p:cNvPr id="4" name="Content Placeholder 2"/>
+          <p:cNvSpPr txBox="1">
+            <a:spLocks/>
+          </p:cNvSpPr>
+          <p:nvPr/>
+        </p:nvSpPr>
+        <p:spPr>
+          <a:xfrm>
+            <a:off x="323528" y="1739949"/>
+            <a:ext cx="8229600" cy="5217443"/>
+          </a:xfrm>
+          <a:prstGeom prst="rect">
+            <a:avLst/>
+          </a:prstGeom>
+        </p:spPr>
+        <p:txBody>
+          <a:bodyPr vert="horz" lIns="91440" tIns="45720" rIns="91440" bIns="45720" rtlCol="0">
+            <a:normAutofit/>
+          </a:bodyPr>
+          <a:lstStyle/>
+          <a:p>
+            <a:pPr marL="742950" marR="0" lvl="1" indent="-285750" algn="l" defTabSz="914400" rtl="0" eaLnBrk="1" fontAlgn="auto" latinLnBrk="0" hangingPunct="1">
+              <a:lnSpc>
+                <a:spcPct val="100000"/>
+              </a:lnSpc>
+              <a:spcBef>
+                <a:spcPct val="20000"/>
+              </a:spcBef>
+              <a:spcAft>
+                <a:spcPts val="0"/>
+              </a:spcAft>
+              <a:buClrTx/>
+              <a:buSzTx/>
+              <a:buFont typeface="Arial" pitchFamily="34" charset="0"/>
+              <a:buChar char="–"/>
+              <a:tabLst/>
+              <a:defRPr/>
+            </a:pPr>
+            <a:endParaRPr kumimoji="0" lang="en-GB" sz="2800" b="0" i="0" u="none" strike="noStrike" kern="1200" cap="none" spc="0" normalizeH="0" baseline="0" noProof="0" dirty="0">
+              <a:ln>
+                <a:noFill/>
+              </a:ln>
+              <a:solidFill>
+                <a:schemeClr val="bg1"/>
+              </a:solidFill>
+              <a:effectLst/>
+              <a:uLnTx/>
+              <a:uFillTx/>
+              <a:latin typeface="+mn-lt"/>
+              <a:ea typeface="+mn-ea"/>
+              <a:cs typeface="+mn-cs"/>
+            </a:endParaRPr>
+          </a:p>
+          <a:p>
+            <a:pPr marL="742950" marR="0" lvl="1" indent="-285750" algn="l" defTabSz="914400" rtl="0" eaLnBrk="1" fontAlgn="auto" latinLnBrk="0" hangingPunct="1">
+              <a:lnSpc>
+                <a:spcPct val="100000"/>
+              </a:lnSpc>
+              <a:spcBef>
+                <a:spcPct val="20000"/>
+              </a:spcBef>
+              <a:spcAft>
+                <a:spcPts val="0"/>
+              </a:spcAft>
+              <a:buClrTx/>
+              <a:buSzTx/>
+              <a:buFont typeface="Arial" pitchFamily="34" charset="0"/>
+              <a:buChar char="–"/>
+              <a:tabLst/>
+              <a:defRPr/>
+            </a:pPr>
+            <a:endParaRPr kumimoji="0" lang="en-GB" sz="2800" b="0" i="0" u="none" strike="noStrike" kern="1200" cap="none" spc="0" normalizeH="0" baseline="0" noProof="0" dirty="0">
+              <a:ln>
+                <a:noFill/>
+              </a:ln>
+              <a:solidFill>
+                <a:schemeClr val="bg1"/>
+              </a:solidFill>
+              <a:effectLst/>
+              <a:uLnTx/>
+              <a:uFillTx/>
+              <a:latin typeface="+mn-lt"/>
+              <a:ea typeface="+mn-ea"/>
+              <a:cs typeface="+mn-cs"/>
+            </a:endParaRPr>
+          </a:p>
+          <a:p>
+            <a:pPr marL="742950" marR="0" lvl="1" indent="-285750" algn="l" defTabSz="914400" rtl="0" eaLnBrk="1" fontAlgn="auto" latinLnBrk="0" hangingPunct="1">
+              <a:lnSpc>
+                <a:spcPct val="100000"/>
+              </a:lnSpc>
+              <a:spcBef>
+                <a:spcPct val="20000"/>
+              </a:spcBef>
+              <a:spcAft>
+                <a:spcPts val="0"/>
+              </a:spcAft>
+              <a:buClrTx/>
+              <a:buSzTx/>
+              <a:buFont typeface="Arial" pitchFamily="34" charset="0"/>
+              <a:buChar char="–"/>
+              <a:tabLst/>
+              <a:defRPr/>
+            </a:pPr>
+            <a:endParaRPr kumimoji="0" lang="en-GB" sz="2800" b="0" i="0" u="none" strike="noStrike" kern="1200" cap="none" spc="0" normalizeH="0" baseline="0" noProof="0" dirty="0">
+              <a:ln>
+                <a:noFill/>
+              </a:ln>
+              <a:solidFill>
+                <a:schemeClr val="bg1"/>
+              </a:solidFill>
+              <a:effectLst/>
+              <a:uLnTx/>
+              <a:uFillTx/>
+              <a:latin typeface="+mn-lt"/>
+              <a:ea typeface="+mn-ea"/>
+              <a:cs typeface="+mn-cs"/>
+            </a:endParaRPr>
+          </a:p>
+        </p:txBody>
+      </p:sp>
+      <p:graphicFrame>
+        <p:nvGraphicFramePr>
+          <p:cNvPr id="6" name="Content Placeholder 3"/>
+          <p:cNvGraphicFramePr>
+            <a:graphicFrameLocks/>
+          </p:cNvGraphicFramePr>
+          <p:nvPr>
+            <p:extLst>
+              <p:ext uri="{D42A27DB-BD31-4B8C-83A1-F6EECF244321}">
+                <p14:modId xmlns:p14="http://schemas.microsoft.com/office/powerpoint/2010/main" val="3713757168"/>
+              </p:ext>
+            </p:extLst>
+          </p:nvPr>
+        </p:nvGraphicFramePr>
+        <p:xfrm>
+          <a:off x="467544" y="1484784"/>
+          <a:ext cx="8208912" cy="1742440"/>
+        </p:xfrm>
+        <a:graphic>
+          <a:graphicData uri="http://schemas.openxmlformats.org/drawingml/2006/table">
+            <a:tbl>
+              <a:tblPr firstRow="1" bandRow="1">
+                <a:tableStyleId>{5C22544A-7EE6-4342-B048-85BDC9FD1C3A}</a:tableStyleId>
+              </a:tblPr>
+              <a:tblGrid>
+                <a:gridCol w="1368152">
+                  <a:extLst>
+                    <a:ext uri="{9D8B030D-6E8A-4147-A177-3AD203B41FA5}">
+                      <a16:colId xmlns:a16="http://schemas.microsoft.com/office/drawing/2014/main" val="20000"/>
+                    </a:ext>
+                  </a:extLst>
+                </a:gridCol>
+                <a:gridCol w="1368152">
+                  <a:extLst>
+                    <a:ext uri="{9D8B030D-6E8A-4147-A177-3AD203B41FA5}">
+                      <a16:colId xmlns:a16="http://schemas.microsoft.com/office/drawing/2014/main" val="20001"/>
+                    </a:ext>
+                  </a:extLst>
+                </a:gridCol>
+                <a:gridCol w="1368152">
+                  <a:extLst>
+                    <a:ext uri="{9D8B030D-6E8A-4147-A177-3AD203B41FA5}">
+                      <a16:colId xmlns:a16="http://schemas.microsoft.com/office/drawing/2014/main" val="20002"/>
+                    </a:ext>
+                  </a:extLst>
+                </a:gridCol>
+                <a:gridCol w="1368152">
+                  <a:extLst>
+                    <a:ext uri="{9D8B030D-6E8A-4147-A177-3AD203B41FA5}">
+                      <a16:colId xmlns:a16="http://schemas.microsoft.com/office/drawing/2014/main" val="20003"/>
+                    </a:ext>
+                  </a:extLst>
+                </a:gridCol>
+                <a:gridCol w="1368152">
+                  <a:extLst>
+                    <a:ext uri="{9D8B030D-6E8A-4147-A177-3AD203B41FA5}">
+                      <a16:colId xmlns:a16="http://schemas.microsoft.com/office/drawing/2014/main" val="20004"/>
+                    </a:ext>
+                  </a:extLst>
+                </a:gridCol>
+                <a:gridCol w="1368152">
+                  <a:extLst>
+                    <a:ext uri="{9D8B030D-6E8A-4147-A177-3AD203B41FA5}">
+                      <a16:colId xmlns:a16="http://schemas.microsoft.com/office/drawing/2014/main" val="20005"/>
+                    </a:ext>
+                  </a:extLst>
+                </a:gridCol>
+              </a:tblGrid>
+              <a:tr h="370840">
+                <a:tc>
+                  <a:txBody>
+                    <a:bodyPr/>
+                    <a:lstStyle/>
+                    <a:p>
+                      <a:pPr algn="ctr"/>
+                      <a:r>
+                        <a:rPr lang="en-GB" dirty="0"/>
+                        <a:t>Week 1</a:t>
+                      </a:r>
+                    </a:p>
+                  </a:txBody>
+                  <a:tcPr/>
+                </a:tc>
+                <a:tc>
+                  <a:txBody>
+                    <a:bodyPr/>
+                    <a:lstStyle/>
+                    <a:p>
+                      <a:pPr algn="ctr"/>
+                      <a:r>
+                        <a:rPr lang="en-GB" dirty="0"/>
+                        <a:t>Week</a:t>
+                      </a:r>
+                      <a:r>
+                        <a:rPr lang="en-GB" baseline="0" dirty="0"/>
+                        <a:t> 2</a:t>
+                      </a:r>
+                      <a:endParaRPr lang="en-GB" dirty="0"/>
+                    </a:p>
+                  </a:txBody>
+                  <a:tcPr/>
+                </a:tc>
+                <a:tc>
+                  <a:txBody>
+                    <a:bodyPr/>
+                    <a:lstStyle/>
+                    <a:p>
+                      <a:pPr algn="ctr"/>
+                      <a:r>
+                        <a:rPr lang="en-GB" dirty="0"/>
+                        <a:t>Week 3</a:t>
+                      </a:r>
+                    </a:p>
+                  </a:txBody>
+                  <a:tcPr/>
+                </a:tc>
+                <a:tc>
+                  <a:txBody>
+                    <a:bodyPr/>
+                    <a:lstStyle/>
+                    <a:p>
+                      <a:pPr algn="ctr"/>
+                      <a:r>
+                        <a:rPr lang="en-GB" dirty="0"/>
+                        <a:t>Week 4</a:t>
+                      </a:r>
+                    </a:p>
+                  </a:txBody>
+                  <a:tcPr/>
+                </a:tc>
+                <a:tc>
+                  <a:txBody>
+                    <a:bodyPr/>
+                    <a:lstStyle/>
+                    <a:p>
+                      <a:pPr algn="ctr"/>
+                      <a:r>
+                        <a:rPr lang="en-GB" dirty="0"/>
+                        <a:t>Week 5</a:t>
+                      </a:r>
+                    </a:p>
+                  </a:txBody>
+                  <a:tcPr/>
+                </a:tc>
+                <a:tc>
+                  <a:txBody>
+                    <a:bodyPr/>
+                    <a:lstStyle/>
+                    <a:p>
+                      <a:pPr algn="ctr"/>
+                      <a:r>
+                        <a:rPr lang="en-GB" dirty="0"/>
+                        <a:t>Reading Week</a:t>
+                      </a:r>
+                    </a:p>
+                  </a:txBody>
+                  <a:tcPr/>
+                </a:tc>
+                <a:extLst>
+                  <a:ext uri="{0D108BD9-81ED-4DB2-BD59-A6C34878D82A}">
+                    <a16:rowId xmlns:a16="http://schemas.microsoft.com/office/drawing/2014/main" val="10000"/>
+                  </a:ext>
+                </a:extLst>
+              </a:tr>
+              <a:tr h="370840">
+                <a:tc>
+                  <a:txBody>
+                    <a:bodyPr/>
+                    <a:lstStyle/>
+                    <a:p>
+                      <a:pPr marL="0" marR="0" indent="0" algn="ctr" defTabSz="914400" rtl="0" eaLnBrk="1" fontAlgn="auto" latinLnBrk="0" hangingPunct="1">
+                        <a:lnSpc>
+                          <a:spcPct val="100000"/>
+                        </a:lnSpc>
+                        <a:spcBef>
+                          <a:spcPts val="0"/>
+                        </a:spcBef>
+                        <a:spcAft>
+                          <a:spcPts val="0"/>
+                        </a:spcAft>
+                        <a:buClrTx/>
+                        <a:buSzTx/>
+                        <a:buFontTx/>
+                        <a:buNone/>
+                        <a:tabLst/>
+                        <a:defRPr/>
+                      </a:pPr>
+                      <a:r>
+                        <a:rPr lang="en-GB" sz="1400" dirty="0"/>
+                        <a:t>Introduction</a:t>
+                      </a:r>
+                    </a:p>
+                  </a:txBody>
+                  <a:tcPr anchor="ctr">
+                    <a:solidFill>
+                      <a:schemeClr val="accent2"/>
+                    </a:solidFill>
+                  </a:tcPr>
+                </a:tc>
+                <a:tc>
+                  <a:txBody>
+                    <a:bodyPr/>
+                    <a:lstStyle/>
+                    <a:p>
+                      <a:pPr algn="ctr"/>
+                      <a:r>
+                        <a:rPr lang="en-GB" sz="1400" dirty="0"/>
+                        <a:t>Graduate Destinations</a:t>
+                      </a:r>
+                    </a:p>
+                  </a:txBody>
+                  <a:tcPr anchor="ctr">
+                    <a:solidFill>
+                      <a:schemeClr val="accent2"/>
+                    </a:solidFill>
+                  </a:tcPr>
+                </a:tc>
+                <a:tc>
+                  <a:txBody>
+                    <a:bodyPr/>
+                    <a:lstStyle/>
+                    <a:p>
+                      <a:pPr marL="0" marR="0" indent="0" algn="ctr" defTabSz="914400" rtl="0" eaLnBrk="1" fontAlgn="auto" latinLnBrk="0" hangingPunct="1">
+                        <a:lnSpc>
+                          <a:spcPct val="100000"/>
+                        </a:lnSpc>
+                        <a:spcBef>
+                          <a:spcPts val="0"/>
+                        </a:spcBef>
+                        <a:spcAft>
+                          <a:spcPts val="0"/>
+                        </a:spcAft>
+                        <a:buClrTx/>
+                        <a:buSzTx/>
+                        <a:buFontTx/>
+                        <a:buNone/>
+                        <a:tabLst/>
+                        <a:defRPr/>
+                      </a:pPr>
+                      <a:r>
+                        <a:rPr lang="en-GB" sz="1400" dirty="0"/>
+                        <a:t>Creating meaningful portfolios</a:t>
+                      </a:r>
+                    </a:p>
+                  </a:txBody>
+                  <a:tcPr anchor="ctr">
+                    <a:solidFill>
+                      <a:schemeClr val="accent2"/>
+                    </a:solidFill>
+                  </a:tcPr>
+                </a:tc>
+                <a:tc>
+                  <a:txBody>
+                    <a:bodyPr/>
+                    <a:lstStyle/>
+                    <a:p>
+                      <a:pPr marL="0" marR="0" indent="0" algn="ctr" defTabSz="914400" rtl="0" eaLnBrk="1" fontAlgn="auto" latinLnBrk="0" hangingPunct="1">
+                        <a:lnSpc>
+                          <a:spcPct val="100000"/>
+                        </a:lnSpc>
+                        <a:spcBef>
+                          <a:spcPts val="0"/>
+                        </a:spcBef>
+                        <a:spcAft>
+                          <a:spcPts val="0"/>
+                        </a:spcAft>
+                        <a:buClrTx/>
+                        <a:buSzTx/>
+                        <a:buFontTx/>
+                        <a:buNone/>
+                        <a:tabLst/>
+                        <a:defRPr/>
+                      </a:pPr>
+                      <a:r>
+                        <a:rPr lang="en-GB" sz="1400" dirty="0"/>
+                        <a:t>Building and honing your skills</a:t>
+                      </a:r>
+                    </a:p>
+                  </a:txBody>
+                  <a:tcPr anchor="ctr">
+                    <a:solidFill>
+                      <a:schemeClr val="accent2"/>
+                    </a:solidFill>
+                  </a:tcPr>
+                </a:tc>
+                <a:tc>
+                  <a:txBody>
+                    <a:bodyPr/>
+                    <a:lstStyle/>
+                    <a:p>
+                      <a:pPr algn="ctr"/>
+                      <a:r>
+                        <a:rPr lang="en-GB" sz="1400" dirty="0"/>
+                        <a:t>How to network</a:t>
+                      </a:r>
+                    </a:p>
+                  </a:txBody>
+                  <a:tcPr anchor="ctr">
+                    <a:solidFill>
+                      <a:schemeClr val="accent2"/>
+                    </a:solidFill>
+                  </a:tcPr>
+                </a:tc>
+                <a:tc>
+                  <a:txBody>
+                    <a:bodyPr/>
+                    <a:lstStyle/>
+                    <a:p>
+                      <a:pPr algn="ctr"/>
+                      <a:r>
+                        <a:rPr lang="en-GB" sz="1400" dirty="0"/>
+                        <a:t>Studio</a:t>
+                      </a:r>
+                    </a:p>
+                    <a:p>
+                      <a:pPr algn="ctr"/>
+                      <a:r>
+                        <a:rPr lang="en-GB" sz="1400" dirty="0"/>
+                        <a:t>Practice</a:t>
+                      </a:r>
+                    </a:p>
+                  </a:txBody>
+                  <a:tcPr anchor="ctr">
+                    <a:solidFill>
+                      <a:schemeClr val="tx2">
+                        <a:lumMod val="60000"/>
+                        <a:lumOff val="40000"/>
+                      </a:schemeClr>
+                    </a:solidFill>
+                  </a:tcPr>
+                </a:tc>
+                <a:extLst>
+                  <a:ext uri="{0D108BD9-81ED-4DB2-BD59-A6C34878D82A}">
+                    <a16:rowId xmlns:a16="http://schemas.microsoft.com/office/drawing/2014/main" val="10001"/>
+                  </a:ext>
+                </a:extLst>
+              </a:tr>
+              <a:tr h="370840">
+                <a:tc>
+                  <a:txBody>
+                    <a:bodyPr/>
+                    <a:lstStyle/>
+                    <a:p>
+                      <a:pPr marL="0" marR="0" indent="0" algn="ctr" defTabSz="914400" rtl="0" eaLnBrk="1" fontAlgn="auto" latinLnBrk="0" hangingPunct="1">
+                        <a:lnSpc>
+                          <a:spcPct val="100000"/>
+                        </a:lnSpc>
+                        <a:spcBef>
+                          <a:spcPts val="0"/>
+                        </a:spcBef>
+                        <a:spcAft>
+                          <a:spcPts val="0"/>
+                        </a:spcAft>
+                        <a:buClrTx/>
+                        <a:buSzTx/>
+                        <a:buFontTx/>
+                        <a:buNone/>
+                        <a:tabLst/>
+                        <a:defRPr/>
+                      </a:pPr>
+                      <a:endParaRPr lang="en-GB" sz="1400" dirty="0"/>
+                    </a:p>
+                  </a:txBody>
+                  <a:tcPr anchor="ctr">
+                    <a:solidFill>
+                      <a:srgbClr val="402652"/>
+                    </a:solidFill>
+                  </a:tcPr>
+                </a:tc>
+                <a:tc>
+                  <a:txBody>
+                    <a:bodyPr/>
+                    <a:lstStyle/>
+                    <a:p>
+                      <a:pPr algn="ctr"/>
+                      <a:r>
+                        <a:rPr lang="en-GB" sz="1400" dirty="0"/>
+                        <a:t>Tutorial</a:t>
+                      </a:r>
+                    </a:p>
+                  </a:txBody>
+                  <a:tcPr anchor="ctr">
+                    <a:solidFill>
+                      <a:schemeClr val="accent3"/>
+                    </a:solidFill>
+                  </a:tcPr>
+                </a:tc>
+                <a:tc>
+                  <a:txBody>
+                    <a:bodyPr/>
+                    <a:lstStyle/>
+                    <a:p>
+                      <a:pPr marL="0" marR="0" lvl="0" indent="0" algn="ctr" defTabSz="914400" rtl="0" eaLnBrk="1" fontAlgn="auto" latinLnBrk="0" hangingPunct="1">
+                        <a:lnSpc>
+                          <a:spcPct val="100000"/>
+                        </a:lnSpc>
+                        <a:spcBef>
+                          <a:spcPts val="0"/>
+                        </a:spcBef>
+                        <a:spcAft>
+                          <a:spcPts val="0"/>
+                        </a:spcAft>
+                        <a:buClrTx/>
+                        <a:buSzTx/>
+                        <a:buFontTx/>
+                        <a:buNone/>
+                        <a:tabLst/>
+                        <a:defRPr/>
+                      </a:pPr>
+                      <a:r>
+                        <a:rPr lang="en-GB" sz="1400" dirty="0"/>
+                        <a:t>Tutorial</a:t>
+                      </a:r>
+                    </a:p>
+                  </a:txBody>
+                  <a:tcPr anchor="ctr">
+                    <a:solidFill>
+                      <a:schemeClr val="accent3"/>
+                    </a:solidFill>
+                  </a:tcPr>
+                </a:tc>
+                <a:tc>
+                  <a:txBody>
+                    <a:bodyPr/>
+                    <a:lstStyle/>
+                    <a:p>
+                      <a:pPr marL="0" marR="0" lvl="0" indent="0" algn="ctr" defTabSz="914400" rtl="0" eaLnBrk="1" fontAlgn="auto" latinLnBrk="0" hangingPunct="1">
+                        <a:lnSpc>
+                          <a:spcPct val="100000"/>
+                        </a:lnSpc>
+                        <a:spcBef>
+                          <a:spcPts val="0"/>
+                        </a:spcBef>
+                        <a:spcAft>
+                          <a:spcPts val="0"/>
+                        </a:spcAft>
+                        <a:buClrTx/>
+                        <a:buSzTx/>
+                        <a:buFontTx/>
+                        <a:buNone/>
+                        <a:tabLst/>
+                        <a:defRPr/>
+                      </a:pPr>
+                      <a:r>
+                        <a:rPr lang="en-GB" sz="1400" dirty="0"/>
+                        <a:t>Tutorial</a:t>
+                      </a:r>
+                    </a:p>
+                  </a:txBody>
+                  <a:tcPr anchor="ctr">
+                    <a:solidFill>
+                      <a:schemeClr val="accent3"/>
+                    </a:solidFill>
+                  </a:tcPr>
+                </a:tc>
+                <a:tc>
+                  <a:txBody>
+                    <a:bodyPr/>
+                    <a:lstStyle/>
+                    <a:p>
+                      <a:pPr marL="0" marR="0" lvl="0" indent="0" algn="ctr" defTabSz="914400" rtl="0" eaLnBrk="1" fontAlgn="auto" latinLnBrk="0" hangingPunct="1">
+                        <a:lnSpc>
+                          <a:spcPct val="100000"/>
+                        </a:lnSpc>
+                        <a:spcBef>
+                          <a:spcPts val="0"/>
+                        </a:spcBef>
+                        <a:spcAft>
+                          <a:spcPts val="0"/>
+                        </a:spcAft>
+                        <a:buClrTx/>
+                        <a:buSzTx/>
+                        <a:buFontTx/>
+                        <a:buNone/>
+                        <a:tabLst/>
+                        <a:defRPr/>
+                      </a:pPr>
+                      <a:r>
+                        <a:rPr lang="en-GB" sz="1400" dirty="0"/>
+                        <a:t>Tutorial</a:t>
+                      </a:r>
+                    </a:p>
+                  </a:txBody>
+                  <a:tcPr anchor="ctr">
+                    <a:solidFill>
+                      <a:schemeClr val="accent3"/>
+                    </a:solidFill>
+                  </a:tcPr>
+                </a:tc>
+                <a:tc>
+                  <a:txBody>
+                    <a:bodyPr/>
+                    <a:lstStyle/>
+                    <a:p>
+                      <a:pPr algn="ctr"/>
+                      <a:endParaRPr lang="en-GB" sz="1400" dirty="0"/>
+                    </a:p>
+                  </a:txBody>
+                  <a:tcPr anchor="ctr">
+                    <a:solidFill>
+                      <a:schemeClr val="tx2">
+                        <a:lumMod val="60000"/>
+                        <a:lumOff val="40000"/>
+                      </a:schemeClr>
+                    </a:solidFill>
+                  </a:tcPr>
+                </a:tc>
+                <a:extLst>
+                  <a:ext uri="{0D108BD9-81ED-4DB2-BD59-A6C34878D82A}">
+                    <a16:rowId xmlns:a16="http://schemas.microsoft.com/office/drawing/2014/main" val="871745063"/>
+                  </a:ext>
+                </a:extLst>
+              </a:tr>
+            </a:tbl>
+          </a:graphicData>
+        </a:graphic>
+      </p:graphicFrame>
+      <p:graphicFrame>
+        <p:nvGraphicFramePr>
+          <p:cNvPr id="10" name="Content Placeholder 3"/>
+          <p:cNvGraphicFramePr>
+            <a:graphicFrameLocks/>
+          </p:cNvGraphicFramePr>
+          <p:nvPr>
+            <p:extLst>
+              <p:ext uri="{D42A27DB-BD31-4B8C-83A1-F6EECF244321}">
+                <p14:modId xmlns:p14="http://schemas.microsoft.com/office/powerpoint/2010/main" val="2588347591"/>
+              </p:ext>
+            </p:extLst>
+          </p:nvPr>
+        </p:nvGraphicFramePr>
+        <p:xfrm>
+          <a:off x="467544" y="3501008"/>
+          <a:ext cx="8208912" cy="1473200"/>
+        </p:xfrm>
+        <a:graphic>
+          <a:graphicData uri="http://schemas.openxmlformats.org/drawingml/2006/table">
+            <a:tbl>
+              <a:tblPr firstRow="1" bandRow="1">
+                <a:tableStyleId>{5C22544A-7EE6-4342-B048-85BDC9FD1C3A}</a:tableStyleId>
+              </a:tblPr>
+              <a:tblGrid>
+                <a:gridCol w="1368152">
+                  <a:extLst>
+                    <a:ext uri="{9D8B030D-6E8A-4147-A177-3AD203B41FA5}">
+                      <a16:colId xmlns:a16="http://schemas.microsoft.com/office/drawing/2014/main" val="20000"/>
+                    </a:ext>
+                  </a:extLst>
+                </a:gridCol>
+                <a:gridCol w="1368152">
+                  <a:extLst>
+                    <a:ext uri="{9D8B030D-6E8A-4147-A177-3AD203B41FA5}">
+                      <a16:colId xmlns:a16="http://schemas.microsoft.com/office/drawing/2014/main" val="20001"/>
+                    </a:ext>
+                  </a:extLst>
+                </a:gridCol>
+                <a:gridCol w="1440160">
+                  <a:extLst>
+                    <a:ext uri="{9D8B030D-6E8A-4147-A177-3AD203B41FA5}">
+                      <a16:colId xmlns:a16="http://schemas.microsoft.com/office/drawing/2014/main" val="20002"/>
+                    </a:ext>
+                  </a:extLst>
+                </a:gridCol>
+                <a:gridCol w="1296144">
+                  <a:extLst>
+                    <a:ext uri="{9D8B030D-6E8A-4147-A177-3AD203B41FA5}">
+                      <a16:colId xmlns:a16="http://schemas.microsoft.com/office/drawing/2014/main" val="20003"/>
+                    </a:ext>
+                  </a:extLst>
+                </a:gridCol>
+                <a:gridCol w="1368152">
+                  <a:extLst>
+                    <a:ext uri="{9D8B030D-6E8A-4147-A177-3AD203B41FA5}">
+                      <a16:colId xmlns:a16="http://schemas.microsoft.com/office/drawing/2014/main" val="20004"/>
+                    </a:ext>
+                  </a:extLst>
+                </a:gridCol>
+                <a:gridCol w="1368152">
+                  <a:extLst>
+                    <a:ext uri="{9D8B030D-6E8A-4147-A177-3AD203B41FA5}">
+                      <a16:colId xmlns:a16="http://schemas.microsoft.com/office/drawing/2014/main" val="20005"/>
+                    </a:ext>
+                  </a:extLst>
+                </a:gridCol>
+              </a:tblGrid>
+              <a:tr h="370840">
+                <a:tc>
+                  <a:txBody>
+                    <a:bodyPr/>
+                    <a:lstStyle/>
+                    <a:p>
+                      <a:pPr algn="ctr"/>
+                      <a:r>
+                        <a:rPr lang="en-GB" dirty="0"/>
+                        <a:t>Week 7</a:t>
+                      </a:r>
+                    </a:p>
+                  </a:txBody>
+                  <a:tcPr/>
+                </a:tc>
+                <a:tc>
+                  <a:txBody>
+                    <a:bodyPr/>
+                    <a:lstStyle/>
+                    <a:p>
+                      <a:pPr algn="ctr"/>
+                      <a:r>
+                        <a:rPr lang="en-GB" dirty="0"/>
+                        <a:t>Week</a:t>
+                      </a:r>
+                      <a:r>
+                        <a:rPr lang="en-GB" baseline="0" dirty="0"/>
+                        <a:t> 8</a:t>
+                      </a:r>
+                      <a:endParaRPr lang="en-GB" dirty="0"/>
+                    </a:p>
+                  </a:txBody>
+                  <a:tcPr/>
+                </a:tc>
+                <a:tc>
+                  <a:txBody>
+                    <a:bodyPr/>
+                    <a:lstStyle/>
+                    <a:p>
+                      <a:pPr algn="ctr"/>
+                      <a:r>
+                        <a:rPr lang="en-GB" dirty="0"/>
+                        <a:t>Week 9</a:t>
+                      </a:r>
+                    </a:p>
+                  </a:txBody>
+                  <a:tcPr/>
+                </a:tc>
+                <a:tc>
+                  <a:txBody>
+                    <a:bodyPr/>
+                    <a:lstStyle/>
+                    <a:p>
+                      <a:pPr algn="ctr"/>
+                      <a:r>
+                        <a:rPr lang="en-GB" dirty="0"/>
+                        <a:t>Week 10</a:t>
+                      </a:r>
+                    </a:p>
+                  </a:txBody>
+                  <a:tcPr/>
+                </a:tc>
+                <a:tc>
+                  <a:txBody>
+                    <a:bodyPr/>
+                    <a:lstStyle/>
+                    <a:p>
+                      <a:pPr algn="ctr"/>
+                      <a:r>
+                        <a:rPr lang="en-GB" dirty="0"/>
+                        <a:t>Week 11</a:t>
+                      </a:r>
+                    </a:p>
+                  </a:txBody>
+                  <a:tcPr/>
+                </a:tc>
+                <a:tc>
+                  <a:txBody>
+                    <a:bodyPr/>
+                    <a:lstStyle/>
+                    <a:p>
+                      <a:pPr algn="ctr"/>
+                      <a:r>
+                        <a:rPr lang="en-GB" dirty="0"/>
+                        <a:t>Week 12</a:t>
+                      </a:r>
+                    </a:p>
+                  </a:txBody>
+                  <a:tcPr/>
+                </a:tc>
+                <a:extLst>
+                  <a:ext uri="{0D108BD9-81ED-4DB2-BD59-A6C34878D82A}">
+                    <a16:rowId xmlns:a16="http://schemas.microsoft.com/office/drawing/2014/main" val="10000"/>
+                  </a:ext>
+                </a:extLst>
+              </a:tr>
+              <a:tr h="370840">
+                <a:tc>
+                  <a:txBody>
+                    <a:bodyPr/>
+                    <a:lstStyle/>
+                    <a:p>
+                      <a:pPr algn="ctr"/>
+                      <a:r>
+                        <a:rPr lang="en-GB" sz="1400" baseline="0" dirty="0"/>
+                        <a:t>The recruitment process</a:t>
+                      </a:r>
+                    </a:p>
+                  </a:txBody>
+                  <a:tcPr anchor="ctr">
+                    <a:solidFill>
+                      <a:schemeClr val="accent2"/>
+                    </a:solidFill>
+                  </a:tcPr>
+                </a:tc>
+                <a:tc>
+                  <a:txBody>
+                    <a:bodyPr/>
+                    <a:lstStyle/>
+                    <a:p>
+                      <a:pPr algn="ctr"/>
+                      <a:r>
+                        <a:rPr lang="en-GB" sz="1400" dirty="0"/>
+                        <a:t>Creative &amp; effective resumes</a:t>
+                      </a:r>
+                    </a:p>
+                  </a:txBody>
+                  <a:tcPr anchor="ctr">
+                    <a:solidFill>
+                      <a:schemeClr val="accent2"/>
+                    </a:solidFill>
+                  </a:tcPr>
+                </a:tc>
+                <a:tc>
+                  <a:txBody>
+                    <a:bodyPr/>
+                    <a:lstStyle/>
+                    <a:p>
+                      <a:pPr marL="0" marR="0" indent="0" algn="ctr" defTabSz="914400" rtl="0" eaLnBrk="1" fontAlgn="auto" latinLnBrk="0" hangingPunct="1">
+                        <a:lnSpc>
+                          <a:spcPct val="100000"/>
+                        </a:lnSpc>
+                        <a:spcBef>
+                          <a:spcPts val="0"/>
+                        </a:spcBef>
+                        <a:spcAft>
+                          <a:spcPts val="0"/>
+                        </a:spcAft>
+                        <a:buClrTx/>
+                        <a:buSzTx/>
+                        <a:buFontTx/>
+                        <a:buNone/>
+                        <a:tabLst/>
+                        <a:defRPr/>
+                      </a:pPr>
+                      <a:r>
+                        <a:rPr lang="en-GB" sz="1400" dirty="0"/>
+                        <a:t>Freelancing &amp; </a:t>
+                      </a:r>
+                      <a:r>
+                        <a:rPr lang="en-GB" sz="1200" dirty="0"/>
+                        <a:t>Entrepreneurship</a:t>
+                      </a:r>
+                      <a:endParaRPr lang="en-GB" sz="1400" dirty="0"/>
+                    </a:p>
+                  </a:txBody>
+                  <a:tcPr anchor="ctr">
+                    <a:solidFill>
+                      <a:schemeClr val="accent2"/>
+                    </a:solidFill>
+                  </a:tcPr>
+                </a:tc>
+                <a:tc>
+                  <a:txBody>
+                    <a:bodyPr/>
+                    <a:lstStyle/>
+                    <a:p>
+                      <a:pPr algn="ctr"/>
+                      <a:endParaRPr lang="en-GB" sz="1400" baseline="0" dirty="0"/>
+                    </a:p>
+                  </a:txBody>
+                  <a:tcPr anchor="ctr">
+                    <a:solidFill>
+                      <a:srgbClr val="402652"/>
+                    </a:solidFill>
+                  </a:tcPr>
+                </a:tc>
+                <a:tc>
+                  <a:txBody>
+                    <a:bodyPr/>
+                    <a:lstStyle/>
+                    <a:p>
+                      <a:pPr algn="ctr"/>
+                      <a:endParaRPr lang="en-GB" sz="1400" dirty="0"/>
+                    </a:p>
+                  </a:txBody>
+                  <a:tcPr anchor="ctr">
+                    <a:solidFill>
+                      <a:srgbClr val="402652"/>
+                    </a:solidFill>
+                  </a:tcPr>
+                </a:tc>
+                <a:tc>
+                  <a:txBody>
+                    <a:bodyPr/>
+                    <a:lstStyle/>
+                    <a:p>
+                      <a:pPr algn="ctr"/>
+                      <a:endParaRPr lang="en-GB" sz="1400" dirty="0"/>
+                    </a:p>
+                  </a:txBody>
+                  <a:tcPr anchor="ctr">
+                    <a:solidFill>
+                      <a:srgbClr val="402652"/>
+                    </a:solidFill>
+                  </a:tcPr>
+                </a:tc>
+                <a:extLst>
+                  <a:ext uri="{0D108BD9-81ED-4DB2-BD59-A6C34878D82A}">
+                    <a16:rowId xmlns:a16="http://schemas.microsoft.com/office/drawing/2014/main" val="10001"/>
+                  </a:ext>
+                </a:extLst>
+              </a:tr>
+              <a:tr h="370840">
+                <a:tc>
+                  <a:txBody>
+                    <a:bodyPr/>
+                    <a:lstStyle/>
+                    <a:p>
+                      <a:pPr marL="0" marR="0" lvl="0" indent="0" algn="ctr" defTabSz="914400" rtl="0" eaLnBrk="1" fontAlgn="auto" latinLnBrk="0" hangingPunct="1">
+                        <a:lnSpc>
+                          <a:spcPct val="100000"/>
+                        </a:lnSpc>
+                        <a:spcBef>
+                          <a:spcPts val="0"/>
+                        </a:spcBef>
+                        <a:spcAft>
+                          <a:spcPts val="0"/>
+                        </a:spcAft>
+                        <a:buClrTx/>
+                        <a:buSzTx/>
+                        <a:buFontTx/>
+                        <a:buNone/>
+                        <a:tabLst/>
+                        <a:defRPr/>
+                      </a:pPr>
+                      <a:r>
+                        <a:rPr kumimoji="0" lang="en-GB" sz="1400" b="0" i="0" u="none" strike="noStrike" kern="1200" cap="none" spc="0" normalizeH="0" baseline="0" noProof="0">
+                          <a:ln>
+                            <a:noFill/>
+                          </a:ln>
+                          <a:solidFill>
+                            <a:prstClr val="black"/>
+                          </a:solidFill>
+                          <a:effectLst/>
+                          <a:uLnTx/>
+                          <a:uFillTx/>
+                          <a:latin typeface="Calibri"/>
+                          <a:ea typeface="+mn-ea"/>
+                          <a:cs typeface="+mn-cs"/>
+                        </a:rPr>
+                        <a:t>Tutorial</a:t>
+                      </a:r>
+                      <a:endParaRPr kumimoji="0" lang="en-GB" sz="1400" b="0" i="0" u="none" strike="noStrike" kern="1200" cap="none" spc="0" normalizeH="0" baseline="0" noProof="0" dirty="0">
+                        <a:ln>
+                          <a:noFill/>
+                        </a:ln>
+                        <a:solidFill>
+                          <a:prstClr val="black"/>
+                        </a:solidFill>
+                        <a:effectLst/>
+                        <a:uLnTx/>
+                        <a:uFillTx/>
+                        <a:latin typeface="Calibri"/>
+                        <a:ea typeface="+mn-ea"/>
+                        <a:cs typeface="+mn-cs"/>
+                      </a:endParaRPr>
+                    </a:p>
+                  </a:txBody>
+                  <a:tcPr anchor="ctr">
+                    <a:solidFill>
+                      <a:schemeClr val="accent3"/>
+                    </a:solidFill>
+                  </a:tcPr>
+                </a:tc>
+                <a:tc>
+                  <a:txBody>
+                    <a:bodyPr/>
+                    <a:lstStyle/>
+                    <a:p>
+                      <a:pPr marL="0" marR="0" lvl="0" indent="0" algn="ctr" defTabSz="914400" rtl="0" eaLnBrk="1" fontAlgn="auto" latinLnBrk="0" hangingPunct="1">
+                        <a:lnSpc>
+                          <a:spcPct val="100000"/>
+                        </a:lnSpc>
+                        <a:spcBef>
+                          <a:spcPts val="0"/>
+                        </a:spcBef>
+                        <a:spcAft>
+                          <a:spcPts val="0"/>
+                        </a:spcAft>
+                        <a:buClrTx/>
+                        <a:buSzTx/>
+                        <a:buFontTx/>
+                        <a:buNone/>
+                        <a:tabLst/>
+                        <a:defRPr/>
+                      </a:pPr>
+                      <a:r>
+                        <a:rPr kumimoji="0" lang="en-GB" sz="1400" b="0" i="0" u="none" strike="noStrike" kern="1200" cap="none" spc="0" normalizeH="0" baseline="0" noProof="0">
+                          <a:ln>
+                            <a:noFill/>
+                          </a:ln>
+                          <a:solidFill>
+                            <a:prstClr val="black"/>
+                          </a:solidFill>
+                          <a:effectLst/>
+                          <a:uLnTx/>
+                          <a:uFillTx/>
+                          <a:latin typeface="Calibri"/>
+                          <a:ea typeface="+mn-ea"/>
+                          <a:cs typeface="+mn-cs"/>
+                        </a:rPr>
+                        <a:t>Tutorial</a:t>
+                      </a:r>
+                      <a:endParaRPr kumimoji="0" lang="en-GB" sz="1400" b="0" i="0" u="none" strike="noStrike" kern="1200" cap="none" spc="0" normalizeH="0" baseline="0" noProof="0" dirty="0">
+                        <a:ln>
+                          <a:noFill/>
+                        </a:ln>
+                        <a:solidFill>
+                          <a:prstClr val="black"/>
+                        </a:solidFill>
+                        <a:effectLst/>
+                        <a:uLnTx/>
+                        <a:uFillTx/>
+                        <a:latin typeface="Calibri"/>
+                        <a:ea typeface="+mn-ea"/>
+                        <a:cs typeface="+mn-cs"/>
+                      </a:endParaRPr>
+                    </a:p>
+                  </a:txBody>
+                  <a:tcPr anchor="ctr">
+                    <a:solidFill>
+                      <a:schemeClr val="accent3"/>
+                    </a:solidFill>
+                  </a:tcPr>
+                </a:tc>
+                <a:tc>
+                  <a:txBody>
+                    <a:bodyPr/>
+                    <a:lstStyle/>
+                    <a:p>
+                      <a:pPr marL="0" marR="0" lvl="0" indent="0" algn="ctr" defTabSz="914400" rtl="0" eaLnBrk="1" fontAlgn="auto" latinLnBrk="0" hangingPunct="1">
+                        <a:lnSpc>
+                          <a:spcPct val="100000"/>
+                        </a:lnSpc>
+                        <a:spcBef>
+                          <a:spcPts val="0"/>
+                        </a:spcBef>
+                        <a:spcAft>
+                          <a:spcPts val="0"/>
+                        </a:spcAft>
+                        <a:buClrTx/>
+                        <a:buSzTx/>
+                        <a:buFontTx/>
+                        <a:buNone/>
+                        <a:tabLst/>
+                        <a:defRPr/>
+                      </a:pPr>
+                      <a:r>
+                        <a:rPr kumimoji="0" lang="en-GB" sz="1400" b="0" i="0" u="none" strike="noStrike" kern="1200" cap="none" spc="0" normalizeH="0" baseline="0" noProof="0">
+                          <a:ln>
+                            <a:noFill/>
+                          </a:ln>
+                          <a:solidFill>
+                            <a:prstClr val="black"/>
+                          </a:solidFill>
+                          <a:effectLst/>
+                          <a:uLnTx/>
+                          <a:uFillTx/>
+                          <a:latin typeface="Calibri"/>
+                          <a:ea typeface="+mn-ea"/>
+                          <a:cs typeface="+mn-cs"/>
+                        </a:rPr>
+                        <a:t>Tutorial</a:t>
+                      </a:r>
+                      <a:endParaRPr kumimoji="0" lang="en-GB" sz="1400" b="0" i="0" u="none" strike="noStrike" kern="1200" cap="none" spc="0" normalizeH="0" baseline="0" noProof="0" dirty="0">
+                        <a:ln>
+                          <a:noFill/>
+                        </a:ln>
+                        <a:solidFill>
+                          <a:prstClr val="black"/>
+                        </a:solidFill>
+                        <a:effectLst/>
+                        <a:uLnTx/>
+                        <a:uFillTx/>
+                        <a:latin typeface="Calibri"/>
+                        <a:ea typeface="+mn-ea"/>
+                        <a:cs typeface="+mn-cs"/>
+                      </a:endParaRPr>
+                    </a:p>
+                  </a:txBody>
+                  <a:tcPr anchor="ctr">
+                    <a:solidFill>
+                      <a:schemeClr val="accent3"/>
+                    </a:solidFill>
+                  </a:tcPr>
+                </a:tc>
+                <a:tc>
+                  <a:txBody>
+                    <a:bodyPr/>
+                    <a:lstStyle/>
+                    <a:p>
+                      <a:pPr marL="0" marR="0" lvl="0" indent="0" algn="ctr" defTabSz="914400" rtl="0" eaLnBrk="1" fontAlgn="auto" latinLnBrk="0" hangingPunct="1">
+                        <a:lnSpc>
+                          <a:spcPct val="100000"/>
+                        </a:lnSpc>
+                        <a:spcBef>
+                          <a:spcPts val="0"/>
+                        </a:spcBef>
+                        <a:spcAft>
+                          <a:spcPts val="0"/>
+                        </a:spcAft>
+                        <a:buClrTx/>
+                        <a:buSzTx/>
+                        <a:buFontTx/>
+                        <a:buNone/>
+                        <a:tabLst/>
+                        <a:defRPr/>
+                      </a:pPr>
+                      <a:r>
+                        <a:rPr kumimoji="0" lang="en-GB" sz="1400" b="0" i="0" u="none" strike="noStrike" kern="1200" cap="none" spc="0" normalizeH="0" baseline="0" noProof="0">
+                          <a:ln>
+                            <a:noFill/>
+                          </a:ln>
+                          <a:solidFill>
+                            <a:prstClr val="black"/>
+                          </a:solidFill>
+                          <a:effectLst/>
+                          <a:uLnTx/>
+                          <a:uFillTx/>
+                          <a:latin typeface="Calibri"/>
+                          <a:ea typeface="+mn-ea"/>
+                          <a:cs typeface="+mn-cs"/>
+                        </a:rPr>
+                        <a:t>Tutorial</a:t>
+                      </a:r>
+                      <a:endParaRPr kumimoji="0" lang="en-GB" sz="1400" b="0" i="0" u="none" strike="noStrike" kern="1200" cap="none" spc="0" normalizeH="0" baseline="0" noProof="0" dirty="0">
+                        <a:ln>
+                          <a:noFill/>
+                        </a:ln>
+                        <a:solidFill>
+                          <a:prstClr val="black"/>
+                        </a:solidFill>
+                        <a:effectLst/>
+                        <a:uLnTx/>
+                        <a:uFillTx/>
+                        <a:latin typeface="Calibri"/>
+                        <a:ea typeface="+mn-ea"/>
+                        <a:cs typeface="+mn-cs"/>
+                      </a:endParaRPr>
+                    </a:p>
+                  </a:txBody>
+                  <a:tcPr anchor="ctr">
+                    <a:solidFill>
+                      <a:schemeClr val="accent3"/>
+                    </a:solidFill>
+                  </a:tcPr>
+                </a:tc>
+                <a:tc>
+                  <a:txBody>
+                    <a:bodyPr/>
+                    <a:lstStyle/>
+                    <a:p>
+                      <a:pPr marL="0" marR="0" lvl="0" indent="0" algn="ctr" defTabSz="914400" rtl="0" eaLnBrk="1" fontAlgn="auto" latinLnBrk="0" hangingPunct="1">
+                        <a:lnSpc>
+                          <a:spcPct val="100000"/>
+                        </a:lnSpc>
+                        <a:spcBef>
+                          <a:spcPts val="0"/>
+                        </a:spcBef>
+                        <a:spcAft>
+                          <a:spcPts val="0"/>
+                        </a:spcAft>
+                        <a:buClrTx/>
+                        <a:buSzTx/>
+                        <a:buFontTx/>
+                        <a:buNone/>
+                        <a:tabLst/>
+                        <a:defRPr/>
+                      </a:pPr>
+                      <a:r>
+                        <a:rPr kumimoji="0" lang="en-GB" sz="1400" b="0" i="0" u="none" strike="noStrike" kern="1200" cap="none" spc="0" normalizeH="0" baseline="0" noProof="0">
+                          <a:ln>
+                            <a:noFill/>
+                          </a:ln>
+                          <a:solidFill>
+                            <a:prstClr val="black"/>
+                          </a:solidFill>
+                          <a:effectLst/>
+                          <a:uLnTx/>
+                          <a:uFillTx/>
+                          <a:latin typeface="Calibri"/>
+                          <a:ea typeface="+mn-ea"/>
+                          <a:cs typeface="+mn-cs"/>
+                        </a:rPr>
+                        <a:t>Tutorial</a:t>
+                      </a:r>
+                      <a:endParaRPr kumimoji="0" lang="en-GB" sz="1400" b="0" i="0" u="none" strike="noStrike" kern="1200" cap="none" spc="0" normalizeH="0" baseline="0" noProof="0" dirty="0">
+                        <a:ln>
+                          <a:noFill/>
+                        </a:ln>
+                        <a:solidFill>
+                          <a:prstClr val="black"/>
+                        </a:solidFill>
+                        <a:effectLst/>
+                        <a:uLnTx/>
+                        <a:uFillTx/>
+                        <a:latin typeface="Calibri"/>
+                        <a:ea typeface="+mn-ea"/>
+                        <a:cs typeface="+mn-cs"/>
+                      </a:endParaRPr>
+                    </a:p>
+                  </a:txBody>
+                  <a:tcPr anchor="ctr">
+                    <a:solidFill>
+                      <a:schemeClr val="accent3"/>
+                    </a:solidFill>
+                  </a:tcPr>
+                </a:tc>
+                <a:tc>
+                  <a:txBody>
+                    <a:bodyPr/>
+                    <a:lstStyle/>
+                    <a:p>
+                      <a:pPr marL="0" marR="0" lvl="0" indent="0" algn="ctr" defTabSz="914400" rtl="0" eaLnBrk="1" fontAlgn="auto" latinLnBrk="0" hangingPunct="1">
+                        <a:lnSpc>
+                          <a:spcPct val="100000"/>
+                        </a:lnSpc>
+                        <a:spcBef>
+                          <a:spcPts val="0"/>
+                        </a:spcBef>
+                        <a:spcAft>
+                          <a:spcPts val="0"/>
+                        </a:spcAft>
+                        <a:buClrTx/>
+                        <a:buSzTx/>
+                        <a:buFontTx/>
+                        <a:buNone/>
+                        <a:tabLst/>
+                        <a:defRPr/>
+                      </a:pPr>
+                      <a:r>
+                        <a:rPr kumimoji="0" lang="en-GB" sz="1400" b="0" i="0" u="none" strike="noStrike" kern="1200" cap="none" spc="0" normalizeH="0" baseline="0" noProof="0" dirty="0">
+                          <a:ln>
+                            <a:noFill/>
+                          </a:ln>
+                          <a:solidFill>
+                            <a:prstClr val="black"/>
+                          </a:solidFill>
+                          <a:effectLst/>
+                          <a:uLnTx/>
+                          <a:uFillTx/>
+                          <a:latin typeface="Calibri"/>
+                          <a:ea typeface="+mn-ea"/>
+                          <a:cs typeface="+mn-cs"/>
+                        </a:rPr>
+                        <a:t>Tutorial</a:t>
+                      </a:r>
+                    </a:p>
+                  </a:txBody>
+                  <a:tcPr anchor="ctr">
+                    <a:solidFill>
+                      <a:schemeClr val="accent3"/>
+                    </a:solidFill>
+                  </a:tcPr>
+                </a:tc>
+                <a:extLst>
+                  <a:ext uri="{0D108BD9-81ED-4DB2-BD59-A6C34878D82A}">
+                    <a16:rowId xmlns:a16="http://schemas.microsoft.com/office/drawing/2014/main" val="3897389130"/>
+                  </a:ext>
+                </a:extLst>
+              </a:tr>
+            </a:tbl>
+          </a:graphicData>
+        </a:graphic>
+      </p:graphicFrame>
+      <p:graphicFrame>
+        <p:nvGraphicFramePr>
+          <p:cNvPr id="7" name="Content Placeholder 3">
+            <a:extLst>
+              <a:ext uri="{FF2B5EF4-FFF2-40B4-BE49-F238E27FC236}">
+                <a16:creationId xmlns:a16="http://schemas.microsoft.com/office/drawing/2014/main" id="{1FDBB499-B236-453B-BFE1-0247D66A5A2D}"/>
+              </a:ext>
+            </a:extLst>
+          </p:cNvPr>
+          <p:cNvGraphicFramePr>
+            <a:graphicFrameLocks/>
+          </p:cNvGraphicFramePr>
+          <p:nvPr>
+            <p:extLst>
+              <p:ext uri="{D42A27DB-BD31-4B8C-83A1-F6EECF244321}">
+                <p14:modId xmlns:p14="http://schemas.microsoft.com/office/powerpoint/2010/main" val="1307167633"/>
+              </p:ext>
+            </p:extLst>
+          </p:nvPr>
+        </p:nvGraphicFramePr>
+        <p:xfrm>
+          <a:off x="467544" y="5216991"/>
+          <a:ext cx="1368152" cy="889000"/>
+        </p:xfrm>
+        <a:graphic>
+          <a:graphicData uri="http://schemas.openxmlformats.org/drawingml/2006/table">
+            <a:tbl>
+              <a:tblPr firstRow="1" bandRow="1">
+                <a:tableStyleId>{5C22544A-7EE6-4342-B048-85BDC9FD1C3A}</a:tableStyleId>
+              </a:tblPr>
+              <a:tblGrid>
+                <a:gridCol w="1368152">
+                  <a:extLst>
+                    <a:ext uri="{9D8B030D-6E8A-4147-A177-3AD203B41FA5}">
+                      <a16:colId xmlns:a16="http://schemas.microsoft.com/office/drawing/2014/main" val="20000"/>
+                    </a:ext>
+                  </a:extLst>
+                </a:gridCol>
+              </a:tblGrid>
+              <a:tr h="370840">
+                <a:tc>
+                  <a:txBody>
+                    <a:bodyPr/>
+                    <a:lstStyle/>
+                    <a:p>
+                      <a:pPr algn="ctr"/>
+                      <a:r>
+                        <a:rPr lang="en-GB" dirty="0"/>
+                        <a:t>Week 13</a:t>
+                      </a:r>
+                    </a:p>
+                  </a:txBody>
+                  <a:tcPr/>
+                </a:tc>
+                <a:extLst>
+                  <a:ext uri="{0D108BD9-81ED-4DB2-BD59-A6C34878D82A}">
+                    <a16:rowId xmlns:a16="http://schemas.microsoft.com/office/drawing/2014/main" val="10000"/>
+                  </a:ext>
+                </a:extLst>
+              </a:tr>
+              <a:tr h="370840">
+                <a:tc>
+                  <a:txBody>
+                    <a:bodyPr/>
+                    <a:lstStyle/>
+                    <a:p>
+                      <a:pPr algn="ctr"/>
+                      <a:r>
+                        <a:rPr lang="en-GB" sz="1400" baseline="0" dirty="0"/>
+                        <a:t>Showcase </a:t>
+                      </a:r>
+                    </a:p>
+                    <a:p>
+                      <a:pPr algn="ctr"/>
+                      <a:r>
+                        <a:rPr lang="en-GB" sz="1400" baseline="0" dirty="0"/>
+                        <a:t>Tutorial</a:t>
+                      </a:r>
+                    </a:p>
+                  </a:txBody>
+                  <a:tcPr anchor="ctr">
+                    <a:solidFill>
+                      <a:schemeClr val="accent6">
+                        <a:lumMod val="40000"/>
+                        <a:lumOff val="60000"/>
+                      </a:schemeClr>
+                    </a:solidFill>
+                  </a:tcPr>
+                </a:tc>
+                <a:extLst>
+                  <a:ext uri="{0D108BD9-81ED-4DB2-BD59-A6C34878D82A}">
+                    <a16:rowId xmlns:a16="http://schemas.microsoft.com/office/drawing/2014/main" val="10001"/>
+                  </a:ext>
+                </a:extLst>
+              </a:tr>
+            </a:tbl>
+          </a:graphicData>
+        </a:graphic>
+      </p:graphicFrame>
+    </p:spTree>
+    <p:extLst>
+      <p:ext uri="{BB962C8B-B14F-4D97-AF65-F5344CB8AC3E}">
+        <p14:creationId xmlns:p14="http://schemas.microsoft.com/office/powerpoint/2010/main" val="2032162700"/>
+      </p:ext>
+    </p:extLst>
+  </p:cSld>
+  <p:clrMapOvr>
+    <a:masterClrMapping/>
+  </p:clrMapOvr>
+</p:sld>
+</file>
+
+<file path=ppt/slides/slide11.xml><?xml version="1.0" encoding="utf-8"?>
+<p:sld xmlns:a="http://schemas.openxmlformats.org/drawingml/2006/main" xmlns:r="http://schemas.openxmlformats.org/officeDocument/2006/relationships" xmlns:p="http://schemas.openxmlformats.org/presentationml/2006/main">
+  <p:cSld>
+    <p:spTree>
+      <p:nvGrpSpPr>
+        <p:cNvPr id="1" name=""/>
+        <p:cNvGrpSpPr/>
+        <p:nvPr/>
+      </p:nvGrpSpPr>
+      <p:grpSpPr>
+        <a:xfrm>
+          <a:off x="0" y="0"/>
+          <a:ext cx="0" cy="0"/>
+          <a:chOff x="0" y="0"/>
+          <a:chExt cx="0" cy="0"/>
+        </a:xfrm>
+      </p:grpSpPr>
+      <p:sp>
+        <p:nvSpPr>
+          <p:cNvPr id="3" name="Content Placeholder 2"/>
+          <p:cNvSpPr>
+            <a:spLocks noGrp="1"/>
+          </p:cNvSpPr>
+          <p:nvPr>
+            <p:ph idx="1"/>
+          </p:nvPr>
+        </p:nvSpPr>
+        <p:spPr>
+          <a:xfrm>
+            <a:off x="457200" y="548680"/>
+            <a:ext cx="8229600" cy="6192688"/>
+          </a:xfrm>
+        </p:spPr>
+        <p:txBody>
+          <a:bodyPr>
+            <a:normAutofit/>
+          </a:bodyPr>
+          <a:lstStyle/>
+          <a:p>
+            <a:r>
+              <a:rPr lang="en-GB" dirty="0"/>
+              <a:t>Introduction to the module</a:t>
+            </a:r>
+          </a:p>
+          <a:p>
+            <a:pPr lvl="1"/>
+            <a:r>
+              <a:rPr lang="en-GB" dirty="0"/>
+              <a:t>Route tutors:</a:t>
+            </a:r>
+          </a:p>
+          <a:p>
+            <a:pPr marL="914400" lvl="2" indent="0">
+              <a:buNone/>
+            </a:pPr>
+            <a:endParaRPr lang="en-GB" dirty="0"/>
+          </a:p>
+        </p:txBody>
+      </p:sp>
+      <p:graphicFrame>
+        <p:nvGraphicFramePr>
+          <p:cNvPr id="2" name="Table 1">
+            <a:extLst>
+              <a:ext uri="{FF2B5EF4-FFF2-40B4-BE49-F238E27FC236}">
+                <a16:creationId xmlns:a16="http://schemas.microsoft.com/office/drawing/2014/main" id="{B1B30794-30EB-8F4A-A8CD-A01141A78BE7}"/>
+              </a:ext>
+            </a:extLst>
+          </p:cNvPr>
+          <p:cNvGraphicFramePr>
+            <a:graphicFrameLocks noGrp="1"/>
+          </p:cNvGraphicFramePr>
+          <p:nvPr>
+            <p:extLst>
+              <p:ext uri="{D42A27DB-BD31-4B8C-83A1-F6EECF244321}">
+                <p14:modId xmlns:p14="http://schemas.microsoft.com/office/powerpoint/2010/main" val="406467232"/>
+              </p:ext>
+            </p:extLst>
+          </p:nvPr>
+        </p:nvGraphicFramePr>
+        <p:xfrm>
+          <a:off x="467544" y="2060848"/>
+          <a:ext cx="7931223" cy="2865120"/>
+        </p:xfrm>
+        <a:graphic>
+          <a:graphicData uri="http://schemas.openxmlformats.org/drawingml/2006/table">
+            <a:tbl>
+              <a:tblPr firstRow="1" bandRow="1">
+                <a:tableStyleId>{5C22544A-7EE6-4342-B048-85BDC9FD1C3A}</a:tableStyleId>
+              </a:tblPr>
+              <a:tblGrid>
+                <a:gridCol w="1584176">
+                  <a:extLst>
+                    <a:ext uri="{9D8B030D-6E8A-4147-A177-3AD203B41FA5}">
+                      <a16:colId xmlns:a16="http://schemas.microsoft.com/office/drawing/2014/main" val="3727220014"/>
+                    </a:ext>
+                  </a:extLst>
+                </a:gridCol>
+                <a:gridCol w="1944216">
+                  <a:extLst>
+                    <a:ext uri="{9D8B030D-6E8A-4147-A177-3AD203B41FA5}">
+                      <a16:colId xmlns:a16="http://schemas.microsoft.com/office/drawing/2014/main" val="4267697994"/>
+                    </a:ext>
+                  </a:extLst>
+                </a:gridCol>
+                <a:gridCol w="4402831">
+                  <a:extLst>
+                    <a:ext uri="{9D8B030D-6E8A-4147-A177-3AD203B41FA5}">
+                      <a16:colId xmlns:a16="http://schemas.microsoft.com/office/drawing/2014/main" val="1227758607"/>
+                    </a:ext>
+                  </a:extLst>
+                </a:gridCol>
+              </a:tblGrid>
+              <a:tr h="370840">
+                <a:tc>
+                  <a:txBody>
+                    <a:bodyPr/>
+                    <a:lstStyle/>
+                    <a:p>
+                      <a:r>
+                        <a:rPr lang="en-US" dirty="0"/>
+                        <a:t>Route</a:t>
+                      </a:r>
+                    </a:p>
+                  </a:txBody>
+                  <a:tcPr/>
+                </a:tc>
+                <a:tc>
+                  <a:txBody>
+                    <a:bodyPr/>
+                    <a:lstStyle/>
+                    <a:p>
+                      <a:r>
+                        <a:rPr lang="en-US" dirty="0"/>
+                        <a:t>Tutor</a:t>
+                      </a:r>
+                    </a:p>
+                  </a:txBody>
+                  <a:tcPr/>
+                </a:tc>
+                <a:tc>
+                  <a:txBody>
+                    <a:bodyPr/>
+                    <a:lstStyle/>
+                    <a:p>
+                      <a:r>
+                        <a:rPr lang="en-US" dirty="0"/>
+                        <a:t>Contact</a:t>
+                      </a:r>
+                    </a:p>
+                  </a:txBody>
+                  <a:tcPr/>
+                </a:tc>
+                <a:extLst>
+                  <a:ext uri="{0D108BD9-81ED-4DB2-BD59-A6C34878D82A}">
+                    <a16:rowId xmlns:a16="http://schemas.microsoft.com/office/drawing/2014/main" val="1930759822"/>
+                  </a:ext>
+                </a:extLst>
+              </a:tr>
+              <a:tr h="370840">
+                <a:tc>
+                  <a:txBody>
+                    <a:bodyPr/>
+                    <a:lstStyle/>
+                    <a:p>
+                      <a:r>
+                        <a:rPr lang="en-US" dirty="0"/>
+                        <a:t>Animation</a:t>
+                      </a:r>
+                    </a:p>
+                  </a:txBody>
+                  <a:tcPr/>
+                </a:tc>
+                <a:tc>
+                  <a:txBody>
+                    <a:bodyPr/>
+                    <a:lstStyle/>
+                    <a:p>
+                      <a:r>
+                        <a:rPr lang="en-US" dirty="0"/>
+                        <a:t>Rich Milligan</a:t>
+                      </a:r>
+                    </a:p>
+                  </a:txBody>
+                  <a:tcPr/>
+                </a:tc>
+                <a:tc>
+                  <a:txBody>
+                    <a:bodyPr/>
+                    <a:lstStyle/>
+                    <a:p>
+                      <a:r>
+                        <a:rPr lang="en-GB" sz="1600" b="0" kern="1200" dirty="0" err="1">
+                          <a:solidFill>
+                            <a:schemeClr val="dk1"/>
+                          </a:solidFill>
+                          <a:effectLst/>
+                          <a:latin typeface="Courier New" panose="02070309020205020404" pitchFamily="49" charset="0"/>
+                          <a:ea typeface="+mn-ea"/>
+                          <a:cs typeface="Courier New" panose="02070309020205020404" pitchFamily="49" charset="0"/>
+                        </a:rPr>
+                        <a:t>Richard.Milligan@falmouth.ac.uk</a:t>
+                      </a:r>
+                      <a:r>
+                        <a:rPr lang="en-GB" sz="1600" b="0" dirty="0">
+                          <a:effectLst/>
+                          <a:latin typeface="Courier New" panose="02070309020205020404" pitchFamily="49" charset="0"/>
+                          <a:cs typeface="Courier New" panose="02070309020205020404" pitchFamily="49" charset="0"/>
+                        </a:rPr>
+                        <a:t> </a:t>
+                      </a:r>
+                      <a:endParaRPr lang="en-US" sz="1600" b="0" dirty="0">
+                        <a:latin typeface="Courier New" panose="02070309020205020404" pitchFamily="49" charset="0"/>
+                        <a:cs typeface="Courier New" panose="02070309020205020404" pitchFamily="49" charset="0"/>
+                      </a:endParaRPr>
+                    </a:p>
+                  </a:txBody>
+                  <a:tcPr/>
+                </a:tc>
+                <a:extLst>
+                  <a:ext uri="{0D108BD9-81ED-4DB2-BD59-A6C34878D82A}">
+                    <a16:rowId xmlns:a16="http://schemas.microsoft.com/office/drawing/2014/main" val="759509736"/>
+                  </a:ext>
+                </a:extLst>
+              </a:tr>
+              <a:tr h="370840">
+                <a:tc>
+                  <a:txBody>
+                    <a:bodyPr/>
+                    <a:lstStyle/>
+                    <a:p>
+                      <a:r>
+                        <a:rPr lang="en-US" dirty="0"/>
+                        <a:t>Art</a:t>
+                      </a:r>
+                    </a:p>
+                  </a:txBody>
+                  <a:tcPr/>
+                </a:tc>
+                <a:tc>
+                  <a:txBody>
+                    <a:bodyPr/>
+                    <a:lstStyle/>
+                    <a:p>
+                      <a:r>
+                        <a:rPr lang="en-US" dirty="0"/>
+                        <a:t>Phoebe Herring</a:t>
+                      </a:r>
+                    </a:p>
+                    <a:p>
+                      <a:r>
+                        <a:rPr lang="en-US" dirty="0"/>
+                        <a:t>Jon Pledger</a:t>
+                      </a:r>
+                    </a:p>
+                  </a:txBody>
+                  <a:tcPr/>
+                </a:tc>
+                <a:tc>
+                  <a:txBody>
+                    <a:bodyPr/>
+                    <a:lstStyle/>
+                    <a:p>
+                      <a:r>
+                        <a:rPr lang="en-GB" sz="1600" b="0" kern="1200" dirty="0" err="1">
+                          <a:solidFill>
+                            <a:schemeClr val="dk1"/>
+                          </a:solidFill>
+                          <a:effectLst/>
+                          <a:latin typeface="Courier New" panose="02070309020205020404" pitchFamily="49" charset="0"/>
+                          <a:ea typeface="+mn-ea"/>
+                          <a:cs typeface="Courier New" panose="02070309020205020404" pitchFamily="49" charset="0"/>
+                        </a:rPr>
+                        <a:t>Phoebe.Herring@falmouth.ac.uk</a:t>
+                      </a:r>
+                      <a:r>
+                        <a:rPr lang="en-GB" sz="1600" b="0" dirty="0">
+                          <a:effectLst/>
+                          <a:latin typeface="Courier New" panose="02070309020205020404" pitchFamily="49" charset="0"/>
+                          <a:cs typeface="Courier New" panose="02070309020205020404" pitchFamily="49" charset="0"/>
+                        </a:rPr>
+                        <a:t> </a:t>
+                      </a:r>
+                    </a:p>
+                    <a:p>
+                      <a:r>
+                        <a:rPr lang="en-GB" sz="1600" b="0" kern="1200" dirty="0" err="1">
+                          <a:solidFill>
+                            <a:schemeClr val="dk1"/>
+                          </a:solidFill>
+                          <a:effectLst/>
+                          <a:latin typeface="Courier New" panose="02070309020205020404" pitchFamily="49" charset="0"/>
+                          <a:ea typeface="+mn-ea"/>
+                          <a:cs typeface="Courier New" panose="02070309020205020404" pitchFamily="49" charset="0"/>
+                        </a:rPr>
+                        <a:t>jon.pledger@falmouth.ac.uk</a:t>
+                      </a:r>
+                      <a:r>
+                        <a:rPr lang="en-GB" sz="1600" b="0" dirty="0">
+                          <a:effectLst/>
+                          <a:latin typeface="Courier New" panose="02070309020205020404" pitchFamily="49" charset="0"/>
+                          <a:cs typeface="Courier New" panose="02070309020205020404" pitchFamily="49" charset="0"/>
+                        </a:rPr>
+                        <a:t> </a:t>
+                      </a:r>
+                      <a:endParaRPr lang="en-US" sz="1600" b="0" dirty="0">
+                        <a:latin typeface="Courier New" panose="02070309020205020404" pitchFamily="49" charset="0"/>
+                        <a:cs typeface="Courier New" panose="02070309020205020404" pitchFamily="49" charset="0"/>
+                      </a:endParaRPr>
+                    </a:p>
+                  </a:txBody>
+                  <a:tcPr/>
+                </a:tc>
+                <a:extLst>
+                  <a:ext uri="{0D108BD9-81ED-4DB2-BD59-A6C34878D82A}">
+                    <a16:rowId xmlns:a16="http://schemas.microsoft.com/office/drawing/2014/main" val="2124743011"/>
+                  </a:ext>
+                </a:extLst>
+              </a:tr>
+              <a:tr h="370840">
+                <a:tc>
+                  <a:txBody>
+                    <a:bodyPr/>
+                    <a:lstStyle/>
+                    <a:p>
+                      <a:r>
+                        <a:rPr lang="en-US" dirty="0"/>
+                        <a:t>Audio</a:t>
+                      </a:r>
+                    </a:p>
+                  </a:txBody>
+                  <a:tcPr/>
+                </a:tc>
+                <a:tc>
+                  <a:txBody>
+                    <a:bodyPr/>
+                    <a:lstStyle/>
+                    <a:p>
+                      <a:r>
+                        <a:rPr lang="en-US" dirty="0"/>
+                        <a:t>Pete Shepherd</a:t>
+                      </a:r>
+                    </a:p>
+                  </a:txBody>
+                  <a:tcPr/>
+                </a:tc>
+                <a:tc>
+                  <a:txBody>
+                    <a:bodyPr/>
+                    <a:lstStyle/>
+                    <a:p>
+                      <a:r>
+                        <a:rPr lang="en-GB" sz="1600" b="0" kern="1200" dirty="0" err="1">
+                          <a:solidFill>
+                            <a:schemeClr val="dk1"/>
+                          </a:solidFill>
+                          <a:effectLst/>
+                          <a:latin typeface="Courier New" panose="02070309020205020404" pitchFamily="49" charset="0"/>
+                          <a:ea typeface="+mn-ea"/>
+                          <a:cs typeface="Courier New" panose="02070309020205020404" pitchFamily="49" charset="0"/>
+                        </a:rPr>
+                        <a:t>Pete.Shepherd@falmouth.ac.uk</a:t>
+                      </a:r>
+                      <a:r>
+                        <a:rPr lang="en-GB" sz="1600" b="0" dirty="0">
+                          <a:effectLst/>
+                          <a:latin typeface="Courier New" panose="02070309020205020404" pitchFamily="49" charset="0"/>
+                          <a:cs typeface="Courier New" panose="02070309020205020404" pitchFamily="49" charset="0"/>
+                        </a:rPr>
+                        <a:t> </a:t>
+                      </a:r>
+                      <a:endParaRPr lang="en-US" sz="1600" b="0" dirty="0">
+                        <a:latin typeface="Courier New" panose="02070309020205020404" pitchFamily="49" charset="0"/>
+                        <a:cs typeface="Courier New" panose="02070309020205020404" pitchFamily="49" charset="0"/>
+                      </a:endParaRPr>
+                    </a:p>
+                  </a:txBody>
+                  <a:tcPr/>
+                </a:tc>
+                <a:extLst>
+                  <a:ext uri="{0D108BD9-81ED-4DB2-BD59-A6C34878D82A}">
+                    <a16:rowId xmlns:a16="http://schemas.microsoft.com/office/drawing/2014/main" val="638014625"/>
+                  </a:ext>
+                </a:extLst>
+              </a:tr>
+              <a:tr h="370840">
+                <a:tc>
+                  <a:txBody>
+                    <a:bodyPr/>
+                    <a:lstStyle/>
+                    <a:p>
+                      <a:r>
+                        <a:rPr lang="en-US" dirty="0"/>
+                        <a:t>Design</a:t>
+                      </a:r>
+                    </a:p>
+                  </a:txBody>
+                  <a:tcPr/>
+                </a:tc>
+                <a:tc>
+                  <a:txBody>
+                    <a:bodyPr/>
+                    <a:lstStyle/>
+                    <a:p>
+                      <a:r>
+                        <a:rPr lang="en-US" dirty="0"/>
+                        <a:t>Terry Greer</a:t>
+                      </a:r>
+                    </a:p>
+                  </a:txBody>
+                  <a:tcPr/>
+                </a:tc>
+                <a:tc>
+                  <a:txBody>
+                    <a:bodyPr/>
+                    <a:lstStyle/>
+                    <a:p>
+                      <a:r>
+                        <a:rPr lang="en-GB" sz="1600" b="0" kern="1200" dirty="0" err="1">
+                          <a:solidFill>
+                            <a:schemeClr val="dk1"/>
+                          </a:solidFill>
+                          <a:effectLst/>
+                          <a:latin typeface="Courier New" panose="02070309020205020404" pitchFamily="49" charset="0"/>
+                          <a:ea typeface="+mn-ea"/>
+                          <a:cs typeface="Courier New" panose="02070309020205020404" pitchFamily="49" charset="0"/>
+                        </a:rPr>
+                        <a:t>Terry.Greer@falmouth.ac.uk</a:t>
+                      </a:r>
+                      <a:r>
+                        <a:rPr lang="en-GB" sz="1600" b="0" dirty="0">
+                          <a:effectLst/>
+                          <a:latin typeface="Courier New" panose="02070309020205020404" pitchFamily="49" charset="0"/>
+                          <a:cs typeface="Courier New" panose="02070309020205020404" pitchFamily="49" charset="0"/>
+                        </a:rPr>
+                        <a:t> </a:t>
+                      </a:r>
+                      <a:endParaRPr lang="en-US" sz="1600" b="0" dirty="0">
+                        <a:latin typeface="Courier New" panose="02070309020205020404" pitchFamily="49" charset="0"/>
+                        <a:cs typeface="Courier New" panose="02070309020205020404" pitchFamily="49" charset="0"/>
+                      </a:endParaRPr>
+                    </a:p>
+                  </a:txBody>
+                  <a:tcPr/>
+                </a:tc>
+                <a:extLst>
+                  <a:ext uri="{0D108BD9-81ED-4DB2-BD59-A6C34878D82A}">
+                    <a16:rowId xmlns:a16="http://schemas.microsoft.com/office/drawing/2014/main" val="3829555696"/>
+                  </a:ext>
+                </a:extLst>
+              </a:tr>
+              <a:tr h="370840">
+                <a:tc>
+                  <a:txBody>
+                    <a:bodyPr/>
+                    <a:lstStyle/>
+                    <a:p>
+                      <a:r>
+                        <a:rPr lang="en-US" dirty="0"/>
+                        <a:t>Programming</a:t>
+                      </a:r>
+                    </a:p>
+                  </a:txBody>
+                  <a:tcPr/>
+                </a:tc>
+                <a:tc>
+                  <a:txBody>
+                    <a:bodyPr/>
+                    <a:lstStyle/>
+                    <a:p>
+                      <a:r>
+                        <a:rPr lang="en-US" dirty="0"/>
+                        <a:t>Gareth Lewis</a:t>
+                      </a:r>
+                    </a:p>
+                  </a:txBody>
+                  <a:tcPr/>
+                </a:tc>
+                <a:tc>
+                  <a:txBody>
+                    <a:bodyPr/>
+                    <a:lstStyle/>
+                    <a:p>
+                      <a:r>
+                        <a:rPr lang="en-GB" sz="1600" b="0" kern="1200" dirty="0" err="1">
+                          <a:solidFill>
+                            <a:schemeClr val="dk1"/>
+                          </a:solidFill>
+                          <a:effectLst/>
+                          <a:latin typeface="Courier New" panose="02070309020205020404" pitchFamily="49" charset="0"/>
+                          <a:ea typeface="+mn-ea"/>
+                          <a:cs typeface="Courier New" panose="02070309020205020404" pitchFamily="49" charset="0"/>
+                        </a:rPr>
+                        <a:t>gareth.lewis@falmouth.ac.uk</a:t>
+                      </a:r>
+                      <a:r>
+                        <a:rPr lang="en-GB" sz="1600" b="0" dirty="0">
+                          <a:effectLst/>
+                          <a:latin typeface="Courier New" panose="02070309020205020404" pitchFamily="49" charset="0"/>
+                          <a:cs typeface="Courier New" panose="02070309020205020404" pitchFamily="49" charset="0"/>
+                        </a:rPr>
+                        <a:t> </a:t>
+                      </a:r>
+                      <a:endParaRPr lang="en-US" sz="1600" b="0" dirty="0">
+                        <a:latin typeface="Courier New" panose="02070309020205020404" pitchFamily="49" charset="0"/>
+                        <a:cs typeface="Courier New" panose="02070309020205020404" pitchFamily="49" charset="0"/>
+                      </a:endParaRPr>
+                    </a:p>
+                  </a:txBody>
+                  <a:tcPr/>
+                </a:tc>
+                <a:extLst>
+                  <a:ext uri="{0D108BD9-81ED-4DB2-BD59-A6C34878D82A}">
+                    <a16:rowId xmlns:a16="http://schemas.microsoft.com/office/drawing/2014/main" val="2345437586"/>
+                  </a:ext>
+                </a:extLst>
+              </a:tr>
+              <a:tr h="370840">
+                <a:tc>
+                  <a:txBody>
+                    <a:bodyPr/>
+                    <a:lstStyle/>
+                    <a:p>
+                      <a:r>
+                        <a:rPr lang="en-US" dirty="0"/>
+                        <a:t>Writing</a:t>
+                      </a:r>
+                    </a:p>
+                  </a:txBody>
+                  <a:tcPr/>
+                </a:tc>
+                <a:tc>
+                  <a:txBody>
+                    <a:bodyPr/>
+                    <a:lstStyle/>
+                    <a:p>
+                      <a:r>
+                        <a:rPr lang="en-US" dirty="0"/>
+                        <a:t>Hannah Wood</a:t>
+                      </a:r>
+                    </a:p>
+                  </a:txBody>
+                  <a:tcPr/>
+                </a:tc>
+                <a:tc>
+                  <a:txBody>
+                    <a:bodyPr/>
+                    <a:lstStyle/>
+                    <a:p>
+                      <a:r>
+                        <a:rPr lang="en-GB" sz="1600" b="0" kern="1200" dirty="0" err="1">
+                          <a:solidFill>
+                            <a:schemeClr val="dk1"/>
+                          </a:solidFill>
+                          <a:effectLst/>
+                          <a:latin typeface="Courier New" panose="02070309020205020404" pitchFamily="49" charset="0"/>
+                          <a:ea typeface="+mn-ea"/>
+                          <a:cs typeface="Courier New" panose="02070309020205020404" pitchFamily="49" charset="0"/>
+                        </a:rPr>
+                        <a:t>Hannah.Wood@falmouth.ac.uk</a:t>
+                      </a:r>
+                      <a:r>
+                        <a:rPr lang="en-GB" sz="1600" b="0" dirty="0">
+                          <a:effectLst/>
+                          <a:latin typeface="Courier New" panose="02070309020205020404" pitchFamily="49" charset="0"/>
+                          <a:cs typeface="Courier New" panose="02070309020205020404" pitchFamily="49" charset="0"/>
+                        </a:rPr>
+                        <a:t> </a:t>
+                      </a:r>
+                      <a:endParaRPr lang="en-US" sz="1600" b="0" dirty="0">
+                        <a:latin typeface="Courier New" panose="02070309020205020404" pitchFamily="49" charset="0"/>
+                        <a:cs typeface="Courier New" panose="02070309020205020404" pitchFamily="49" charset="0"/>
+                      </a:endParaRPr>
+                    </a:p>
+                  </a:txBody>
+                  <a:tcPr/>
+                </a:tc>
+                <a:extLst>
+                  <a:ext uri="{0D108BD9-81ED-4DB2-BD59-A6C34878D82A}">
+                    <a16:rowId xmlns:a16="http://schemas.microsoft.com/office/drawing/2014/main" val="4066815690"/>
+                  </a:ext>
+                </a:extLst>
+              </a:tr>
+            </a:tbl>
+          </a:graphicData>
+        </a:graphic>
+      </p:graphicFrame>
+    </p:spTree>
+    <p:extLst>
+      <p:ext uri="{BB962C8B-B14F-4D97-AF65-F5344CB8AC3E}">
+        <p14:creationId xmlns:p14="http://schemas.microsoft.com/office/powerpoint/2010/main" val="400467874"/>
+      </p:ext>
+    </p:extLst>
+  </p:cSld>
+  <p:clrMapOvr>
+    <a:masterClrMapping/>
+  </p:clrMapOvr>
+</p:sld>
+</file>
+
+<file path=ppt/slides/slide12.xml><?xml version="1.0" encoding="utf-8"?>
+<p:sld xmlns:a="http://schemas.openxmlformats.org/drawingml/2006/main" xmlns:r="http://schemas.openxmlformats.org/officeDocument/2006/relationships" xmlns:p="http://schemas.openxmlformats.org/presentationml/2006/main">
+  <p:cSld>
+    <p:spTree>
+      <p:nvGrpSpPr>
+        <p:cNvPr id="1" name=""/>
+        <p:cNvGrpSpPr/>
+        <p:nvPr/>
+      </p:nvGrpSpPr>
+      <p:grpSpPr>
+        <a:xfrm>
+          <a:off x="0" y="0"/>
+          <a:ext cx="0" cy="0"/>
+          <a:chOff x="0" y="0"/>
+          <a:chExt cx="0" cy="0"/>
+        </a:xfrm>
+      </p:grpSpPr>
+      <p:sp>
+        <p:nvSpPr>
+          <p:cNvPr id="3" name="Content Placeholder 2"/>
+          <p:cNvSpPr>
+            <a:spLocks noGrp="1"/>
+          </p:cNvSpPr>
+          <p:nvPr>
+            <p:ph idx="1"/>
+          </p:nvPr>
+        </p:nvSpPr>
+        <p:spPr>
+          <a:xfrm>
+            <a:off x="457200" y="548680"/>
+            <a:ext cx="8229600" cy="6192688"/>
+          </a:xfrm>
+        </p:spPr>
+        <p:txBody>
+          <a:bodyPr>
+            <a:normAutofit/>
+          </a:bodyPr>
+          <a:lstStyle/>
+          <a:p>
+            <a:r>
+              <a:rPr lang="en-GB" dirty="0"/>
+              <a:t>Introduction to the module</a:t>
+            </a:r>
+          </a:p>
+          <a:p>
+            <a:pPr lvl="1"/>
+            <a:r>
+              <a:rPr lang="en-GB" dirty="0"/>
+              <a:t>Tutorials:</a:t>
+            </a:r>
+          </a:p>
+          <a:p>
+            <a:pPr lvl="2"/>
+            <a:r>
+              <a:rPr lang="en-GB" dirty="0"/>
+              <a:t>Build on lecture materials</a:t>
+            </a:r>
+          </a:p>
+          <a:p>
+            <a:pPr lvl="2"/>
+            <a:r>
+              <a:rPr lang="en-GB" dirty="0"/>
+              <a:t>Give you support to go and do your own things</a:t>
+            </a:r>
+          </a:p>
+          <a:p>
+            <a:pPr lvl="2"/>
+            <a:r>
+              <a:rPr lang="en-GB" dirty="0"/>
+              <a:t>Have equipment so you can develop your portfolio pieces</a:t>
+            </a:r>
+          </a:p>
+          <a:p>
+            <a:pPr marL="914400" lvl="2" indent="0">
+              <a:buNone/>
+            </a:pPr>
+            <a:endParaRPr lang="en-GB" dirty="0"/>
+          </a:p>
+        </p:txBody>
+      </p:sp>
+    </p:spTree>
+    <p:extLst>
+      <p:ext uri="{BB962C8B-B14F-4D97-AF65-F5344CB8AC3E}">
+        <p14:creationId xmlns:p14="http://schemas.microsoft.com/office/powerpoint/2010/main" val="4068521540"/>
+      </p:ext>
+    </p:extLst>
+  </p:cSld>
+  <p:clrMapOvr>
+    <a:masterClrMapping/>
+  </p:clrMapOvr>
+</p:sld>
+</file>
+
+<file path=ppt/slides/slide13.xml><?xml version="1.0" encoding="utf-8"?>
+<p:sld xmlns:a="http://schemas.openxmlformats.org/drawingml/2006/main" xmlns:r="http://schemas.openxmlformats.org/officeDocument/2006/relationships" xmlns:p="http://schemas.openxmlformats.org/presentationml/2006/main">
+  <p:cSld>
+    <p:spTree>
+      <p:nvGrpSpPr>
+        <p:cNvPr id="1" name=""/>
+        <p:cNvGrpSpPr/>
+        <p:nvPr/>
+      </p:nvGrpSpPr>
+      <p:grpSpPr>
+        <a:xfrm>
+          <a:off x="0" y="0"/>
+          <a:ext cx="0" cy="0"/>
+          <a:chOff x="0" y="0"/>
+          <a:chExt cx="0" cy="0"/>
+        </a:xfrm>
+      </p:grpSpPr>
+      <p:sp>
+        <p:nvSpPr>
+          <p:cNvPr id="3" name="Content Placeholder 2"/>
+          <p:cNvSpPr>
+            <a:spLocks noGrp="1"/>
+          </p:cNvSpPr>
+          <p:nvPr>
+            <p:ph idx="1"/>
+          </p:nvPr>
+        </p:nvSpPr>
+        <p:spPr>
+          <a:xfrm>
+            <a:off x="457200" y="548680"/>
+            <a:ext cx="8229600" cy="6192688"/>
+          </a:xfrm>
+        </p:spPr>
+        <p:txBody>
+          <a:bodyPr>
+            <a:normAutofit/>
+          </a:bodyPr>
+          <a:lstStyle/>
+          <a:p>
+            <a:r>
+              <a:rPr lang="en-GB" dirty="0"/>
+              <a:t>Introduction to the module</a:t>
+            </a:r>
+          </a:p>
+          <a:p>
+            <a:pPr lvl="1"/>
+            <a:r>
+              <a:rPr lang="en-GB" dirty="0"/>
+              <a:t>Overall approach</a:t>
+            </a:r>
+          </a:p>
+          <a:p>
+            <a:pPr lvl="2"/>
+            <a:r>
+              <a:rPr lang="en-GB" dirty="0"/>
+              <a:t>Look to divide your time between GAM320 &amp; GAM340</a:t>
+            </a:r>
+          </a:p>
+          <a:p>
+            <a:pPr lvl="3"/>
+            <a:r>
+              <a:rPr lang="en-GB" dirty="0"/>
+              <a:t>320 is worth x2 340 (40 vs. 20 credits)</a:t>
+            </a:r>
+          </a:p>
+          <a:p>
+            <a:pPr lvl="3"/>
+            <a:r>
+              <a:rPr lang="en-GB" dirty="0"/>
+              <a:t>Look to split your time accordingly</a:t>
+            </a:r>
+          </a:p>
+          <a:p>
+            <a:pPr marL="914400" lvl="2" indent="0">
+              <a:buNone/>
+            </a:pPr>
+            <a:endParaRPr lang="en-GB" dirty="0"/>
+          </a:p>
+        </p:txBody>
+      </p:sp>
+    </p:spTree>
+    <p:extLst>
+      <p:ext uri="{BB962C8B-B14F-4D97-AF65-F5344CB8AC3E}">
+        <p14:creationId xmlns:p14="http://schemas.microsoft.com/office/powerpoint/2010/main" val="518817500"/>
+      </p:ext>
+    </p:extLst>
+  </p:cSld>
+  <p:clrMapOvr>
+    <a:masterClrMapping/>
+  </p:clrMapOvr>
+</p:sld>
+</file>
+
+<file path=ppt/slides/slide14.xml><?xml version="1.0" encoding="utf-8"?>
+<p:sld xmlns:a="http://schemas.openxmlformats.org/drawingml/2006/main" xmlns:r="http://schemas.openxmlformats.org/officeDocument/2006/relationships" xmlns:p="http://schemas.openxmlformats.org/presentationml/2006/main">
+  <p:cSld>
+    <p:spTree>
+      <p:nvGrpSpPr>
+        <p:cNvPr id="1" name=""/>
+        <p:cNvGrpSpPr/>
+        <p:nvPr/>
+      </p:nvGrpSpPr>
+      <p:grpSpPr>
+        <a:xfrm>
+          <a:off x="0" y="0"/>
+          <a:ext cx="0" cy="0"/>
+          <a:chOff x="0" y="0"/>
+          <a:chExt cx="0" cy="0"/>
+        </a:xfrm>
+      </p:grpSpPr>
+      <p:sp>
+        <p:nvSpPr>
+          <p:cNvPr id="3" name="Content Placeholder 2"/>
+          <p:cNvSpPr>
+            <a:spLocks noGrp="1"/>
+          </p:cNvSpPr>
+          <p:nvPr>
+            <p:ph idx="1"/>
+          </p:nvPr>
+        </p:nvSpPr>
+        <p:spPr>
+          <a:xfrm>
+            <a:off x="457200" y="548680"/>
+            <a:ext cx="8229600" cy="6192688"/>
+          </a:xfrm>
+        </p:spPr>
+        <p:txBody>
+          <a:bodyPr>
+            <a:normAutofit/>
+          </a:bodyPr>
+          <a:lstStyle/>
+          <a:p>
+            <a:endParaRPr lang="en-GB" dirty="0"/>
+          </a:p>
+          <a:p>
+            <a:endParaRPr lang="en-GB" dirty="0"/>
+          </a:p>
+          <a:p>
+            <a:endParaRPr lang="en-GB" dirty="0"/>
+          </a:p>
+          <a:p>
+            <a:endParaRPr lang="en-GB" dirty="0"/>
+          </a:p>
+          <a:p>
+            <a:r>
+              <a:rPr lang="en-GB" dirty="0"/>
+              <a:t>Questions</a:t>
+            </a:r>
+          </a:p>
+          <a:p>
+            <a:pPr lvl="1"/>
+            <a:endParaRPr lang="en-GB" dirty="0"/>
+          </a:p>
+          <a:p>
+            <a:pPr lvl="1"/>
+            <a:endParaRPr lang="en-GB" dirty="0"/>
+          </a:p>
+        </p:txBody>
+      </p:sp>
+    </p:spTree>
+    <p:extLst>
+      <p:ext uri="{BB962C8B-B14F-4D97-AF65-F5344CB8AC3E}">
+        <p14:creationId xmlns:p14="http://schemas.microsoft.com/office/powerpoint/2010/main" val="107721669"/>
+      </p:ext>
+    </p:extLst>
   </p:cSld>
   <p:clrMapOvr>
     <a:masterClrMapping/>
@@ -4903,26 +7231,17 @@
           </a:bodyPr>
           <a:lstStyle/>
           <a:p>
-            <a:endParaRPr lang="en-GB" dirty="0"/>
-          </a:p>
-          <a:p>
-            <a:endParaRPr lang="en-GB" dirty="0"/>
-          </a:p>
-          <a:p>
-            <a:endParaRPr lang="en-GB" dirty="0"/>
-          </a:p>
-          <a:p>
-            <a:endParaRPr lang="en-GB" dirty="0"/>
-          </a:p>
-          <a:p>
             <a:r>
               <a:rPr lang="en-GB" dirty="0"/>
-              <a:t>Questions</a:t>
+              <a:t>Introduction to the module</a:t>
             </a:r>
           </a:p>
           <a:p>
             <a:pPr lvl="1"/>
-            <a:endParaRPr lang="en-GB" dirty="0"/>
+            <a:r>
+              <a:rPr lang="en-GB" dirty="0"/>
+              <a:t>Everything is different!</a:t>
+            </a:r>
           </a:p>
           <a:p>
             <a:pPr lvl="1"/>
@@ -4931,6 +7250,826 @@
         </p:txBody>
       </p:sp>
     </p:spTree>
+    <p:extLst>
+      <p:ext uri="{BB962C8B-B14F-4D97-AF65-F5344CB8AC3E}">
+        <p14:creationId xmlns:p14="http://schemas.microsoft.com/office/powerpoint/2010/main" val="4252971268"/>
+      </p:ext>
+    </p:extLst>
+  </p:cSld>
+  <p:clrMapOvr>
+    <a:masterClrMapping/>
+  </p:clrMapOvr>
+</p:sld>
+</file>
+
+<file path=ppt/slides/slide3.xml><?xml version="1.0" encoding="utf-8"?>
+<p:sld xmlns:a="http://schemas.openxmlformats.org/drawingml/2006/main" xmlns:r="http://schemas.openxmlformats.org/officeDocument/2006/relationships" xmlns:p="http://schemas.openxmlformats.org/presentationml/2006/main">
+  <p:cSld>
+    <p:spTree>
+      <p:nvGrpSpPr>
+        <p:cNvPr id="1" name=""/>
+        <p:cNvGrpSpPr/>
+        <p:nvPr/>
+      </p:nvGrpSpPr>
+      <p:grpSpPr>
+        <a:xfrm>
+          <a:off x="0" y="0"/>
+          <a:ext cx="0" cy="0"/>
+          <a:chOff x="0" y="0"/>
+          <a:chExt cx="0" cy="0"/>
+        </a:xfrm>
+      </p:grpSpPr>
+      <p:sp>
+        <p:nvSpPr>
+          <p:cNvPr id="3" name="Content Placeholder 2"/>
+          <p:cNvSpPr>
+            <a:spLocks noGrp="1"/>
+          </p:cNvSpPr>
+          <p:nvPr>
+            <p:ph idx="1"/>
+          </p:nvPr>
+        </p:nvSpPr>
+        <p:spPr>
+          <a:xfrm>
+            <a:off x="457200" y="548680"/>
+            <a:ext cx="8229600" cy="6192688"/>
+          </a:xfrm>
+        </p:spPr>
+        <p:txBody>
+          <a:bodyPr>
+            <a:normAutofit/>
+          </a:bodyPr>
+          <a:lstStyle/>
+          <a:p>
+            <a:r>
+              <a:rPr lang="en-GB" dirty="0"/>
+              <a:t>Introduction to the module</a:t>
+            </a:r>
+          </a:p>
+          <a:p>
+            <a:pPr lvl="1"/>
+            <a:r>
+              <a:rPr lang="en-GB" dirty="0"/>
+              <a:t>Everything is different!</a:t>
+            </a:r>
+          </a:p>
+          <a:p>
+            <a:pPr lvl="1"/>
+            <a:endParaRPr lang="en-GB" dirty="0"/>
+          </a:p>
+          <a:p>
+            <a:pPr lvl="1"/>
+            <a:r>
+              <a:rPr lang="en-GB" dirty="0"/>
+              <a:t>Old GAM340</a:t>
+            </a:r>
+          </a:p>
+          <a:p>
+            <a:pPr lvl="2"/>
+            <a:r>
+              <a:rPr lang="en-GB" dirty="0"/>
+              <a:t>Interview people and write a report (40%)</a:t>
+            </a:r>
+          </a:p>
+          <a:p>
+            <a:pPr lvl="2"/>
+            <a:r>
+              <a:rPr lang="en-GB" dirty="0"/>
+              <a:t>Write a business plan (40%)</a:t>
+            </a:r>
+          </a:p>
+          <a:p>
+            <a:pPr lvl="2"/>
+            <a:r>
+              <a:rPr lang="en-GB" dirty="0"/>
+              <a:t>Make some promotional materials (20%)</a:t>
+            </a:r>
+          </a:p>
+          <a:p>
+            <a:pPr lvl="1"/>
+            <a:endParaRPr lang="en-GB" dirty="0"/>
+          </a:p>
+        </p:txBody>
+      </p:sp>
+    </p:spTree>
+    <p:extLst>
+      <p:ext uri="{BB962C8B-B14F-4D97-AF65-F5344CB8AC3E}">
+        <p14:creationId xmlns:p14="http://schemas.microsoft.com/office/powerpoint/2010/main" val="336933415"/>
+      </p:ext>
+    </p:extLst>
+  </p:cSld>
+  <p:clrMapOvr>
+    <a:masterClrMapping/>
+  </p:clrMapOvr>
+</p:sld>
+</file>
+
+<file path=ppt/slides/slide4.xml><?xml version="1.0" encoding="utf-8"?>
+<p:sld xmlns:a="http://schemas.openxmlformats.org/drawingml/2006/main" xmlns:r="http://schemas.openxmlformats.org/officeDocument/2006/relationships" xmlns:p="http://schemas.openxmlformats.org/presentationml/2006/main">
+  <p:cSld>
+    <p:spTree>
+      <p:nvGrpSpPr>
+        <p:cNvPr id="1" name=""/>
+        <p:cNvGrpSpPr/>
+        <p:nvPr/>
+      </p:nvGrpSpPr>
+      <p:grpSpPr>
+        <a:xfrm>
+          <a:off x="0" y="0"/>
+          <a:ext cx="0" cy="0"/>
+          <a:chOff x="0" y="0"/>
+          <a:chExt cx="0" cy="0"/>
+        </a:xfrm>
+      </p:grpSpPr>
+      <p:sp>
+        <p:nvSpPr>
+          <p:cNvPr id="3" name="Content Placeholder 2"/>
+          <p:cNvSpPr>
+            <a:spLocks noGrp="1"/>
+          </p:cNvSpPr>
+          <p:nvPr>
+            <p:ph idx="1"/>
+          </p:nvPr>
+        </p:nvSpPr>
+        <p:spPr>
+          <a:xfrm>
+            <a:off x="457200" y="548680"/>
+            <a:ext cx="8229600" cy="6192688"/>
+          </a:xfrm>
+        </p:spPr>
+        <p:txBody>
+          <a:bodyPr>
+            <a:normAutofit/>
+          </a:bodyPr>
+          <a:lstStyle/>
+          <a:p>
+            <a:r>
+              <a:rPr lang="en-GB" dirty="0"/>
+              <a:t>Introduction to the module</a:t>
+            </a:r>
+          </a:p>
+          <a:p>
+            <a:pPr lvl="1"/>
+            <a:r>
+              <a:rPr lang="en-GB" dirty="0"/>
+              <a:t>Everything is different!</a:t>
+            </a:r>
+          </a:p>
+          <a:p>
+            <a:pPr lvl="1"/>
+            <a:endParaRPr lang="en-GB" dirty="0"/>
+          </a:p>
+          <a:p>
+            <a:pPr lvl="1"/>
+            <a:r>
+              <a:rPr lang="en-GB" dirty="0"/>
+              <a:t>New GAM340</a:t>
+            </a:r>
+          </a:p>
+          <a:p>
+            <a:pPr lvl="2"/>
+            <a:r>
+              <a:rPr lang="en-GB" dirty="0"/>
+              <a:t>Make portfolio pieces (80%)</a:t>
+            </a:r>
+          </a:p>
+          <a:p>
+            <a:pPr lvl="2"/>
+            <a:r>
+              <a:rPr lang="en-GB" dirty="0"/>
+              <a:t>Make some promotional materials (20%)</a:t>
+            </a:r>
+          </a:p>
+          <a:p>
+            <a:pPr lvl="1"/>
+            <a:endParaRPr lang="en-GB" dirty="0"/>
+          </a:p>
+        </p:txBody>
+      </p:sp>
+    </p:spTree>
+    <p:extLst>
+      <p:ext uri="{BB962C8B-B14F-4D97-AF65-F5344CB8AC3E}">
+        <p14:creationId xmlns:p14="http://schemas.microsoft.com/office/powerpoint/2010/main" val="3979137871"/>
+      </p:ext>
+    </p:extLst>
+  </p:cSld>
+  <p:clrMapOvr>
+    <a:masterClrMapping/>
+  </p:clrMapOvr>
+</p:sld>
+</file>
+
+<file path=ppt/slides/slide5.xml><?xml version="1.0" encoding="utf-8"?>
+<p:sld xmlns:a="http://schemas.openxmlformats.org/drawingml/2006/main" xmlns:r="http://schemas.openxmlformats.org/officeDocument/2006/relationships" xmlns:p="http://schemas.openxmlformats.org/presentationml/2006/main">
+  <p:cSld>
+    <p:spTree>
+      <p:nvGrpSpPr>
+        <p:cNvPr id="1" name=""/>
+        <p:cNvGrpSpPr/>
+        <p:nvPr/>
+      </p:nvGrpSpPr>
+      <p:grpSpPr>
+        <a:xfrm>
+          <a:off x="0" y="0"/>
+          <a:ext cx="0" cy="0"/>
+          <a:chOff x="0" y="0"/>
+          <a:chExt cx="0" cy="0"/>
+        </a:xfrm>
+      </p:grpSpPr>
+      <p:sp>
+        <p:nvSpPr>
+          <p:cNvPr id="3" name="Content Placeholder 2"/>
+          <p:cNvSpPr>
+            <a:spLocks noGrp="1"/>
+          </p:cNvSpPr>
+          <p:nvPr>
+            <p:ph idx="1"/>
+          </p:nvPr>
+        </p:nvSpPr>
+        <p:spPr>
+          <a:xfrm>
+            <a:off x="457200" y="548680"/>
+            <a:ext cx="8229600" cy="6192688"/>
+          </a:xfrm>
+        </p:spPr>
+        <p:txBody>
+          <a:bodyPr>
+            <a:normAutofit/>
+          </a:bodyPr>
+          <a:lstStyle/>
+          <a:p>
+            <a:r>
+              <a:rPr lang="en-GB" dirty="0"/>
+              <a:t>Introduction to the module</a:t>
+            </a:r>
+          </a:p>
+          <a:p>
+            <a:pPr lvl="1"/>
+            <a:r>
+              <a:rPr lang="en-GB" dirty="0"/>
+              <a:t>Assignment 1</a:t>
+            </a:r>
+          </a:p>
+          <a:p>
+            <a:pPr lvl="2"/>
+            <a:r>
+              <a:rPr lang="en-GB" dirty="0"/>
+              <a:t>‘Professional Practice Report’</a:t>
+            </a:r>
+          </a:p>
+          <a:p>
+            <a:pPr lvl="2"/>
+            <a:r>
+              <a:rPr lang="en-GB" dirty="0"/>
+              <a:t>Not a professional practice report</a:t>
+            </a:r>
+          </a:p>
+          <a:p>
+            <a:pPr lvl="2"/>
+            <a:r>
+              <a:rPr lang="en-GB" dirty="0"/>
+              <a:t>Really : create professional portfolio materials</a:t>
+            </a:r>
+          </a:p>
+          <a:p>
+            <a:pPr lvl="2"/>
+            <a:r>
+              <a:rPr lang="en-GB" dirty="0">
+                <a:hlinkClick r:id="rId2"/>
+              </a:rPr>
+              <a:t>https://learningspace.falmouth.ac.uk/course/view.php?id=4352</a:t>
+            </a:r>
+            <a:endParaRPr lang="en-GB" dirty="0"/>
+          </a:p>
+          <a:p>
+            <a:pPr lvl="2"/>
+            <a:endParaRPr lang="en-GB" dirty="0"/>
+          </a:p>
+        </p:txBody>
+      </p:sp>
+    </p:spTree>
+    <p:extLst>
+      <p:ext uri="{BB962C8B-B14F-4D97-AF65-F5344CB8AC3E}">
+        <p14:creationId xmlns:p14="http://schemas.microsoft.com/office/powerpoint/2010/main" val="1181043381"/>
+      </p:ext>
+    </p:extLst>
+  </p:cSld>
+  <p:clrMapOvr>
+    <a:masterClrMapping/>
+  </p:clrMapOvr>
+</p:sld>
+</file>
+
+<file path=ppt/slides/slide6.xml><?xml version="1.0" encoding="utf-8"?>
+<p:sld xmlns:a="http://schemas.openxmlformats.org/drawingml/2006/main" xmlns:r="http://schemas.openxmlformats.org/officeDocument/2006/relationships" xmlns:p="http://schemas.openxmlformats.org/presentationml/2006/main">
+  <p:cSld>
+    <p:spTree>
+      <p:nvGrpSpPr>
+        <p:cNvPr id="1" name=""/>
+        <p:cNvGrpSpPr/>
+        <p:nvPr/>
+      </p:nvGrpSpPr>
+      <p:grpSpPr>
+        <a:xfrm>
+          <a:off x="0" y="0"/>
+          <a:ext cx="0" cy="0"/>
+          <a:chOff x="0" y="0"/>
+          <a:chExt cx="0" cy="0"/>
+        </a:xfrm>
+      </p:grpSpPr>
+      <p:sp>
+        <p:nvSpPr>
+          <p:cNvPr id="3" name="Content Placeholder 2"/>
+          <p:cNvSpPr>
+            <a:spLocks noGrp="1"/>
+          </p:cNvSpPr>
+          <p:nvPr>
+            <p:ph idx="1"/>
+          </p:nvPr>
+        </p:nvSpPr>
+        <p:spPr>
+          <a:xfrm>
+            <a:off x="457200" y="548680"/>
+            <a:ext cx="8229600" cy="6192688"/>
+          </a:xfrm>
+        </p:spPr>
+        <p:txBody>
+          <a:bodyPr>
+            <a:normAutofit/>
+          </a:bodyPr>
+          <a:lstStyle/>
+          <a:p>
+            <a:r>
+              <a:rPr lang="en-GB" dirty="0"/>
+              <a:t>Introduction to the module</a:t>
+            </a:r>
+          </a:p>
+          <a:p>
+            <a:pPr lvl="1"/>
+            <a:r>
+              <a:rPr lang="en-GB" dirty="0"/>
+              <a:t>Assignment 1</a:t>
+            </a:r>
+          </a:p>
+          <a:p>
+            <a:pPr lvl="2"/>
+            <a:r>
+              <a:rPr lang="en-GB" dirty="0"/>
+              <a:t>‘Professional Practice Report’</a:t>
+            </a:r>
+          </a:p>
+          <a:p>
+            <a:pPr lvl="2"/>
+            <a:r>
+              <a:rPr lang="en-GB" dirty="0"/>
+              <a:t>Not a professional practice report</a:t>
+            </a:r>
+          </a:p>
+          <a:p>
+            <a:pPr lvl="2"/>
+            <a:r>
+              <a:rPr lang="en-GB" dirty="0"/>
+              <a:t>Really : create professional portfolio materials</a:t>
+            </a:r>
+          </a:p>
+          <a:p>
+            <a:pPr lvl="2"/>
+            <a:r>
+              <a:rPr lang="en-GB" dirty="0">
+                <a:hlinkClick r:id="rId2"/>
+              </a:rPr>
+              <a:t>https://learningspace.falmouth.ac.uk/course/view.php?id=4352</a:t>
+            </a:r>
+            <a:endParaRPr lang="en-GB" dirty="0"/>
+          </a:p>
+          <a:p>
+            <a:pPr lvl="3"/>
+            <a:r>
+              <a:rPr lang="en-GB" dirty="0"/>
+              <a:t>Moved to explicit rubrics to make it clearer what you are being assessed on </a:t>
+            </a:r>
+          </a:p>
+          <a:p>
+            <a:pPr lvl="3"/>
+            <a:r>
+              <a:rPr lang="en-GB" dirty="0"/>
+              <a:t>And what good, bad and indifferent looks like</a:t>
+            </a:r>
+          </a:p>
+          <a:p>
+            <a:pPr lvl="3"/>
+            <a:r>
+              <a:rPr lang="en-GB" dirty="0"/>
+              <a:t>Linked to the common assessment criteria</a:t>
+            </a:r>
+          </a:p>
+          <a:p>
+            <a:pPr lvl="3"/>
+            <a:endParaRPr lang="en-GB" dirty="0"/>
+          </a:p>
+          <a:p>
+            <a:pPr lvl="2"/>
+            <a:r>
+              <a:rPr lang="en-GB" dirty="0"/>
+              <a:t>Showcase your work in week 13</a:t>
+            </a:r>
+          </a:p>
+          <a:p>
+            <a:pPr lvl="2"/>
+            <a:endParaRPr lang="en-GB" dirty="0"/>
+          </a:p>
+          <a:p>
+            <a:pPr lvl="2"/>
+            <a:endParaRPr lang="en-GB" dirty="0"/>
+          </a:p>
+        </p:txBody>
+      </p:sp>
+    </p:spTree>
+    <p:extLst>
+      <p:ext uri="{BB962C8B-B14F-4D97-AF65-F5344CB8AC3E}">
+        <p14:creationId xmlns:p14="http://schemas.microsoft.com/office/powerpoint/2010/main" val="2266090859"/>
+      </p:ext>
+    </p:extLst>
+  </p:cSld>
+  <p:clrMapOvr>
+    <a:masterClrMapping/>
+  </p:clrMapOvr>
+</p:sld>
+</file>
+
+<file path=ppt/slides/slide7.xml><?xml version="1.0" encoding="utf-8"?>
+<p:sld xmlns:a="http://schemas.openxmlformats.org/drawingml/2006/main" xmlns:r="http://schemas.openxmlformats.org/officeDocument/2006/relationships" xmlns:p="http://schemas.openxmlformats.org/presentationml/2006/main">
+  <p:cSld>
+    <p:spTree>
+      <p:nvGrpSpPr>
+        <p:cNvPr id="1" name=""/>
+        <p:cNvGrpSpPr/>
+        <p:nvPr/>
+      </p:nvGrpSpPr>
+      <p:grpSpPr>
+        <a:xfrm>
+          <a:off x="0" y="0"/>
+          <a:ext cx="0" cy="0"/>
+          <a:chOff x="0" y="0"/>
+          <a:chExt cx="0" cy="0"/>
+        </a:xfrm>
+      </p:grpSpPr>
+      <p:sp>
+        <p:nvSpPr>
+          <p:cNvPr id="3" name="Content Placeholder 2"/>
+          <p:cNvSpPr>
+            <a:spLocks noGrp="1"/>
+          </p:cNvSpPr>
+          <p:nvPr>
+            <p:ph idx="1"/>
+          </p:nvPr>
+        </p:nvSpPr>
+        <p:spPr>
+          <a:xfrm>
+            <a:off x="457200" y="548680"/>
+            <a:ext cx="8229600" cy="6192688"/>
+          </a:xfrm>
+        </p:spPr>
+        <p:txBody>
+          <a:bodyPr>
+            <a:normAutofit/>
+          </a:bodyPr>
+          <a:lstStyle/>
+          <a:p>
+            <a:r>
+              <a:rPr lang="en-GB" dirty="0"/>
+              <a:t>Introduction to the module</a:t>
+            </a:r>
+          </a:p>
+          <a:p>
+            <a:pPr lvl="1"/>
+            <a:r>
+              <a:rPr lang="en-GB" dirty="0"/>
+              <a:t>Assignment 1</a:t>
+            </a:r>
+          </a:p>
+          <a:p>
+            <a:pPr lvl="2"/>
+            <a:r>
+              <a:rPr lang="en-GB" dirty="0"/>
+              <a:t>create professional portfolio materials</a:t>
+            </a:r>
+          </a:p>
+          <a:p>
+            <a:pPr lvl="3"/>
+            <a:r>
+              <a:rPr lang="en-GB" dirty="0"/>
+              <a:t>Precise content will depend on what you want to do</a:t>
+            </a:r>
+          </a:p>
+          <a:p>
+            <a:pPr lvl="4"/>
+            <a:r>
+              <a:rPr lang="en-GB" dirty="0"/>
+              <a:t>That’s why the rubric is fairly loose</a:t>
+            </a:r>
+          </a:p>
+          <a:p>
+            <a:pPr lvl="4"/>
+            <a:r>
+              <a:rPr lang="en-GB" dirty="0"/>
+              <a:t>Your tutors will be able to give you guidance</a:t>
+            </a:r>
+          </a:p>
+          <a:p>
+            <a:pPr lvl="2"/>
+            <a:endParaRPr lang="en-GB" dirty="0"/>
+          </a:p>
+        </p:txBody>
+      </p:sp>
+    </p:spTree>
+    <p:extLst>
+      <p:ext uri="{BB962C8B-B14F-4D97-AF65-F5344CB8AC3E}">
+        <p14:creationId xmlns:p14="http://schemas.microsoft.com/office/powerpoint/2010/main" val="1069100361"/>
+      </p:ext>
+    </p:extLst>
+  </p:cSld>
+  <p:clrMapOvr>
+    <a:masterClrMapping/>
+  </p:clrMapOvr>
+</p:sld>
+</file>
+
+<file path=ppt/slides/slide8.xml><?xml version="1.0" encoding="utf-8"?>
+<p:sld xmlns:a="http://schemas.openxmlformats.org/drawingml/2006/main" xmlns:r="http://schemas.openxmlformats.org/officeDocument/2006/relationships" xmlns:p="http://schemas.openxmlformats.org/presentationml/2006/main">
+  <p:cSld>
+    <p:spTree>
+      <p:nvGrpSpPr>
+        <p:cNvPr id="1" name=""/>
+        <p:cNvGrpSpPr/>
+        <p:nvPr/>
+      </p:nvGrpSpPr>
+      <p:grpSpPr>
+        <a:xfrm>
+          <a:off x="0" y="0"/>
+          <a:ext cx="0" cy="0"/>
+          <a:chOff x="0" y="0"/>
+          <a:chExt cx="0" cy="0"/>
+        </a:xfrm>
+      </p:grpSpPr>
+      <p:sp>
+        <p:nvSpPr>
+          <p:cNvPr id="3" name="Content Placeholder 2"/>
+          <p:cNvSpPr>
+            <a:spLocks noGrp="1"/>
+          </p:cNvSpPr>
+          <p:nvPr>
+            <p:ph idx="1"/>
+          </p:nvPr>
+        </p:nvSpPr>
+        <p:spPr>
+          <a:xfrm>
+            <a:off x="457200" y="548680"/>
+            <a:ext cx="8229600" cy="6192688"/>
+          </a:xfrm>
+        </p:spPr>
+        <p:txBody>
+          <a:bodyPr>
+            <a:normAutofit/>
+          </a:bodyPr>
+          <a:lstStyle/>
+          <a:p>
+            <a:r>
+              <a:rPr lang="en-GB" dirty="0"/>
+              <a:t>Introduction to the module</a:t>
+            </a:r>
+          </a:p>
+          <a:p>
+            <a:pPr lvl="1"/>
+            <a:r>
+              <a:rPr lang="en-GB" dirty="0"/>
+              <a:t>Assignment 1</a:t>
+            </a:r>
+          </a:p>
+          <a:p>
+            <a:pPr lvl="2"/>
+            <a:r>
+              <a:rPr lang="en-GB" dirty="0"/>
+              <a:t>create professional portfolio materials</a:t>
+            </a:r>
+          </a:p>
+          <a:p>
+            <a:pPr lvl="3"/>
+            <a:r>
+              <a:rPr lang="en-GB" dirty="0"/>
+              <a:t>Precise content will depend on what you want to do</a:t>
+            </a:r>
+          </a:p>
+          <a:p>
+            <a:pPr lvl="4"/>
+            <a:r>
+              <a:rPr lang="en-GB" dirty="0"/>
+              <a:t>That’s why the rubric is fairly loose</a:t>
+            </a:r>
+          </a:p>
+          <a:p>
+            <a:pPr lvl="4"/>
+            <a:r>
+              <a:rPr lang="en-GB" dirty="0"/>
+              <a:t>Your tutors will be able to give you guidance</a:t>
+            </a:r>
+          </a:p>
+          <a:p>
+            <a:pPr lvl="4"/>
+            <a:endParaRPr lang="en-GB" dirty="0"/>
+          </a:p>
+          <a:p>
+            <a:pPr lvl="2"/>
+            <a:r>
+              <a:rPr lang="en-GB" dirty="0"/>
+              <a:t>If you want to do something ‘different’ to your route</a:t>
+            </a:r>
+          </a:p>
+          <a:p>
+            <a:pPr lvl="3"/>
+            <a:r>
+              <a:rPr lang="en-GB" dirty="0"/>
+              <a:t>That’s cool, make it work around your portfolio work</a:t>
+            </a:r>
+          </a:p>
+          <a:p>
+            <a:pPr lvl="4"/>
+            <a:r>
+              <a:rPr lang="en-GB" dirty="0"/>
+              <a:t>Game programming -&gt; </a:t>
+            </a:r>
+            <a:r>
+              <a:rPr lang="en-GB" dirty="0" err="1"/>
+              <a:t>webdev</a:t>
+            </a:r>
+            <a:endParaRPr lang="en-GB" dirty="0"/>
+          </a:p>
+          <a:p>
+            <a:pPr lvl="4"/>
+            <a:r>
+              <a:rPr lang="en-GB" dirty="0"/>
+              <a:t>Anything -&gt; production / business / PR / marketing / community management etc</a:t>
+            </a:r>
+          </a:p>
+          <a:p>
+            <a:pPr lvl="4"/>
+            <a:r>
+              <a:rPr lang="en-GB" dirty="0"/>
+              <a:t>Anything -&gt; something non-games</a:t>
+            </a:r>
+          </a:p>
+          <a:p>
+            <a:pPr lvl="4"/>
+            <a:r>
+              <a:rPr lang="en-GB" dirty="0"/>
+              <a:t>Anything -&gt; further education</a:t>
+            </a:r>
+          </a:p>
+          <a:p>
+            <a:pPr lvl="3"/>
+            <a:r>
+              <a:rPr lang="en-GB" dirty="0"/>
+              <a:t>Talk to me and your route tutor and we can work things out.</a:t>
+            </a:r>
+          </a:p>
+          <a:p>
+            <a:pPr lvl="2"/>
+            <a:endParaRPr lang="en-GB" dirty="0"/>
+          </a:p>
+        </p:txBody>
+      </p:sp>
+    </p:spTree>
+    <p:extLst>
+      <p:ext uri="{BB962C8B-B14F-4D97-AF65-F5344CB8AC3E}">
+        <p14:creationId xmlns:p14="http://schemas.microsoft.com/office/powerpoint/2010/main" val="687884265"/>
+      </p:ext>
+    </p:extLst>
+  </p:cSld>
+  <p:clrMapOvr>
+    <a:masterClrMapping/>
+  </p:clrMapOvr>
+</p:sld>
+</file>
+
+<file path=ppt/slides/slide9.xml><?xml version="1.0" encoding="utf-8"?>
+<p:sld xmlns:a="http://schemas.openxmlformats.org/drawingml/2006/main" xmlns:r="http://schemas.openxmlformats.org/officeDocument/2006/relationships" xmlns:p="http://schemas.openxmlformats.org/presentationml/2006/main">
+  <p:cSld>
+    <p:spTree>
+      <p:nvGrpSpPr>
+        <p:cNvPr id="1" name=""/>
+        <p:cNvGrpSpPr/>
+        <p:nvPr/>
+      </p:nvGrpSpPr>
+      <p:grpSpPr>
+        <a:xfrm>
+          <a:off x="0" y="0"/>
+          <a:ext cx="0" cy="0"/>
+          <a:chOff x="0" y="0"/>
+          <a:chExt cx="0" cy="0"/>
+        </a:xfrm>
+      </p:grpSpPr>
+      <p:sp>
+        <p:nvSpPr>
+          <p:cNvPr id="3" name="Content Placeholder 2"/>
+          <p:cNvSpPr>
+            <a:spLocks noGrp="1"/>
+          </p:cNvSpPr>
+          <p:nvPr>
+            <p:ph idx="1"/>
+          </p:nvPr>
+        </p:nvSpPr>
+        <p:spPr>
+          <a:xfrm>
+            <a:off x="457200" y="548680"/>
+            <a:ext cx="8229600" cy="6192688"/>
+          </a:xfrm>
+        </p:spPr>
+        <p:txBody>
+          <a:bodyPr>
+            <a:normAutofit/>
+          </a:bodyPr>
+          <a:lstStyle/>
+          <a:p>
+            <a:r>
+              <a:rPr lang="en-GB" dirty="0"/>
+              <a:t>Introduction to the module</a:t>
+            </a:r>
+          </a:p>
+          <a:p>
+            <a:pPr lvl="1"/>
+            <a:r>
+              <a:rPr lang="en-GB" dirty="0"/>
+              <a:t>Assignment 2</a:t>
+            </a:r>
+          </a:p>
+          <a:p>
+            <a:pPr lvl="2"/>
+            <a:r>
+              <a:rPr lang="en-GB" dirty="0"/>
+              <a:t>‘Promotional materials’</a:t>
+            </a:r>
+          </a:p>
+          <a:p>
+            <a:pPr lvl="2"/>
+            <a:r>
+              <a:rPr lang="en-GB" dirty="0"/>
+              <a:t>Create materials</a:t>
+            </a:r>
+          </a:p>
+          <a:p>
+            <a:pPr lvl="3"/>
+            <a:r>
+              <a:rPr lang="en-GB" dirty="0"/>
+              <a:t>Resume</a:t>
+            </a:r>
+          </a:p>
+          <a:p>
+            <a:pPr lvl="3"/>
+            <a:r>
+              <a:rPr lang="en-GB" dirty="0"/>
+              <a:t>LinkedIn profile</a:t>
+            </a:r>
+          </a:p>
+          <a:p>
+            <a:pPr lvl="3"/>
+            <a:r>
+              <a:rPr lang="en-GB" dirty="0"/>
+              <a:t>Suitable website / portfolio hosting</a:t>
+            </a:r>
+          </a:p>
+          <a:p>
+            <a:pPr lvl="3"/>
+            <a:endParaRPr lang="en-GB" dirty="0"/>
+          </a:p>
+          <a:p>
+            <a:pPr lvl="2"/>
+            <a:r>
+              <a:rPr lang="en-GB" dirty="0">
+                <a:hlinkClick r:id="rId2"/>
+              </a:rPr>
+              <a:t>https://learningspace.falmouth.ac.uk/course/view.php?id=4352</a:t>
+            </a:r>
+            <a:endParaRPr lang="en-GB" dirty="0"/>
+          </a:p>
+          <a:p>
+            <a:pPr lvl="3"/>
+            <a:r>
+              <a:rPr lang="en-GB" dirty="0"/>
+              <a:t>Again, rubrics to make things clear</a:t>
+            </a:r>
+          </a:p>
+          <a:p>
+            <a:pPr lvl="3"/>
+            <a:endParaRPr lang="en-GB" dirty="0"/>
+          </a:p>
+        </p:txBody>
+      </p:sp>
+    </p:spTree>
+    <p:extLst>
+      <p:ext uri="{BB962C8B-B14F-4D97-AF65-F5344CB8AC3E}">
+        <p14:creationId xmlns:p14="http://schemas.microsoft.com/office/powerpoint/2010/main" val="298523495"/>
+      </p:ext>
+    </p:extLst>
   </p:cSld>
   <p:clrMapOvr>
     <a:masterClrMapping/>

--- a/GAM340/01/GAM340_01_lecture.pptx
+++ b/GAM340/01/GAM340_01_lecture.pptx
@@ -5,26 +5,28 @@
     <p:sldMasterId id="2147483648" r:id="rId1"/>
   </p:sldMasterIdLst>
   <p:notesMasterIdLst>
-    <p:notesMasterId r:id="rId16"/>
+    <p:notesMasterId r:id="rId18"/>
   </p:notesMasterIdLst>
   <p:handoutMasterIdLst>
-    <p:handoutMasterId r:id="rId17"/>
+    <p:handoutMasterId r:id="rId19"/>
   </p:handoutMasterIdLst>
   <p:sldIdLst>
     <p:sldId id="257" r:id="rId2"/>
-    <p:sldId id="334" r:id="rId3"/>
-    <p:sldId id="411" r:id="rId4"/>
-    <p:sldId id="412" r:id="rId5"/>
-    <p:sldId id="413" r:id="rId6"/>
-    <p:sldId id="414" r:id="rId7"/>
-    <p:sldId id="415" r:id="rId8"/>
-    <p:sldId id="418" r:id="rId9"/>
-    <p:sldId id="416" r:id="rId10"/>
-    <p:sldId id="332" r:id="rId11"/>
-    <p:sldId id="417" r:id="rId12"/>
-    <p:sldId id="419" r:id="rId13"/>
-    <p:sldId id="420" r:id="rId14"/>
-    <p:sldId id="410" r:id="rId15"/>
+    <p:sldId id="422" r:id="rId3"/>
+    <p:sldId id="334" r:id="rId4"/>
+    <p:sldId id="411" r:id="rId5"/>
+    <p:sldId id="412" r:id="rId6"/>
+    <p:sldId id="413" r:id="rId7"/>
+    <p:sldId id="414" r:id="rId8"/>
+    <p:sldId id="415" r:id="rId9"/>
+    <p:sldId id="418" r:id="rId10"/>
+    <p:sldId id="421" r:id="rId11"/>
+    <p:sldId id="416" r:id="rId12"/>
+    <p:sldId id="332" r:id="rId13"/>
+    <p:sldId id="419" r:id="rId14"/>
+    <p:sldId id="417" r:id="rId15"/>
+    <p:sldId id="420" r:id="rId16"/>
+    <p:sldId id="410" r:id="rId17"/>
   </p:sldIdLst>
   <p:sldSz cx="9144000" cy="6858000" type="screen4x3"/>
   <p:notesSz cx="7315200" cy="9601200"/>
@@ -156,726 +158,10 @@
 </p:presentation>
 </file>
 
-<file path=ppt/revisionInfo.xml><?xml version="1.0" encoding="utf-8"?>
-<p1510:revInfo xmlns:a="http://schemas.openxmlformats.org/drawingml/2006/main" xmlns:r="http://schemas.openxmlformats.org/officeDocument/2006/relationships" xmlns:p1510="http://schemas.microsoft.com/office/powerpoint/2015/10/main">
-  <p1510:revLst>
-    <p1510:client id="{8D276DEB-9ECF-474F-8641-C8D9886C5626}" v="50" dt="2019-01-27T11:31:05.536"/>
-  </p1510:revLst>
-</p1510:revInfo>
-</file>
-
 <file path=ppt/changesInfos/changesInfo1.xml><?xml version="1.0" encoding="utf-8"?>
 <pc:chgInfo xmlns:a="http://schemas.openxmlformats.org/drawingml/2006/main" xmlns:r="http://schemas.openxmlformats.org/officeDocument/2006/relationships" xmlns:ac="http://schemas.microsoft.com/office/drawing/2013/main/command" xmlns:pc="http://schemas.microsoft.com/office/powerpoint/2013/main/command">
   <pc:docChgLst>
     <pc:chgData name="Lewis, Gareth" userId="0ca0577c-2ada-4abb-9a17-e7a804bbaaa5" providerId="ADAL" clId="{8D276DEB-9ECF-474F-8641-C8D9886C5626}"/>
-    <pc:docChg chg="undo redo custSel addSld delSld modSld sldOrd modMainMaster">
-      <pc:chgData name="Lewis, Gareth" userId="0ca0577c-2ada-4abb-9a17-e7a804bbaaa5" providerId="ADAL" clId="{8D276DEB-9ECF-474F-8641-C8D9886C5626}" dt="2019-01-27T11:31:10.056" v="4346" actId="478"/>
-      <pc:docMkLst>
-        <pc:docMk/>
-      </pc:docMkLst>
-      <pc:sldChg chg="modSp">
-        <pc:chgData name="Lewis, Gareth" userId="0ca0577c-2ada-4abb-9a17-e7a804bbaaa5" providerId="ADAL" clId="{8D276DEB-9ECF-474F-8641-C8D9886C5626}" dt="2019-01-12T14:24:04.301" v="60" actId="20577"/>
-        <pc:sldMkLst>
-          <pc:docMk/>
-          <pc:sldMk cId="0" sldId="257"/>
-        </pc:sldMkLst>
-        <pc:spChg chg="mod">
-          <ac:chgData name="Lewis, Gareth" userId="0ca0577c-2ada-4abb-9a17-e7a804bbaaa5" providerId="ADAL" clId="{8D276DEB-9ECF-474F-8641-C8D9886C5626}" dt="2019-01-12T14:24:04.301" v="60" actId="20577"/>
-          <ac:spMkLst>
-            <pc:docMk/>
-            <pc:sldMk cId="0" sldId="257"/>
-            <ac:spMk id="13" creationId="{00000000-0000-0000-0000-000000000000}"/>
-          </ac:spMkLst>
-        </pc:spChg>
-      </pc:sldChg>
-      <pc:sldChg chg="modSp">
-        <pc:chgData name="Lewis, Gareth" userId="0ca0577c-2ada-4abb-9a17-e7a804bbaaa5" providerId="ADAL" clId="{8D276DEB-9ECF-474F-8641-C8D9886C5626}" dt="2019-01-27T11:08:48.739" v="3828"/>
-        <pc:sldMkLst>
-          <pc:docMk/>
-          <pc:sldMk cId="0" sldId="258"/>
-        </pc:sldMkLst>
-        <pc:spChg chg="mod">
-          <ac:chgData name="Lewis, Gareth" userId="0ca0577c-2ada-4abb-9a17-e7a804bbaaa5" providerId="ADAL" clId="{8D276DEB-9ECF-474F-8641-C8D9886C5626}" dt="2019-01-27T11:08:48.739" v="3828"/>
-          <ac:spMkLst>
-            <pc:docMk/>
-            <pc:sldMk cId="0" sldId="258"/>
-            <ac:spMk id="3" creationId="{00000000-0000-0000-0000-000000000000}"/>
-          </ac:spMkLst>
-        </pc:spChg>
-      </pc:sldChg>
-      <pc:sldChg chg="addSp modSp">
-        <pc:chgData name="Lewis, Gareth" userId="0ca0577c-2ada-4abb-9a17-e7a804bbaaa5" providerId="ADAL" clId="{8D276DEB-9ECF-474F-8641-C8D9886C5626}" dt="2019-01-27T11:03:21.100" v="3731" actId="20577"/>
-        <pc:sldMkLst>
-          <pc:docMk/>
-          <pc:sldMk cId="0" sldId="332"/>
-        </pc:sldMkLst>
-        <pc:graphicFrameChg chg="modGraphic">
-          <ac:chgData name="Lewis, Gareth" userId="0ca0577c-2ada-4abb-9a17-e7a804bbaaa5" providerId="ADAL" clId="{8D276DEB-9ECF-474F-8641-C8D9886C5626}" dt="2019-01-27T11:03:21.100" v="3731" actId="20577"/>
-          <ac:graphicFrameMkLst>
-            <pc:docMk/>
-            <pc:sldMk cId="0" sldId="332"/>
-            <ac:graphicFrameMk id="6" creationId="{00000000-0000-0000-0000-000000000000}"/>
-          </ac:graphicFrameMkLst>
-        </pc:graphicFrameChg>
-        <pc:graphicFrameChg chg="add mod modGraphic">
-          <ac:chgData name="Lewis, Gareth" userId="0ca0577c-2ada-4abb-9a17-e7a804bbaaa5" providerId="ADAL" clId="{8D276DEB-9ECF-474F-8641-C8D9886C5626}" dt="2019-01-12T14:27:52.855" v="223" actId="20577"/>
-          <ac:graphicFrameMkLst>
-            <pc:docMk/>
-            <pc:sldMk cId="0" sldId="332"/>
-            <ac:graphicFrameMk id="7" creationId="{1FDBB499-B236-453B-BFE1-0247D66A5A2D}"/>
-          </ac:graphicFrameMkLst>
-        </pc:graphicFrameChg>
-        <pc:graphicFrameChg chg="modGraphic">
-          <ac:chgData name="Lewis, Gareth" userId="0ca0577c-2ada-4abb-9a17-e7a804bbaaa5" providerId="ADAL" clId="{8D276DEB-9ECF-474F-8641-C8D9886C5626}" dt="2019-01-12T14:29:24.436" v="303" actId="207"/>
-          <ac:graphicFrameMkLst>
-            <pc:docMk/>
-            <pc:sldMk cId="0" sldId="332"/>
-            <ac:graphicFrameMk id="10" creationId="{00000000-0000-0000-0000-000000000000}"/>
-          </ac:graphicFrameMkLst>
-        </pc:graphicFrameChg>
-      </pc:sldChg>
-      <pc:sldChg chg="modSp">
-        <pc:chgData name="Lewis, Gareth" userId="0ca0577c-2ada-4abb-9a17-e7a804bbaaa5" providerId="ADAL" clId="{8D276DEB-9ECF-474F-8641-C8D9886C5626}" dt="2019-01-27T11:03:04.244" v="3728" actId="20577"/>
-        <pc:sldMkLst>
-          <pc:docMk/>
-          <pc:sldMk cId="0" sldId="334"/>
-        </pc:sldMkLst>
-        <pc:spChg chg="mod">
-          <ac:chgData name="Lewis, Gareth" userId="0ca0577c-2ada-4abb-9a17-e7a804bbaaa5" providerId="ADAL" clId="{8D276DEB-9ECF-474F-8641-C8D9886C5626}" dt="2019-01-27T11:03:04.244" v="3728" actId="20577"/>
-          <ac:spMkLst>
-            <pc:docMk/>
-            <pc:sldMk cId="0" sldId="334"/>
-            <ac:spMk id="3" creationId="{00000000-0000-0000-0000-000000000000}"/>
-          </ac:spMkLst>
-        </pc:spChg>
-      </pc:sldChg>
-      <pc:sldChg chg="modSp">
-        <pc:chgData name="Lewis, Gareth" userId="0ca0577c-2ada-4abb-9a17-e7a804bbaaa5" providerId="ADAL" clId="{8D276DEB-9ECF-474F-8641-C8D9886C5626}" dt="2019-01-27T11:09:08.371" v="3835" actId="20577"/>
-        <pc:sldMkLst>
-          <pc:docMk/>
-          <pc:sldMk cId="0" sldId="335"/>
-        </pc:sldMkLst>
-        <pc:spChg chg="mod">
-          <ac:chgData name="Lewis, Gareth" userId="0ca0577c-2ada-4abb-9a17-e7a804bbaaa5" providerId="ADAL" clId="{8D276DEB-9ECF-474F-8641-C8D9886C5626}" dt="2019-01-27T11:09:08.371" v="3835" actId="20577"/>
-          <ac:spMkLst>
-            <pc:docMk/>
-            <pc:sldMk cId="0" sldId="335"/>
-            <ac:spMk id="3" creationId="{00000000-0000-0000-0000-000000000000}"/>
-          </ac:spMkLst>
-        </pc:spChg>
-      </pc:sldChg>
-      <pc:sldChg chg="modSp">
-        <pc:chgData name="Lewis, Gareth" userId="0ca0577c-2ada-4abb-9a17-e7a804bbaaa5" providerId="ADAL" clId="{8D276DEB-9ECF-474F-8641-C8D9886C5626}" dt="2019-01-13T14:45:47.631" v="3562" actId="20577"/>
-        <pc:sldMkLst>
-          <pc:docMk/>
-          <pc:sldMk cId="0" sldId="409"/>
-        </pc:sldMkLst>
-        <pc:spChg chg="mod">
-          <ac:chgData name="Lewis, Gareth" userId="0ca0577c-2ada-4abb-9a17-e7a804bbaaa5" providerId="ADAL" clId="{8D276DEB-9ECF-474F-8641-C8D9886C5626}" dt="2019-01-13T14:45:47.631" v="3562" actId="20577"/>
-          <ac:spMkLst>
-            <pc:docMk/>
-            <pc:sldMk cId="0" sldId="409"/>
-            <ac:spMk id="3" creationId="{00000000-0000-0000-0000-000000000000}"/>
-          </ac:spMkLst>
-        </pc:spChg>
-      </pc:sldChg>
-      <pc:sldChg chg="modSp add">
-        <pc:chgData name="Lewis, Gareth" userId="0ca0577c-2ada-4abb-9a17-e7a804bbaaa5" providerId="ADAL" clId="{8D276DEB-9ECF-474F-8641-C8D9886C5626}" dt="2019-01-12T14:36:55.362" v="1111" actId="20577"/>
-        <pc:sldMkLst>
-          <pc:docMk/>
-          <pc:sldMk cId="3854234756" sldId="410"/>
-        </pc:sldMkLst>
-        <pc:spChg chg="mod">
-          <ac:chgData name="Lewis, Gareth" userId="0ca0577c-2ada-4abb-9a17-e7a804bbaaa5" providerId="ADAL" clId="{8D276DEB-9ECF-474F-8641-C8D9886C5626}" dt="2019-01-12T14:36:55.362" v="1111" actId="20577"/>
-          <ac:spMkLst>
-            <pc:docMk/>
-            <pc:sldMk cId="3854234756" sldId="410"/>
-            <ac:spMk id="3" creationId="{00000000-0000-0000-0000-000000000000}"/>
-          </ac:spMkLst>
-        </pc:spChg>
-      </pc:sldChg>
-      <pc:sldChg chg="modSp add">
-        <pc:chgData name="Lewis, Gareth" userId="0ca0577c-2ada-4abb-9a17-e7a804bbaaa5" providerId="ADAL" clId="{8D276DEB-9ECF-474F-8641-C8D9886C5626}" dt="2019-01-12T14:37:28.237" v="1174" actId="20577"/>
-        <pc:sldMkLst>
-          <pc:docMk/>
-          <pc:sldMk cId="1133406884" sldId="411"/>
-        </pc:sldMkLst>
-        <pc:spChg chg="mod">
-          <ac:chgData name="Lewis, Gareth" userId="0ca0577c-2ada-4abb-9a17-e7a804bbaaa5" providerId="ADAL" clId="{8D276DEB-9ECF-474F-8641-C8D9886C5626}" dt="2019-01-12T14:37:28.237" v="1174" actId="20577"/>
-          <ac:spMkLst>
-            <pc:docMk/>
-            <pc:sldMk cId="1133406884" sldId="411"/>
-            <ac:spMk id="3" creationId="{00000000-0000-0000-0000-000000000000}"/>
-          </ac:spMkLst>
-        </pc:spChg>
-      </pc:sldChg>
-      <pc:sldChg chg="add">
-        <pc:chgData name="Lewis, Gareth" userId="0ca0577c-2ada-4abb-9a17-e7a804bbaaa5" providerId="ADAL" clId="{8D276DEB-9ECF-474F-8641-C8D9886C5626}" dt="2019-01-12T14:42:30.282" v="1175"/>
-        <pc:sldMkLst>
-          <pc:docMk/>
-          <pc:sldMk cId="0" sldId="632"/>
-        </pc:sldMkLst>
-      </pc:sldChg>
-      <pc:sldChg chg="add">
-        <pc:chgData name="Lewis, Gareth" userId="0ca0577c-2ada-4abb-9a17-e7a804bbaaa5" providerId="ADAL" clId="{8D276DEB-9ECF-474F-8641-C8D9886C5626}" dt="2019-01-12T14:42:30.282" v="1175"/>
-        <pc:sldMkLst>
-          <pc:docMk/>
-          <pc:sldMk cId="0" sldId="633"/>
-        </pc:sldMkLst>
-      </pc:sldChg>
-      <pc:sldChg chg="add">
-        <pc:chgData name="Lewis, Gareth" userId="0ca0577c-2ada-4abb-9a17-e7a804bbaaa5" providerId="ADAL" clId="{8D276DEB-9ECF-474F-8641-C8D9886C5626}" dt="2019-01-12T14:42:30.282" v="1175"/>
-        <pc:sldMkLst>
-          <pc:docMk/>
-          <pc:sldMk cId="0" sldId="634"/>
-        </pc:sldMkLst>
-      </pc:sldChg>
-      <pc:sldChg chg="modSp add">
-        <pc:chgData name="Lewis, Gareth" userId="0ca0577c-2ada-4abb-9a17-e7a804bbaaa5" providerId="ADAL" clId="{8D276DEB-9ECF-474F-8641-C8D9886C5626}" dt="2019-01-27T11:10:39.201" v="3882" actId="20577"/>
-        <pc:sldMkLst>
-          <pc:docMk/>
-          <pc:sldMk cId="0" sldId="635"/>
-        </pc:sldMkLst>
-        <pc:spChg chg="mod">
-          <ac:chgData name="Lewis, Gareth" userId="0ca0577c-2ada-4abb-9a17-e7a804bbaaa5" providerId="ADAL" clId="{8D276DEB-9ECF-474F-8641-C8D9886C5626}" dt="2019-01-27T11:10:39.201" v="3882" actId="20577"/>
-          <ac:spMkLst>
-            <pc:docMk/>
-            <pc:sldMk cId="0" sldId="635"/>
-            <ac:spMk id="3" creationId="{00000000-0000-0000-0000-000000000000}"/>
-          </ac:spMkLst>
-        </pc:spChg>
-      </pc:sldChg>
-      <pc:sldChg chg="add">
-        <pc:chgData name="Lewis, Gareth" userId="0ca0577c-2ada-4abb-9a17-e7a804bbaaa5" providerId="ADAL" clId="{8D276DEB-9ECF-474F-8641-C8D9886C5626}" dt="2019-01-12T14:42:30.282" v="1175"/>
-        <pc:sldMkLst>
-          <pc:docMk/>
-          <pc:sldMk cId="0" sldId="636"/>
-        </pc:sldMkLst>
-      </pc:sldChg>
-      <pc:sldChg chg="add">
-        <pc:chgData name="Lewis, Gareth" userId="0ca0577c-2ada-4abb-9a17-e7a804bbaaa5" providerId="ADAL" clId="{8D276DEB-9ECF-474F-8641-C8D9886C5626}" dt="2019-01-12T14:42:30.282" v="1175"/>
-        <pc:sldMkLst>
-          <pc:docMk/>
-          <pc:sldMk cId="0" sldId="640"/>
-        </pc:sldMkLst>
-      </pc:sldChg>
-      <pc:sldChg chg="addSp modSp add">
-        <pc:chgData name="Lewis, Gareth" userId="0ca0577c-2ada-4abb-9a17-e7a804bbaaa5" providerId="ADAL" clId="{8D276DEB-9ECF-474F-8641-C8D9886C5626}" dt="2019-01-12T14:49:30.107" v="1413" actId="20577"/>
-        <pc:sldMkLst>
-          <pc:docMk/>
-          <pc:sldMk cId="1186911255" sldId="641"/>
-        </pc:sldMkLst>
-        <pc:spChg chg="mod">
-          <ac:chgData name="Lewis, Gareth" userId="0ca0577c-2ada-4abb-9a17-e7a804bbaaa5" providerId="ADAL" clId="{8D276DEB-9ECF-474F-8641-C8D9886C5626}" dt="2019-01-12T14:49:30.107" v="1413" actId="20577"/>
-          <ac:spMkLst>
-            <pc:docMk/>
-            <pc:sldMk cId="1186911255" sldId="641"/>
-            <ac:spMk id="3" creationId="{00000000-0000-0000-0000-000000000000}"/>
-          </ac:spMkLst>
-        </pc:spChg>
-        <pc:picChg chg="add mod">
-          <ac:chgData name="Lewis, Gareth" userId="0ca0577c-2ada-4abb-9a17-e7a804bbaaa5" providerId="ADAL" clId="{8D276DEB-9ECF-474F-8641-C8D9886C5626}" dt="2019-01-12T14:48:50.790" v="1274" actId="1076"/>
-          <ac:picMkLst>
-            <pc:docMk/>
-            <pc:sldMk cId="1186911255" sldId="641"/>
-            <ac:picMk id="1026" creationId="{94C1F2A2-BA1D-405A-8746-01B8D514957C}"/>
-          </ac:picMkLst>
-        </pc:picChg>
-        <pc:picChg chg="add mod">
-          <ac:chgData name="Lewis, Gareth" userId="0ca0577c-2ada-4abb-9a17-e7a804bbaaa5" providerId="ADAL" clId="{8D276DEB-9ECF-474F-8641-C8D9886C5626}" dt="2019-01-12T14:48:48.582" v="1273" actId="14100"/>
-          <ac:picMkLst>
-            <pc:docMk/>
-            <pc:sldMk cId="1186911255" sldId="641"/>
-            <ac:picMk id="1028" creationId="{00208F58-A430-45DF-94A6-F3A8BC961500}"/>
-          </ac:picMkLst>
-        </pc:picChg>
-      </pc:sldChg>
-      <pc:sldChg chg="delSp modSp add">
-        <pc:chgData name="Lewis, Gareth" userId="0ca0577c-2ada-4abb-9a17-e7a804bbaaa5" providerId="ADAL" clId="{8D276DEB-9ECF-474F-8641-C8D9886C5626}" dt="2019-01-12T14:52:32.624" v="1814" actId="20577"/>
-        <pc:sldMkLst>
-          <pc:docMk/>
-          <pc:sldMk cId="1378757881" sldId="642"/>
-        </pc:sldMkLst>
-        <pc:spChg chg="mod">
-          <ac:chgData name="Lewis, Gareth" userId="0ca0577c-2ada-4abb-9a17-e7a804bbaaa5" providerId="ADAL" clId="{8D276DEB-9ECF-474F-8641-C8D9886C5626}" dt="2019-01-12T14:52:32.624" v="1814" actId="20577"/>
-          <ac:spMkLst>
-            <pc:docMk/>
-            <pc:sldMk cId="1378757881" sldId="642"/>
-            <ac:spMk id="3" creationId="{00000000-0000-0000-0000-000000000000}"/>
-          </ac:spMkLst>
-        </pc:spChg>
-        <pc:picChg chg="del">
-          <ac:chgData name="Lewis, Gareth" userId="0ca0577c-2ada-4abb-9a17-e7a804bbaaa5" providerId="ADAL" clId="{8D276DEB-9ECF-474F-8641-C8D9886C5626}" dt="2019-01-12T14:49:45.145" v="1415" actId="478"/>
-          <ac:picMkLst>
-            <pc:docMk/>
-            <pc:sldMk cId="1378757881" sldId="642"/>
-            <ac:picMk id="1026" creationId="{94C1F2A2-BA1D-405A-8746-01B8D514957C}"/>
-          </ac:picMkLst>
-        </pc:picChg>
-        <pc:picChg chg="del">
-          <ac:chgData name="Lewis, Gareth" userId="0ca0577c-2ada-4abb-9a17-e7a804bbaaa5" providerId="ADAL" clId="{8D276DEB-9ECF-474F-8641-C8D9886C5626}" dt="2019-01-12T14:49:45.952" v="1416" actId="478"/>
-          <ac:picMkLst>
-            <pc:docMk/>
-            <pc:sldMk cId="1378757881" sldId="642"/>
-            <ac:picMk id="1028" creationId="{00208F58-A430-45DF-94A6-F3A8BC961500}"/>
-          </ac:picMkLst>
-        </pc:picChg>
-      </pc:sldChg>
-      <pc:sldChg chg="addSp delSp modSp add">
-        <pc:chgData name="Lewis, Gareth" userId="0ca0577c-2ada-4abb-9a17-e7a804bbaaa5" providerId="ADAL" clId="{8D276DEB-9ECF-474F-8641-C8D9886C5626}" dt="2019-01-12T14:54:31.923" v="1852" actId="207"/>
-        <pc:sldMkLst>
-          <pc:docMk/>
-          <pc:sldMk cId="2520008228" sldId="643"/>
-        </pc:sldMkLst>
-        <pc:spChg chg="mod">
-          <ac:chgData name="Lewis, Gareth" userId="0ca0577c-2ada-4abb-9a17-e7a804bbaaa5" providerId="ADAL" clId="{8D276DEB-9ECF-474F-8641-C8D9886C5626}" dt="2019-01-12T14:53:49.299" v="1840" actId="6549"/>
-          <ac:spMkLst>
-            <pc:docMk/>
-            <pc:sldMk cId="2520008228" sldId="643"/>
-            <ac:spMk id="3" creationId="{00000000-0000-0000-0000-000000000000}"/>
-          </ac:spMkLst>
-        </pc:spChg>
-        <pc:spChg chg="del mod">
-          <ac:chgData name="Lewis, Gareth" userId="0ca0577c-2ada-4abb-9a17-e7a804bbaaa5" providerId="ADAL" clId="{8D276DEB-9ECF-474F-8641-C8D9886C5626}" dt="2019-01-12T14:53:52.297" v="1842" actId="478"/>
-          <ac:spMkLst>
-            <pc:docMk/>
-            <pc:sldMk cId="2520008228" sldId="643"/>
-            <ac:spMk id="4" creationId="{00000000-0000-0000-0000-000000000000}"/>
-          </ac:spMkLst>
-        </pc:spChg>
-        <pc:grpChg chg="add mod">
-          <ac:chgData name="Lewis, Gareth" userId="0ca0577c-2ada-4abb-9a17-e7a804bbaaa5" providerId="ADAL" clId="{8D276DEB-9ECF-474F-8641-C8D9886C5626}" dt="2019-01-12T14:54:31.923" v="1852" actId="207"/>
-          <ac:grpSpMkLst>
-            <pc:docMk/>
-            <pc:sldMk cId="2520008228" sldId="643"/>
-            <ac:grpSpMk id="5" creationId="{A22A2F09-ED0C-4FA7-8E33-F43E8BF5128A}"/>
-          </ac:grpSpMkLst>
-        </pc:grpChg>
-        <pc:picChg chg="del">
-          <ac:chgData name="Lewis, Gareth" userId="0ca0577c-2ada-4abb-9a17-e7a804bbaaa5" providerId="ADAL" clId="{8D276DEB-9ECF-474F-8641-C8D9886C5626}" dt="2019-01-12T14:53:37.673" v="1816" actId="478"/>
-          <ac:picMkLst>
-            <pc:docMk/>
-            <pc:sldMk cId="2520008228" sldId="643"/>
-            <ac:picMk id="65538" creationId="{00000000-0000-0000-0000-000000000000}"/>
-          </ac:picMkLst>
-        </pc:picChg>
-      </pc:sldChg>
-      <pc:sldChg chg="delSp modSp add">
-        <pc:chgData name="Lewis, Gareth" userId="0ca0577c-2ada-4abb-9a17-e7a804bbaaa5" providerId="ADAL" clId="{8D276DEB-9ECF-474F-8641-C8D9886C5626}" dt="2019-01-12T14:56:13.650" v="1858" actId="478"/>
-        <pc:sldMkLst>
-          <pc:docMk/>
-          <pc:sldMk cId="0" sldId="650"/>
-        </pc:sldMkLst>
-        <pc:spChg chg="mod">
-          <ac:chgData name="Lewis, Gareth" userId="0ca0577c-2ada-4abb-9a17-e7a804bbaaa5" providerId="ADAL" clId="{8D276DEB-9ECF-474F-8641-C8D9886C5626}" dt="2019-01-12T14:56:11.299" v="1857" actId="5793"/>
-          <ac:spMkLst>
-            <pc:docMk/>
-            <pc:sldMk cId="0" sldId="650"/>
-            <ac:spMk id="3" creationId="{00000000-0000-0000-0000-000000000000}"/>
-          </ac:spMkLst>
-        </pc:spChg>
-        <pc:spChg chg="del">
-          <ac:chgData name="Lewis, Gareth" userId="0ca0577c-2ada-4abb-9a17-e7a804bbaaa5" providerId="ADAL" clId="{8D276DEB-9ECF-474F-8641-C8D9886C5626}" dt="2019-01-12T14:56:13.650" v="1858" actId="478"/>
-          <ac:spMkLst>
-            <pc:docMk/>
-            <pc:sldMk cId="0" sldId="650"/>
-            <ac:spMk id="4" creationId="{00000000-0000-0000-0000-000000000000}"/>
-          </ac:spMkLst>
-        </pc:spChg>
-      </pc:sldChg>
-      <pc:sldChg chg="add">
-        <pc:chgData name="Lewis, Gareth" userId="0ca0577c-2ada-4abb-9a17-e7a804bbaaa5" providerId="ADAL" clId="{8D276DEB-9ECF-474F-8641-C8D9886C5626}" dt="2019-01-12T14:56:00.137" v="1853"/>
-        <pc:sldMkLst>
-          <pc:docMk/>
-          <pc:sldMk cId="0" sldId="651"/>
-        </pc:sldMkLst>
-      </pc:sldChg>
-      <pc:sldChg chg="add">
-        <pc:chgData name="Lewis, Gareth" userId="0ca0577c-2ada-4abb-9a17-e7a804bbaaa5" providerId="ADAL" clId="{8D276DEB-9ECF-474F-8641-C8D9886C5626}" dt="2019-01-12T14:56:00.137" v="1853"/>
-        <pc:sldMkLst>
-          <pc:docMk/>
-          <pc:sldMk cId="0" sldId="652"/>
-        </pc:sldMkLst>
-      </pc:sldChg>
-      <pc:sldChg chg="modSp add">
-        <pc:chgData name="Lewis, Gareth" userId="0ca0577c-2ada-4abb-9a17-e7a804bbaaa5" providerId="ADAL" clId="{8D276DEB-9ECF-474F-8641-C8D9886C5626}" dt="2019-01-12T14:56:59.098" v="1874" actId="20577"/>
-        <pc:sldMkLst>
-          <pc:docMk/>
-          <pc:sldMk cId="0" sldId="653"/>
-        </pc:sldMkLst>
-        <pc:spChg chg="mod">
-          <ac:chgData name="Lewis, Gareth" userId="0ca0577c-2ada-4abb-9a17-e7a804bbaaa5" providerId="ADAL" clId="{8D276DEB-9ECF-474F-8641-C8D9886C5626}" dt="2019-01-12T14:56:59.098" v="1874" actId="20577"/>
-          <ac:spMkLst>
-            <pc:docMk/>
-            <pc:sldMk cId="0" sldId="653"/>
-            <ac:spMk id="3" creationId="{00000000-0000-0000-0000-000000000000}"/>
-          </ac:spMkLst>
-        </pc:spChg>
-      </pc:sldChg>
-      <pc:sldChg chg="addSp delSp modSp add">
-        <pc:chgData name="Lewis, Gareth" userId="0ca0577c-2ada-4abb-9a17-e7a804bbaaa5" providerId="ADAL" clId="{8D276DEB-9ECF-474F-8641-C8D9886C5626}" dt="2019-01-27T11:31:10.056" v="4346" actId="478"/>
-        <pc:sldMkLst>
-          <pc:docMk/>
-          <pc:sldMk cId="0" sldId="654"/>
-        </pc:sldMkLst>
-        <pc:spChg chg="mod">
-          <ac:chgData name="Lewis, Gareth" userId="0ca0577c-2ada-4abb-9a17-e7a804bbaaa5" providerId="ADAL" clId="{8D276DEB-9ECF-474F-8641-C8D9886C5626}" dt="2019-01-12T14:59:31.970" v="1955" actId="20577"/>
-          <ac:spMkLst>
-            <pc:docMk/>
-            <pc:sldMk cId="0" sldId="654"/>
-            <ac:spMk id="3" creationId="{00000000-0000-0000-0000-000000000000}"/>
-          </ac:spMkLst>
-        </pc:spChg>
-        <pc:spChg chg="mod">
-          <ac:chgData name="Lewis, Gareth" userId="0ca0577c-2ada-4abb-9a17-e7a804bbaaa5" providerId="ADAL" clId="{8D276DEB-9ECF-474F-8641-C8D9886C5626}" dt="2019-01-12T14:57:48.340" v="1946" actId="1035"/>
-          <ac:spMkLst>
-            <pc:docMk/>
-            <pc:sldMk cId="0" sldId="654"/>
-            <ac:spMk id="6" creationId="{00000000-0000-0000-0000-000000000000}"/>
-          </ac:spMkLst>
-        </pc:spChg>
-        <pc:spChg chg="mod">
-          <ac:chgData name="Lewis, Gareth" userId="0ca0577c-2ada-4abb-9a17-e7a804bbaaa5" providerId="ADAL" clId="{8D276DEB-9ECF-474F-8641-C8D9886C5626}" dt="2019-01-12T14:57:43.909" v="1936" actId="1036"/>
-          <ac:spMkLst>
-            <pc:docMk/>
-            <pc:sldMk cId="0" sldId="654"/>
-            <ac:spMk id="9" creationId="{00000000-0000-0000-0000-000000000000}"/>
-          </ac:spMkLst>
-        </pc:spChg>
-        <pc:spChg chg="mod">
-          <ac:chgData name="Lewis, Gareth" userId="0ca0577c-2ada-4abb-9a17-e7a804bbaaa5" providerId="ADAL" clId="{8D276DEB-9ECF-474F-8641-C8D9886C5626}" dt="2019-01-12T14:57:29.291" v="1895" actId="1035"/>
-          <ac:spMkLst>
-            <pc:docMk/>
-            <pc:sldMk cId="0" sldId="654"/>
-            <ac:spMk id="11" creationId="{00000000-0000-0000-0000-000000000000}"/>
-          </ac:spMkLst>
-        </pc:spChg>
-        <pc:grpChg chg="mod">
-          <ac:chgData name="Lewis, Gareth" userId="0ca0577c-2ada-4abb-9a17-e7a804bbaaa5" providerId="ADAL" clId="{8D276DEB-9ECF-474F-8641-C8D9886C5626}" dt="2019-01-14T16:28:18.816" v="3563" actId="207"/>
-          <ac:grpSpMkLst>
-            <pc:docMk/>
-            <pc:sldMk cId="0" sldId="654"/>
-            <ac:grpSpMk id="52" creationId="{00000000-0000-0000-0000-000000000000}"/>
-          </ac:grpSpMkLst>
-        </pc:grpChg>
-        <pc:picChg chg="add del">
-          <ac:chgData name="Lewis, Gareth" userId="0ca0577c-2ada-4abb-9a17-e7a804bbaaa5" providerId="ADAL" clId="{8D276DEB-9ECF-474F-8641-C8D9886C5626}" dt="2019-01-27T11:31:10.056" v="4346" actId="478"/>
-          <ac:picMkLst>
-            <pc:docMk/>
-            <pc:sldMk cId="0" sldId="654"/>
-            <ac:picMk id="2" creationId="{3D132A7C-559C-4BE1-864B-D50C6E33A4CF}"/>
-          </ac:picMkLst>
-        </pc:picChg>
-        <pc:cxnChg chg="mod">
-          <ac:chgData name="Lewis, Gareth" userId="0ca0577c-2ada-4abb-9a17-e7a804bbaaa5" providerId="ADAL" clId="{8D276DEB-9ECF-474F-8641-C8D9886C5626}" dt="2019-01-12T14:57:48.340" v="1946" actId="1035"/>
-          <ac:cxnSpMkLst>
-            <pc:docMk/>
-            <pc:sldMk cId="0" sldId="654"/>
-            <ac:cxnSpMk id="14" creationId="{00000000-0000-0000-0000-000000000000}"/>
-          </ac:cxnSpMkLst>
-        </pc:cxnChg>
-        <pc:cxnChg chg="mod">
-          <ac:chgData name="Lewis, Gareth" userId="0ca0577c-2ada-4abb-9a17-e7a804bbaaa5" providerId="ADAL" clId="{8D276DEB-9ECF-474F-8641-C8D9886C5626}" dt="2019-01-12T14:57:43.909" v="1936" actId="1036"/>
-          <ac:cxnSpMkLst>
-            <pc:docMk/>
-            <pc:sldMk cId="0" sldId="654"/>
-            <ac:cxnSpMk id="15" creationId="{00000000-0000-0000-0000-000000000000}"/>
-          </ac:cxnSpMkLst>
-        </pc:cxnChg>
-        <pc:cxnChg chg="mod">
-          <ac:chgData name="Lewis, Gareth" userId="0ca0577c-2ada-4abb-9a17-e7a804bbaaa5" providerId="ADAL" clId="{8D276DEB-9ECF-474F-8641-C8D9886C5626}" dt="2019-01-12T14:57:29.291" v="1895" actId="1035"/>
-          <ac:cxnSpMkLst>
-            <pc:docMk/>
-            <pc:sldMk cId="0" sldId="654"/>
-            <ac:cxnSpMk id="19" creationId="{00000000-0000-0000-0000-000000000000}"/>
-          </ac:cxnSpMkLst>
-        </pc:cxnChg>
-        <pc:cxnChg chg="mod">
-          <ac:chgData name="Lewis, Gareth" userId="0ca0577c-2ada-4abb-9a17-e7a804bbaaa5" providerId="ADAL" clId="{8D276DEB-9ECF-474F-8641-C8D9886C5626}" dt="2019-01-12T14:57:48.340" v="1946" actId="1035"/>
-          <ac:cxnSpMkLst>
-            <pc:docMk/>
-            <pc:sldMk cId="0" sldId="654"/>
-            <ac:cxnSpMk id="22" creationId="{00000000-0000-0000-0000-000000000000}"/>
-          </ac:cxnSpMkLst>
-        </pc:cxnChg>
-        <pc:cxnChg chg="mod">
-          <ac:chgData name="Lewis, Gareth" userId="0ca0577c-2ada-4abb-9a17-e7a804bbaaa5" providerId="ADAL" clId="{8D276DEB-9ECF-474F-8641-C8D9886C5626}" dt="2019-01-12T14:57:48.340" v="1946" actId="1035"/>
-          <ac:cxnSpMkLst>
-            <pc:docMk/>
-            <pc:sldMk cId="0" sldId="654"/>
-            <ac:cxnSpMk id="25" creationId="{00000000-0000-0000-0000-000000000000}"/>
-          </ac:cxnSpMkLst>
-        </pc:cxnChg>
-        <pc:cxnChg chg="mod">
-          <ac:chgData name="Lewis, Gareth" userId="0ca0577c-2ada-4abb-9a17-e7a804bbaaa5" providerId="ADAL" clId="{8D276DEB-9ECF-474F-8641-C8D9886C5626}" dt="2019-01-12T14:57:43.909" v="1936" actId="1036"/>
-          <ac:cxnSpMkLst>
-            <pc:docMk/>
-            <pc:sldMk cId="0" sldId="654"/>
-            <ac:cxnSpMk id="28" creationId="{00000000-0000-0000-0000-000000000000}"/>
-          </ac:cxnSpMkLst>
-        </pc:cxnChg>
-        <pc:cxnChg chg="mod">
-          <ac:chgData name="Lewis, Gareth" userId="0ca0577c-2ada-4abb-9a17-e7a804bbaaa5" providerId="ADAL" clId="{8D276DEB-9ECF-474F-8641-C8D9886C5626}" dt="2019-01-12T14:57:29.291" v="1895" actId="1035"/>
-          <ac:cxnSpMkLst>
-            <pc:docMk/>
-            <pc:sldMk cId="0" sldId="654"/>
-            <ac:cxnSpMk id="32" creationId="{00000000-0000-0000-0000-000000000000}"/>
-          </ac:cxnSpMkLst>
-        </pc:cxnChg>
-      </pc:sldChg>
-      <pc:sldChg chg="modSp add">
-        <pc:chgData name="Lewis, Gareth" userId="0ca0577c-2ada-4abb-9a17-e7a804bbaaa5" providerId="ADAL" clId="{8D276DEB-9ECF-474F-8641-C8D9886C5626}" dt="2019-01-27T11:12:18.412" v="3883" actId="6549"/>
-        <pc:sldMkLst>
-          <pc:docMk/>
-          <pc:sldMk cId="0" sldId="655"/>
-        </pc:sldMkLst>
-        <pc:spChg chg="mod">
-          <ac:chgData name="Lewis, Gareth" userId="0ca0577c-2ada-4abb-9a17-e7a804bbaaa5" providerId="ADAL" clId="{8D276DEB-9ECF-474F-8641-C8D9886C5626}" dt="2019-01-27T11:12:18.412" v="3883" actId="6549"/>
-          <ac:spMkLst>
-            <pc:docMk/>
-            <pc:sldMk cId="0" sldId="655"/>
-            <ac:spMk id="3" creationId="{00000000-0000-0000-0000-000000000000}"/>
-          </ac:spMkLst>
-        </pc:spChg>
-      </pc:sldChg>
-      <pc:sldChg chg="addSp modSp add">
-        <pc:chgData name="Lewis, Gareth" userId="0ca0577c-2ada-4abb-9a17-e7a804bbaaa5" providerId="ADAL" clId="{8D276DEB-9ECF-474F-8641-C8D9886C5626}" dt="2019-01-27T11:28:25.328" v="4344" actId="164"/>
-        <pc:sldMkLst>
-          <pc:docMk/>
-          <pc:sldMk cId="0" sldId="674"/>
-        </pc:sldMkLst>
-        <pc:spChg chg="mod">
-          <ac:chgData name="Lewis, Gareth" userId="0ca0577c-2ada-4abb-9a17-e7a804bbaaa5" providerId="ADAL" clId="{8D276DEB-9ECF-474F-8641-C8D9886C5626}" dt="2019-01-12T14:57:06.452" v="1875"/>
-          <ac:spMkLst>
-            <pc:docMk/>
-            <pc:sldMk cId="0" sldId="674"/>
-            <ac:spMk id="3" creationId="{00000000-0000-0000-0000-000000000000}"/>
-          </ac:spMkLst>
-        </pc:spChg>
-        <pc:spChg chg="mod">
-          <ac:chgData name="Lewis, Gareth" userId="0ca0577c-2ada-4abb-9a17-e7a804bbaaa5" providerId="ADAL" clId="{8D276DEB-9ECF-474F-8641-C8D9886C5626}" dt="2019-01-12T14:56:39.756" v="1859" actId="6549"/>
-          <ac:spMkLst>
-            <pc:docMk/>
-            <pc:sldMk cId="0" sldId="674"/>
-            <ac:spMk id="15" creationId="{00000000-0000-0000-0000-000000000000}"/>
-          </ac:spMkLst>
-        </pc:spChg>
-        <pc:grpChg chg="add mod">
-          <ac:chgData name="Lewis, Gareth" userId="0ca0577c-2ada-4abb-9a17-e7a804bbaaa5" providerId="ADAL" clId="{8D276DEB-9ECF-474F-8641-C8D9886C5626}" dt="2019-01-27T11:28:25.328" v="4344" actId="164"/>
-          <ac:grpSpMkLst>
-            <pc:docMk/>
-            <pc:sldMk cId="0" sldId="674"/>
-            <ac:grpSpMk id="2" creationId="{3E0163F3-BCD6-4844-BFFC-CACB8A626BDC}"/>
-          </ac:grpSpMkLst>
-        </pc:grpChg>
-        <pc:grpChg chg="mod">
-          <ac:chgData name="Lewis, Gareth" userId="0ca0577c-2ada-4abb-9a17-e7a804bbaaa5" providerId="ADAL" clId="{8D276DEB-9ECF-474F-8641-C8D9886C5626}" dt="2019-01-27T11:28:25.328" v="4344" actId="164"/>
-          <ac:grpSpMkLst>
-            <pc:docMk/>
-            <pc:sldMk cId="0" sldId="674"/>
-            <ac:grpSpMk id="4" creationId="{00000000-0000-0000-0000-000000000000}"/>
-          </ac:grpSpMkLst>
-        </pc:grpChg>
-        <pc:grpChg chg="mod">
-          <ac:chgData name="Lewis, Gareth" userId="0ca0577c-2ada-4abb-9a17-e7a804bbaaa5" providerId="ADAL" clId="{8D276DEB-9ECF-474F-8641-C8D9886C5626}" dt="2019-01-27T11:28:25.328" v="4344" actId="164"/>
-          <ac:grpSpMkLst>
-            <pc:docMk/>
-            <pc:sldMk cId="0" sldId="674"/>
-            <ac:grpSpMk id="6" creationId="{00000000-0000-0000-0000-000000000000}"/>
-          </ac:grpSpMkLst>
-        </pc:grpChg>
-        <pc:grpChg chg="mod">
-          <ac:chgData name="Lewis, Gareth" userId="0ca0577c-2ada-4abb-9a17-e7a804bbaaa5" providerId="ADAL" clId="{8D276DEB-9ECF-474F-8641-C8D9886C5626}" dt="2019-01-27T11:28:25.328" v="4344" actId="164"/>
-          <ac:grpSpMkLst>
-            <pc:docMk/>
-            <pc:sldMk cId="0" sldId="674"/>
-            <ac:grpSpMk id="7" creationId="{00000000-0000-0000-0000-000000000000}"/>
-          </ac:grpSpMkLst>
-        </pc:grpChg>
-        <pc:cxnChg chg="mod">
-          <ac:chgData name="Lewis, Gareth" userId="0ca0577c-2ada-4abb-9a17-e7a804bbaaa5" providerId="ADAL" clId="{8D276DEB-9ECF-474F-8641-C8D9886C5626}" dt="2019-01-27T11:28:25.328" v="4344" actId="164"/>
-          <ac:cxnSpMkLst>
-            <pc:docMk/>
-            <pc:sldMk cId="0" sldId="674"/>
-            <ac:cxnSpMk id="8" creationId="{00000000-0000-0000-0000-000000000000}"/>
-          </ac:cxnSpMkLst>
-        </pc:cxnChg>
-        <pc:cxnChg chg="mod">
-          <ac:chgData name="Lewis, Gareth" userId="0ca0577c-2ada-4abb-9a17-e7a804bbaaa5" providerId="ADAL" clId="{8D276DEB-9ECF-474F-8641-C8D9886C5626}" dt="2019-01-27T11:28:25.328" v="4344" actId="164"/>
-          <ac:cxnSpMkLst>
-            <pc:docMk/>
-            <pc:sldMk cId="0" sldId="674"/>
-            <ac:cxnSpMk id="10" creationId="{00000000-0000-0000-0000-000000000000}"/>
-          </ac:cxnSpMkLst>
-        </pc:cxnChg>
-      </pc:sldChg>
-      <pc:sldChg chg="add">
-        <pc:chgData name="Lewis, Gareth" userId="0ca0577c-2ada-4abb-9a17-e7a804bbaaa5" providerId="ADAL" clId="{8D276DEB-9ECF-474F-8641-C8D9886C5626}" dt="2019-01-12T14:56:05.994" v="1854"/>
-        <pc:sldMkLst>
-          <pc:docMk/>
-          <pc:sldMk cId="950631406" sldId="675"/>
-        </pc:sldMkLst>
-      </pc:sldChg>
-      <pc:sldChg chg="modSp add">
-        <pc:chgData name="Lewis, Gareth" userId="0ca0577c-2ada-4abb-9a17-e7a804bbaaa5" providerId="ADAL" clId="{8D276DEB-9ECF-474F-8641-C8D9886C5626}" dt="2019-01-27T11:13:01.606" v="3886" actId="20577"/>
-        <pc:sldMkLst>
-          <pc:docMk/>
-          <pc:sldMk cId="136285698" sldId="676"/>
-        </pc:sldMkLst>
-        <pc:spChg chg="mod">
-          <ac:chgData name="Lewis, Gareth" userId="0ca0577c-2ada-4abb-9a17-e7a804bbaaa5" providerId="ADAL" clId="{8D276DEB-9ECF-474F-8641-C8D9886C5626}" dt="2019-01-27T11:13:01.606" v="3886" actId="20577"/>
-          <ac:spMkLst>
-            <pc:docMk/>
-            <pc:sldMk cId="136285698" sldId="676"/>
-            <ac:spMk id="3" creationId="{00000000-0000-0000-0000-000000000000}"/>
-          </ac:spMkLst>
-        </pc:spChg>
-      </pc:sldChg>
-      <pc:sldChg chg="modSp add">
-        <pc:chgData name="Lewis, Gareth" userId="0ca0577c-2ada-4abb-9a17-e7a804bbaaa5" providerId="ADAL" clId="{8D276DEB-9ECF-474F-8641-C8D9886C5626}" dt="2019-01-27T11:19:05.723" v="4343" actId="15"/>
-        <pc:sldMkLst>
-          <pc:docMk/>
-          <pc:sldMk cId="2688635824" sldId="677"/>
-        </pc:sldMkLst>
-        <pc:spChg chg="mod">
-          <ac:chgData name="Lewis, Gareth" userId="0ca0577c-2ada-4abb-9a17-e7a804bbaaa5" providerId="ADAL" clId="{8D276DEB-9ECF-474F-8641-C8D9886C5626}" dt="2019-01-27T11:19:05.723" v="4343" actId="15"/>
-          <ac:spMkLst>
-            <pc:docMk/>
-            <pc:sldMk cId="2688635824" sldId="677"/>
-            <ac:spMk id="3" creationId="{00000000-0000-0000-0000-000000000000}"/>
-          </ac:spMkLst>
-        </pc:spChg>
-      </pc:sldChg>
-      <pc:sldChg chg="modSp add ord">
-        <pc:chgData name="Lewis, Gareth" userId="0ca0577c-2ada-4abb-9a17-e7a804bbaaa5" providerId="ADAL" clId="{8D276DEB-9ECF-474F-8641-C8D9886C5626}" dt="2019-01-12T15:05:55.641" v="2160" actId="6549"/>
-        <pc:sldMkLst>
-          <pc:docMk/>
-          <pc:sldMk cId="689368450" sldId="678"/>
-        </pc:sldMkLst>
-        <pc:spChg chg="mod">
-          <ac:chgData name="Lewis, Gareth" userId="0ca0577c-2ada-4abb-9a17-e7a804bbaaa5" providerId="ADAL" clId="{8D276DEB-9ECF-474F-8641-C8D9886C5626}" dt="2019-01-12T15:05:55.641" v="2160" actId="6549"/>
-          <ac:spMkLst>
-            <pc:docMk/>
-            <pc:sldMk cId="689368450" sldId="678"/>
-            <ac:spMk id="3" creationId="{00000000-0000-0000-0000-000000000000}"/>
-          </ac:spMkLst>
-        </pc:spChg>
-      </pc:sldChg>
-      <pc:sldChg chg="modSp add">
-        <pc:chgData name="Lewis, Gareth" userId="0ca0577c-2ada-4abb-9a17-e7a804bbaaa5" providerId="ADAL" clId="{8D276DEB-9ECF-474F-8641-C8D9886C5626}" dt="2019-01-12T15:07:17.762" v="2410" actId="20577"/>
-        <pc:sldMkLst>
-          <pc:docMk/>
-          <pc:sldMk cId="262335432" sldId="679"/>
-        </pc:sldMkLst>
-        <pc:spChg chg="mod">
-          <ac:chgData name="Lewis, Gareth" userId="0ca0577c-2ada-4abb-9a17-e7a804bbaaa5" providerId="ADAL" clId="{8D276DEB-9ECF-474F-8641-C8D9886C5626}" dt="2019-01-12T15:07:17.762" v="2410" actId="20577"/>
-          <ac:spMkLst>
-            <pc:docMk/>
-            <pc:sldMk cId="262335432" sldId="679"/>
-            <ac:spMk id="3" creationId="{00000000-0000-0000-0000-000000000000}"/>
-          </ac:spMkLst>
-        </pc:spChg>
-      </pc:sldChg>
-      <pc:sldChg chg="modSp add">
-        <pc:chgData name="Lewis, Gareth" userId="0ca0577c-2ada-4abb-9a17-e7a804bbaaa5" providerId="ADAL" clId="{8D276DEB-9ECF-474F-8641-C8D9886C5626}" dt="2019-01-12T15:08:24.422" v="2514" actId="20577"/>
-        <pc:sldMkLst>
-          <pc:docMk/>
-          <pc:sldMk cId="1883771542" sldId="680"/>
-        </pc:sldMkLst>
-        <pc:spChg chg="mod">
-          <ac:chgData name="Lewis, Gareth" userId="0ca0577c-2ada-4abb-9a17-e7a804bbaaa5" providerId="ADAL" clId="{8D276DEB-9ECF-474F-8641-C8D9886C5626}" dt="2019-01-12T15:08:24.422" v="2514" actId="20577"/>
-          <ac:spMkLst>
-            <pc:docMk/>
-            <pc:sldMk cId="1883771542" sldId="680"/>
-            <ac:spMk id="3" creationId="{00000000-0000-0000-0000-000000000000}"/>
-          </ac:spMkLst>
-        </pc:spChg>
-      </pc:sldChg>
-      <pc:sldChg chg="modSp add">
-        <pc:chgData name="Lewis, Gareth" userId="0ca0577c-2ada-4abb-9a17-e7a804bbaaa5" providerId="ADAL" clId="{8D276DEB-9ECF-474F-8641-C8D9886C5626}" dt="2019-01-27T11:15:01.299" v="3941" actId="20577"/>
-        <pc:sldMkLst>
-          <pc:docMk/>
-          <pc:sldMk cId="2824904003" sldId="681"/>
-        </pc:sldMkLst>
-        <pc:spChg chg="mod">
-          <ac:chgData name="Lewis, Gareth" userId="0ca0577c-2ada-4abb-9a17-e7a804bbaaa5" providerId="ADAL" clId="{8D276DEB-9ECF-474F-8641-C8D9886C5626}" dt="2019-01-27T11:15:01.299" v="3941" actId="20577"/>
-          <ac:spMkLst>
-            <pc:docMk/>
-            <pc:sldMk cId="2824904003" sldId="681"/>
-            <ac:spMk id="3" creationId="{00000000-0000-0000-0000-000000000000}"/>
-          </ac:spMkLst>
-        </pc:spChg>
-      </pc:sldChg>
-      <pc:sldChg chg="modSp add">
-        <pc:chgData name="Lewis, Gareth" userId="0ca0577c-2ada-4abb-9a17-e7a804bbaaa5" providerId="ADAL" clId="{8D276DEB-9ECF-474F-8641-C8D9886C5626}" dt="2019-01-27T11:08:25.406" v="3826" actId="6549"/>
-        <pc:sldMkLst>
-          <pc:docMk/>
-          <pc:sldMk cId="2578447533" sldId="682"/>
-        </pc:sldMkLst>
-        <pc:spChg chg="mod">
-          <ac:chgData name="Lewis, Gareth" userId="0ca0577c-2ada-4abb-9a17-e7a804bbaaa5" providerId="ADAL" clId="{8D276DEB-9ECF-474F-8641-C8D9886C5626}" dt="2019-01-27T11:08:25.406" v="3826" actId="6549"/>
-          <ac:spMkLst>
-            <pc:docMk/>
-            <pc:sldMk cId="2578447533" sldId="682"/>
-            <ac:spMk id="3" creationId="{00000000-0000-0000-0000-000000000000}"/>
-          </ac:spMkLst>
-        </pc:spChg>
-      </pc:sldChg>
-      <pc:sldChg chg="modSp add">
-        <pc:chgData name="Lewis, Gareth" userId="0ca0577c-2ada-4abb-9a17-e7a804bbaaa5" providerId="ADAL" clId="{8D276DEB-9ECF-474F-8641-C8D9886C5626}" dt="2019-01-27T11:13:55.453" v="3908" actId="20577"/>
-        <pc:sldMkLst>
-          <pc:docMk/>
-          <pc:sldMk cId="1395622730" sldId="683"/>
-        </pc:sldMkLst>
-        <pc:spChg chg="mod">
-          <ac:chgData name="Lewis, Gareth" userId="0ca0577c-2ada-4abb-9a17-e7a804bbaaa5" providerId="ADAL" clId="{8D276DEB-9ECF-474F-8641-C8D9886C5626}" dt="2019-01-27T11:13:55.453" v="3908" actId="20577"/>
-          <ac:spMkLst>
-            <pc:docMk/>
-            <pc:sldMk cId="1395622730" sldId="683"/>
-            <ac:spMk id="3" creationId="{00000000-0000-0000-0000-000000000000}"/>
-          </ac:spMkLst>
-        </pc:spChg>
-      </pc:sldChg>
-      <pc:sldChg chg="modSp add">
-        <pc:chgData name="Lewis, Gareth" userId="0ca0577c-2ada-4abb-9a17-e7a804bbaaa5" providerId="ADAL" clId="{8D276DEB-9ECF-474F-8641-C8D9886C5626}" dt="2019-01-27T11:16:57.127" v="4145" actId="20577"/>
-        <pc:sldMkLst>
-          <pc:docMk/>
-          <pc:sldMk cId="1144748300" sldId="684"/>
-        </pc:sldMkLst>
-        <pc:spChg chg="mod">
-          <ac:chgData name="Lewis, Gareth" userId="0ca0577c-2ada-4abb-9a17-e7a804bbaaa5" providerId="ADAL" clId="{8D276DEB-9ECF-474F-8641-C8D9886C5626}" dt="2019-01-27T11:16:57.127" v="4145" actId="20577"/>
-          <ac:spMkLst>
-            <pc:docMk/>
-            <pc:sldMk cId="1144748300" sldId="684"/>
-            <ac:spMk id="3" creationId="{00000000-0000-0000-0000-000000000000}"/>
-          </ac:spMkLst>
-        </pc:spChg>
-      </pc:sldChg>
-      <pc:sldMasterChg chg="modSldLayout">
-        <pc:chgData name="Lewis, Gareth" userId="0ca0577c-2ada-4abb-9a17-e7a804bbaaa5" providerId="ADAL" clId="{8D276DEB-9ECF-474F-8641-C8D9886C5626}" dt="2019-01-12T15:07:46.816" v="2422" actId="207"/>
-        <pc:sldMasterMkLst>
-          <pc:docMk/>
-          <pc:sldMasterMk cId="0" sldId="2147483648"/>
-        </pc:sldMasterMkLst>
-        <pc:sldLayoutChg chg="modSp">
-          <pc:chgData name="Lewis, Gareth" userId="0ca0577c-2ada-4abb-9a17-e7a804bbaaa5" providerId="ADAL" clId="{8D276DEB-9ECF-474F-8641-C8D9886C5626}" dt="2019-01-12T15:07:46.816" v="2422" actId="207"/>
-          <pc:sldLayoutMkLst>
-            <pc:docMk/>
-            <pc:sldMasterMk cId="0" sldId="2147483648"/>
-            <pc:sldLayoutMk cId="4274630231" sldId="2147483672"/>
-          </pc:sldLayoutMkLst>
-          <pc:spChg chg="mod">
-            <ac:chgData name="Lewis, Gareth" userId="0ca0577c-2ada-4abb-9a17-e7a804bbaaa5" providerId="ADAL" clId="{8D276DEB-9ECF-474F-8641-C8D9886C5626}" dt="2019-01-12T15:07:46.816" v="2422" actId="207"/>
-            <ac:spMkLst>
-              <pc:docMk/>
-              <pc:sldMasterMk cId="0" sldId="2147483648"/>
-              <pc:sldLayoutMk cId="4274630231" sldId="2147483672"/>
-              <ac:spMk id="3" creationId="{00000000-0000-0000-0000-000000000000}"/>
-            </ac:spMkLst>
-          </pc:spChg>
-        </pc:sldLayoutChg>
-      </pc:sldMasterChg>
-    </pc:docChg>
   </pc:docChgLst>
 </pc:chgInfo>
 </file>
@@ -963,7 +249,7 @@
             <a:fld id="{134C908B-E4CF-4B88-8994-49C91B4DAC10}" type="datetimeFigureOut">
               <a:rPr lang="en-US" smtClean="0"/>
               <a:pPr/>
-              <a:t>9/19/19</a:t>
+              <a:t>9/22/19</a:t>
             </a:fld>
             <a:endParaRPr lang="en-US"/>
           </a:p>
@@ -1125,7 +411,7 @@
             <a:fld id="{FCD4ED34-E2A7-4A73-B53B-08CB721EE63F}" type="datetimeFigureOut">
               <a:rPr lang="en-US" smtClean="0"/>
               <a:pPr/>
-              <a:t>9/19/19</a:t>
+              <a:t>9/22/19</a:t>
             </a:fld>
             <a:endParaRPr lang="en-GB"/>
           </a:p>
@@ -1588,7 +874,7 @@
             <a:fld id="{24C0EDFE-3590-4448-BF7B-7FB41E82085F}" type="datetimeFigureOut">
               <a:rPr lang="en-US" smtClean="0"/>
               <a:pPr/>
-              <a:t>9/19/19</a:t>
+              <a:t>9/22/19</a:t>
             </a:fld>
             <a:endParaRPr lang="en-US" dirty="0"/>
           </a:p>
@@ -1777,7 +1063,7 @@
             <a:fld id="{24C0EDFE-3590-4448-BF7B-7FB41E82085F}" type="datetimeFigureOut">
               <a:rPr lang="en-US" smtClean="0"/>
               <a:pPr/>
-              <a:t>9/19/19</a:t>
+              <a:t>9/22/19</a:t>
             </a:fld>
             <a:endParaRPr lang="en-US" dirty="0"/>
           </a:p>
@@ -1955,7 +1241,7 @@
             <a:fld id="{24C0EDFE-3590-4448-BF7B-7FB41E82085F}" type="datetimeFigureOut">
               <a:rPr lang="en-US" smtClean="0"/>
               <a:pPr/>
-              <a:t>9/19/19</a:t>
+              <a:t>9/22/19</a:t>
             </a:fld>
             <a:endParaRPr lang="en-US" dirty="0"/>
           </a:p>
@@ -2204,7 +1490,7 @@
             <a:fld id="{24C0EDFE-3590-4448-BF7B-7FB41E82085F}" type="datetimeFigureOut">
               <a:rPr lang="en-US" smtClean="0"/>
               <a:pPr/>
-              <a:t>9/19/19</a:t>
+              <a:t>9/22/19</a:t>
             </a:fld>
             <a:endParaRPr lang="en-US" dirty="0"/>
           </a:p>
@@ -2526,7 +1812,7 @@
             <a:fld id="{24C0EDFE-3590-4448-BF7B-7FB41E82085F}" type="datetimeFigureOut">
               <a:rPr lang="en-US" smtClean="0"/>
               <a:pPr/>
-              <a:t>9/19/19</a:t>
+              <a:t>9/22/19</a:t>
             </a:fld>
             <a:endParaRPr lang="en-US" dirty="0"/>
           </a:p>
@@ -2832,7 +2118,7 @@
             <a:fld id="{24C0EDFE-3590-4448-BF7B-7FB41E82085F}" type="datetimeFigureOut">
               <a:rPr lang="en-US" smtClean="0"/>
               <a:pPr/>
-              <a:t>9/19/19</a:t>
+              <a:t>9/22/19</a:t>
             </a:fld>
             <a:endParaRPr lang="en-US" dirty="0"/>
           </a:p>
@@ -3256,7 +2542,7 @@
             <a:fld id="{24C0EDFE-3590-4448-BF7B-7FB41E82085F}" type="datetimeFigureOut">
               <a:rPr lang="en-US" smtClean="0"/>
               <a:pPr/>
-              <a:t>9/19/19</a:t>
+              <a:t>9/22/19</a:t>
             </a:fld>
             <a:endParaRPr lang="en-US" dirty="0"/>
           </a:p>
@@ -3378,7 +2664,7 @@
             <a:fld id="{24C0EDFE-3590-4448-BF7B-7FB41E82085F}" type="datetimeFigureOut">
               <a:rPr lang="en-US" smtClean="0"/>
               <a:pPr/>
-              <a:t>9/19/19</a:t>
+              <a:t>9/22/19</a:t>
             </a:fld>
             <a:endParaRPr lang="en-US" dirty="0"/>
           </a:p>
@@ -3470,7 +2756,7 @@
             <a:fld id="{24C0EDFE-3590-4448-BF7B-7FB41E82085F}" type="datetimeFigureOut">
               <a:rPr lang="en-US" smtClean="0"/>
               <a:pPr/>
-              <a:t>9/19/19</a:t>
+              <a:t>9/22/19</a:t>
             </a:fld>
             <a:endParaRPr lang="en-US" dirty="0"/>
           </a:p>
@@ -3745,7 +3031,7 @@
             <a:fld id="{24C0EDFE-3590-4448-BF7B-7FB41E82085F}" type="datetimeFigureOut">
               <a:rPr lang="en-US" smtClean="0"/>
               <a:pPr/>
-              <a:t>9/19/19</a:t>
+              <a:t>9/22/19</a:t>
             </a:fld>
             <a:endParaRPr lang="en-US" dirty="0"/>
           </a:p>
@@ -3997,7 +3283,7 @@
             <a:fld id="{24C0EDFE-3590-4448-BF7B-7FB41E82085F}" type="datetimeFigureOut">
               <a:rPr lang="en-US" smtClean="0"/>
               <a:pPr/>
-              <a:t>9/19/19</a:t>
+              <a:t>9/22/19</a:t>
             </a:fld>
             <a:endParaRPr lang="en-US" dirty="0"/>
           </a:p>
@@ -4174,7 +3460,7 @@
             <a:fld id="{24C0EDFE-3590-4448-BF7B-7FB41E82085F}" type="datetimeFigureOut">
               <a:rPr lang="en-US" smtClean="0"/>
               <a:pPr/>
-              <a:t>9/19/19</a:t>
+              <a:t>9/22/19</a:t>
             </a:fld>
             <a:endParaRPr lang="en-US" dirty="0"/>
           </a:p>
@@ -4877,6 +4163,293 @@
 </file>
 
 <file path=ppt/slides/slide10.xml><?xml version="1.0" encoding="utf-8"?>
+<p:sld xmlns:a="http://schemas.openxmlformats.org/drawingml/2006/main" xmlns:r="http://schemas.openxmlformats.org/officeDocument/2006/relationships" xmlns:p="http://schemas.openxmlformats.org/presentationml/2006/main">
+  <p:cSld>
+    <p:spTree>
+      <p:nvGrpSpPr>
+        <p:cNvPr id="1" name=""/>
+        <p:cNvGrpSpPr/>
+        <p:nvPr/>
+      </p:nvGrpSpPr>
+      <p:grpSpPr>
+        <a:xfrm>
+          <a:off x="0" y="0"/>
+          <a:ext cx="0" cy="0"/>
+          <a:chOff x="0" y="0"/>
+          <a:chExt cx="0" cy="0"/>
+        </a:xfrm>
+      </p:grpSpPr>
+      <p:sp>
+        <p:nvSpPr>
+          <p:cNvPr id="3" name="Content Placeholder 2"/>
+          <p:cNvSpPr>
+            <a:spLocks noGrp="1"/>
+          </p:cNvSpPr>
+          <p:nvPr>
+            <p:ph idx="1"/>
+          </p:nvPr>
+        </p:nvSpPr>
+        <p:spPr>
+          <a:xfrm>
+            <a:off x="457200" y="548680"/>
+            <a:ext cx="8229600" cy="6192688"/>
+          </a:xfrm>
+        </p:spPr>
+        <p:txBody>
+          <a:bodyPr>
+            <a:normAutofit/>
+          </a:bodyPr>
+          <a:lstStyle/>
+          <a:p>
+            <a:r>
+              <a:rPr lang="en-GB" dirty="0"/>
+              <a:t>Introduction to the module</a:t>
+            </a:r>
+          </a:p>
+          <a:p>
+            <a:pPr lvl="1"/>
+            <a:r>
+              <a:rPr lang="en-GB" dirty="0"/>
+              <a:t>Assignment 1</a:t>
+            </a:r>
+          </a:p>
+          <a:p>
+            <a:pPr lvl="2"/>
+            <a:r>
+              <a:rPr lang="en-GB" dirty="0"/>
+              <a:t>Examples</a:t>
+            </a:r>
+          </a:p>
+          <a:p>
+            <a:pPr lvl="3"/>
+            <a:r>
+              <a:rPr lang="en-GB" dirty="0"/>
+              <a:t>Jonathan </a:t>
+            </a:r>
+            <a:r>
+              <a:rPr lang="en-GB" dirty="0" err="1"/>
+              <a:t>Hemmens</a:t>
+            </a:r>
+            <a:r>
+              <a:rPr lang="en-GB" dirty="0"/>
+              <a:t> (Art)</a:t>
+            </a:r>
+          </a:p>
+          <a:p>
+            <a:pPr lvl="4"/>
+            <a:r>
+              <a:rPr lang="en-GB" dirty="0">
+                <a:hlinkClick r:id="rId2"/>
+              </a:rPr>
+              <a:t>https://jonjo.artstation.com/projects/4b6eql</a:t>
+            </a:r>
+            <a:endParaRPr lang="en-GB" dirty="0"/>
+          </a:p>
+          <a:p>
+            <a:pPr lvl="3"/>
+            <a:r>
+              <a:rPr lang="en-GB" dirty="0"/>
+              <a:t>Andy Finlay (Programming)</a:t>
+            </a:r>
+          </a:p>
+          <a:p>
+            <a:pPr lvl="4"/>
+            <a:r>
+              <a:rPr lang="en-GB" dirty="0">
+                <a:hlinkClick r:id="rId3"/>
+              </a:rPr>
+              <a:t>https://newtoto.github.io/</a:t>
+            </a:r>
+            <a:endParaRPr lang="en-GB" dirty="0"/>
+          </a:p>
+          <a:p>
+            <a:pPr lvl="3"/>
+            <a:r>
+              <a:rPr lang="en-GB" dirty="0"/>
+              <a:t>Tom King (Design)</a:t>
+            </a:r>
+          </a:p>
+          <a:p>
+            <a:pPr lvl="4"/>
+            <a:r>
+              <a:rPr lang="en-GB" dirty="0">
+                <a:hlinkClick r:id="rId4"/>
+              </a:rPr>
+              <a:t>https://www.thomaskingleveldesign.com/</a:t>
+            </a:r>
+            <a:endParaRPr lang="en-GB" dirty="0"/>
+          </a:p>
+          <a:p>
+            <a:pPr lvl="3"/>
+            <a:r>
+              <a:rPr lang="en-GB" dirty="0" err="1"/>
+              <a:t>Issac</a:t>
+            </a:r>
+            <a:r>
+              <a:rPr lang="en-GB" dirty="0"/>
+              <a:t> </a:t>
+            </a:r>
+            <a:r>
+              <a:rPr lang="en-GB" dirty="0" err="1"/>
+              <a:t>Oluyadi</a:t>
+            </a:r>
+            <a:r>
+              <a:rPr lang="en-GB" dirty="0"/>
+              <a:t> (Animation)</a:t>
+            </a:r>
+          </a:p>
+          <a:p>
+            <a:pPr lvl="4"/>
+            <a:r>
+              <a:rPr lang="en-GB" dirty="0">
+                <a:hlinkClick r:id="rId5"/>
+              </a:rPr>
+              <a:t>https://ioluyadi.wixsite.com/website</a:t>
+            </a:r>
+            <a:endParaRPr lang="en-GB" dirty="0"/>
+          </a:p>
+        </p:txBody>
+      </p:sp>
+    </p:spTree>
+    <p:extLst>
+      <p:ext uri="{BB962C8B-B14F-4D97-AF65-F5344CB8AC3E}">
+        <p14:creationId xmlns:p14="http://schemas.microsoft.com/office/powerpoint/2010/main" val="206761803"/>
+      </p:ext>
+    </p:extLst>
+  </p:cSld>
+  <p:clrMapOvr>
+    <a:masterClrMapping/>
+  </p:clrMapOvr>
+</p:sld>
+</file>
+
+<file path=ppt/slides/slide11.xml><?xml version="1.0" encoding="utf-8"?>
+<p:sld xmlns:a="http://schemas.openxmlformats.org/drawingml/2006/main" xmlns:r="http://schemas.openxmlformats.org/officeDocument/2006/relationships" xmlns:p="http://schemas.openxmlformats.org/presentationml/2006/main">
+  <p:cSld>
+    <p:spTree>
+      <p:nvGrpSpPr>
+        <p:cNvPr id="1" name=""/>
+        <p:cNvGrpSpPr/>
+        <p:nvPr/>
+      </p:nvGrpSpPr>
+      <p:grpSpPr>
+        <a:xfrm>
+          <a:off x="0" y="0"/>
+          <a:ext cx="0" cy="0"/>
+          <a:chOff x="0" y="0"/>
+          <a:chExt cx="0" cy="0"/>
+        </a:xfrm>
+      </p:grpSpPr>
+      <p:sp>
+        <p:nvSpPr>
+          <p:cNvPr id="3" name="Content Placeholder 2"/>
+          <p:cNvSpPr>
+            <a:spLocks noGrp="1"/>
+          </p:cNvSpPr>
+          <p:nvPr>
+            <p:ph idx="1"/>
+          </p:nvPr>
+        </p:nvSpPr>
+        <p:spPr>
+          <a:xfrm>
+            <a:off x="457200" y="548680"/>
+            <a:ext cx="8229600" cy="6192688"/>
+          </a:xfrm>
+        </p:spPr>
+        <p:txBody>
+          <a:bodyPr>
+            <a:normAutofit/>
+          </a:bodyPr>
+          <a:lstStyle/>
+          <a:p>
+            <a:r>
+              <a:rPr lang="en-GB" dirty="0"/>
+              <a:t>Introduction to the module</a:t>
+            </a:r>
+          </a:p>
+          <a:p>
+            <a:pPr lvl="1"/>
+            <a:r>
+              <a:rPr lang="en-GB" dirty="0"/>
+              <a:t>Assignment 2</a:t>
+            </a:r>
+          </a:p>
+          <a:p>
+            <a:pPr lvl="2"/>
+            <a:r>
+              <a:rPr lang="en-GB" dirty="0"/>
+              <a:t>‘Promotional materials’</a:t>
+            </a:r>
+          </a:p>
+          <a:p>
+            <a:pPr lvl="2"/>
+            <a:r>
+              <a:rPr lang="en-GB" dirty="0"/>
+              <a:t>Create materials</a:t>
+            </a:r>
+          </a:p>
+          <a:p>
+            <a:pPr lvl="3"/>
+            <a:r>
+              <a:rPr lang="en-GB" dirty="0"/>
+              <a:t>Resume</a:t>
+            </a:r>
+          </a:p>
+          <a:p>
+            <a:pPr lvl="3"/>
+            <a:r>
+              <a:rPr lang="en-GB" dirty="0"/>
+              <a:t>LinkedIn profile</a:t>
+            </a:r>
+          </a:p>
+          <a:p>
+            <a:pPr lvl="3"/>
+            <a:r>
+              <a:rPr lang="en-GB" dirty="0"/>
+              <a:t>Suitable website / portfolio hosting</a:t>
+            </a:r>
+          </a:p>
+          <a:p>
+            <a:pPr lvl="3"/>
+            <a:endParaRPr lang="en-GB" dirty="0"/>
+          </a:p>
+          <a:p>
+            <a:pPr lvl="2"/>
+            <a:r>
+              <a:rPr lang="en-GB" dirty="0">
+                <a:hlinkClick r:id="rId2"/>
+              </a:rPr>
+              <a:t>https://learningspace.falmouth.ac.uk/course/view.php?id=4352</a:t>
+            </a:r>
+            <a:endParaRPr lang="en-GB" dirty="0"/>
+          </a:p>
+          <a:p>
+            <a:pPr lvl="3"/>
+            <a:r>
+              <a:rPr lang="en-GB" dirty="0"/>
+              <a:t>Again, rubrics to make things clear</a:t>
+            </a:r>
+          </a:p>
+          <a:p>
+            <a:pPr lvl="3"/>
+            <a:endParaRPr lang="en-GB" dirty="0"/>
+          </a:p>
+        </p:txBody>
+      </p:sp>
+    </p:spTree>
+    <p:extLst>
+      <p:ext uri="{BB962C8B-B14F-4D97-AF65-F5344CB8AC3E}">
+        <p14:creationId xmlns:p14="http://schemas.microsoft.com/office/powerpoint/2010/main" val="298523495"/>
+      </p:ext>
+    </p:extLst>
+  </p:cSld>
+  <p:clrMapOvr>
+    <a:masterClrMapping/>
+  </p:clrMapOvr>
+</p:sld>
+</file>
+
+<file path=ppt/slides/slide12.xml><?xml version="1.0" encoding="utf-8"?>
 <p:sld xmlns:a="http://schemas.openxmlformats.org/drawingml/2006/main" xmlns:r="http://schemas.openxmlformats.org/officeDocument/2006/relationships" xmlns:p="http://schemas.openxmlformats.org/presentationml/2006/main">
   <p:cSld>
     <p:spTree>
@@ -6328,7 +5901,7 @@
 </p:sld>
 </file>
 
-<file path=ppt/slides/slide11.xml><?xml version="1.0" encoding="utf-8"?>
+<file path=ppt/slides/slide13.xml><?xml version="1.0" encoding="utf-8"?>
 <p:sld xmlns:a="http://schemas.openxmlformats.org/drawingml/2006/main" xmlns:r="http://schemas.openxmlformats.org/officeDocument/2006/relationships" xmlns:p="http://schemas.openxmlformats.org/presentationml/2006/main">
   <p:cSld>
     <p:spTree>
@@ -6376,7 +5949,135 @@
             <a:pPr lvl="1"/>
             <a:r>
               <a:rPr lang="en-GB" dirty="0"/>
+              <a:t>Tutorials:</a:t>
+            </a:r>
+          </a:p>
+          <a:p>
+            <a:pPr lvl="2"/>
+            <a:r>
+              <a:rPr lang="en-GB" dirty="0"/>
+              <a:t>Build on lecture materials</a:t>
+            </a:r>
+          </a:p>
+          <a:p>
+            <a:pPr lvl="2"/>
+            <a:r>
+              <a:rPr lang="en-GB" dirty="0"/>
+              <a:t>Give you support to go and do your own things</a:t>
+            </a:r>
+          </a:p>
+          <a:p>
+            <a:pPr lvl="2"/>
+            <a:r>
+              <a:rPr lang="en-GB" dirty="0"/>
+              <a:t>Have equipment so you can develop your portfolio pieces</a:t>
+            </a:r>
+          </a:p>
+          <a:p>
+            <a:pPr marL="914400" lvl="2" indent="0">
+              <a:buNone/>
+            </a:pPr>
+            <a:endParaRPr lang="en-GB" dirty="0"/>
+          </a:p>
+        </p:txBody>
+      </p:sp>
+    </p:spTree>
+    <p:extLst>
+      <p:ext uri="{BB962C8B-B14F-4D97-AF65-F5344CB8AC3E}">
+        <p14:creationId xmlns:p14="http://schemas.microsoft.com/office/powerpoint/2010/main" val="4068521540"/>
+      </p:ext>
+    </p:extLst>
+  </p:cSld>
+  <p:clrMapOvr>
+    <a:masterClrMapping/>
+  </p:clrMapOvr>
+</p:sld>
+</file>
+
+<file path=ppt/slides/slide14.xml><?xml version="1.0" encoding="utf-8"?>
+<p:sld xmlns:a="http://schemas.openxmlformats.org/drawingml/2006/main" xmlns:r="http://schemas.openxmlformats.org/officeDocument/2006/relationships" xmlns:p="http://schemas.openxmlformats.org/presentationml/2006/main">
+  <p:cSld>
+    <p:spTree>
+      <p:nvGrpSpPr>
+        <p:cNvPr id="1" name=""/>
+        <p:cNvGrpSpPr/>
+        <p:nvPr/>
+      </p:nvGrpSpPr>
+      <p:grpSpPr>
+        <a:xfrm>
+          <a:off x="0" y="0"/>
+          <a:ext cx="0" cy="0"/>
+          <a:chOff x="0" y="0"/>
+          <a:chExt cx="0" cy="0"/>
+        </a:xfrm>
+      </p:grpSpPr>
+      <p:sp>
+        <p:nvSpPr>
+          <p:cNvPr id="3" name="Content Placeholder 2"/>
+          <p:cNvSpPr>
+            <a:spLocks noGrp="1"/>
+          </p:cNvSpPr>
+          <p:nvPr>
+            <p:ph idx="1"/>
+          </p:nvPr>
+        </p:nvSpPr>
+        <p:spPr>
+          <a:xfrm>
+            <a:off x="457200" y="548680"/>
+            <a:ext cx="8229600" cy="6192688"/>
+          </a:xfrm>
+        </p:spPr>
+        <p:txBody>
+          <a:bodyPr>
+            <a:normAutofit/>
+          </a:bodyPr>
+          <a:lstStyle/>
+          <a:p>
+            <a:r>
+              <a:rPr lang="en-GB" dirty="0"/>
+              <a:t>Introduction to the module</a:t>
+            </a:r>
+          </a:p>
+          <a:p>
+            <a:pPr lvl="1"/>
+            <a:r>
+              <a:rPr lang="en-GB" dirty="0"/>
               <a:t>Route tutors:</a:t>
+            </a:r>
+          </a:p>
+          <a:p>
+            <a:pPr lvl="1"/>
+            <a:endParaRPr lang="en-GB" dirty="0"/>
+          </a:p>
+          <a:p>
+            <a:pPr lvl="1"/>
+            <a:endParaRPr lang="en-GB" dirty="0"/>
+          </a:p>
+          <a:p>
+            <a:pPr lvl="1"/>
+            <a:endParaRPr lang="en-GB" dirty="0"/>
+          </a:p>
+          <a:p>
+            <a:pPr lvl="1"/>
+            <a:endParaRPr lang="en-GB" dirty="0"/>
+          </a:p>
+          <a:p>
+            <a:pPr lvl="1"/>
+            <a:endParaRPr lang="en-GB" dirty="0"/>
+          </a:p>
+          <a:p>
+            <a:pPr lvl="1"/>
+            <a:endParaRPr lang="en-GB" dirty="0"/>
+          </a:p>
+          <a:p>
+            <a:pPr lvl="1"/>
+            <a:endParaRPr lang="en-GB" dirty="0"/>
+          </a:p>
+          <a:p>
+            <a:pPr lvl="2"/>
+            <a:r>
+              <a:rPr lang="en-GB" dirty="0"/>
+              <a:t>All industry experienced</a:t>
             </a:r>
           </a:p>
           <a:p>
@@ -6927,7 +6628,7 @@
 </p:sld>
 </file>
 
-<file path=ppt/slides/slide12.xml><?xml version="1.0" encoding="utf-8"?>
+<file path=ppt/slides/slide15.xml><?xml version="1.0" encoding="utf-8"?>
 <p:sld xmlns:a="http://schemas.openxmlformats.org/drawingml/2006/main" xmlns:r="http://schemas.openxmlformats.org/officeDocument/2006/relationships" xmlns:p="http://schemas.openxmlformats.org/presentationml/2006/main">
   <p:cSld>
     <p:spTree>
@@ -6975,99 +6676,6 @@
             <a:pPr lvl="1"/>
             <a:r>
               <a:rPr lang="en-GB" dirty="0"/>
-              <a:t>Tutorials:</a:t>
-            </a:r>
-          </a:p>
-          <a:p>
-            <a:pPr lvl="2"/>
-            <a:r>
-              <a:rPr lang="en-GB" dirty="0"/>
-              <a:t>Build on lecture materials</a:t>
-            </a:r>
-          </a:p>
-          <a:p>
-            <a:pPr lvl="2"/>
-            <a:r>
-              <a:rPr lang="en-GB" dirty="0"/>
-              <a:t>Give you support to go and do your own things</a:t>
-            </a:r>
-          </a:p>
-          <a:p>
-            <a:pPr lvl="2"/>
-            <a:r>
-              <a:rPr lang="en-GB" dirty="0"/>
-              <a:t>Have equipment so you can develop your portfolio pieces</a:t>
-            </a:r>
-          </a:p>
-          <a:p>
-            <a:pPr marL="914400" lvl="2" indent="0">
-              <a:buNone/>
-            </a:pPr>
-            <a:endParaRPr lang="en-GB" dirty="0"/>
-          </a:p>
-        </p:txBody>
-      </p:sp>
-    </p:spTree>
-    <p:extLst>
-      <p:ext uri="{BB962C8B-B14F-4D97-AF65-F5344CB8AC3E}">
-        <p14:creationId xmlns:p14="http://schemas.microsoft.com/office/powerpoint/2010/main" val="4068521540"/>
-      </p:ext>
-    </p:extLst>
-  </p:cSld>
-  <p:clrMapOvr>
-    <a:masterClrMapping/>
-  </p:clrMapOvr>
-</p:sld>
-</file>
-
-<file path=ppt/slides/slide13.xml><?xml version="1.0" encoding="utf-8"?>
-<p:sld xmlns:a="http://schemas.openxmlformats.org/drawingml/2006/main" xmlns:r="http://schemas.openxmlformats.org/officeDocument/2006/relationships" xmlns:p="http://schemas.openxmlformats.org/presentationml/2006/main">
-  <p:cSld>
-    <p:spTree>
-      <p:nvGrpSpPr>
-        <p:cNvPr id="1" name=""/>
-        <p:cNvGrpSpPr/>
-        <p:nvPr/>
-      </p:nvGrpSpPr>
-      <p:grpSpPr>
-        <a:xfrm>
-          <a:off x="0" y="0"/>
-          <a:ext cx="0" cy="0"/>
-          <a:chOff x="0" y="0"/>
-          <a:chExt cx="0" cy="0"/>
-        </a:xfrm>
-      </p:grpSpPr>
-      <p:sp>
-        <p:nvSpPr>
-          <p:cNvPr id="3" name="Content Placeholder 2"/>
-          <p:cNvSpPr>
-            <a:spLocks noGrp="1"/>
-          </p:cNvSpPr>
-          <p:nvPr>
-            <p:ph idx="1"/>
-          </p:nvPr>
-        </p:nvSpPr>
-        <p:spPr>
-          <a:xfrm>
-            <a:off x="457200" y="548680"/>
-            <a:ext cx="8229600" cy="6192688"/>
-          </a:xfrm>
-        </p:spPr>
-        <p:txBody>
-          <a:bodyPr>
-            <a:normAutofit/>
-          </a:bodyPr>
-          <a:lstStyle/>
-          <a:p>
-            <a:r>
-              <a:rPr lang="en-GB" dirty="0"/>
-              <a:t>Introduction to the module</a:t>
-            </a:r>
-          </a:p>
-          <a:p>
-            <a:pPr lvl="1"/>
-            <a:r>
-              <a:rPr lang="en-GB" dirty="0"/>
               <a:t>Overall approach</a:t>
             </a:r>
           </a:p>
@@ -7082,7 +6690,7 @@
             <a:pPr lvl="3"/>
             <a:r>
               <a:rPr lang="en-GB" dirty="0"/>
-              <a:t>320 is worth x2 340 (40 vs. 20 credits)</a:t>
+              <a:t>GAM320 is worth x2 GAM340 (40 vs. 20 credits)</a:t>
             </a:r>
           </a:p>
           <a:p>
@@ -7113,7 +6721,7 @@
 </p:sld>
 </file>
 
-<file path=ppt/slides/slide14.xml><?xml version="1.0" encoding="utf-8"?>
+<file path=ppt/slides/slide16.xml><?xml version="1.0" encoding="utf-8"?>
 <p:sld xmlns:a="http://schemas.openxmlformats.org/drawingml/2006/main" xmlns:r="http://schemas.openxmlformats.org/officeDocument/2006/relationships" xmlns:p="http://schemas.openxmlformats.org/presentationml/2006/main">
   <p:cSld>
     <p:spTree>
@@ -7211,7 +6819,13 @@
       </p:grpSpPr>
       <p:sp>
         <p:nvSpPr>
-          <p:cNvPr id="3" name="Content Placeholder 2"/>
+          <p:cNvPr id="4" name="Content Placeholder 3">
+            <a:extLst>
+              <a:ext uri="{FF2B5EF4-FFF2-40B4-BE49-F238E27FC236}">
+                <a16:creationId xmlns:a16="http://schemas.microsoft.com/office/drawing/2014/main" id="{A293FEA0-A31E-0743-87A8-0D17BC72D355}"/>
+              </a:ext>
+            </a:extLst>
+          </p:cNvPr>
           <p:cNvSpPr>
             <a:spLocks noGrp="1"/>
           </p:cNvSpPr>
@@ -7219,40 +6833,49 @@
             <p:ph idx="1"/>
           </p:nvPr>
         </p:nvSpPr>
+        <p:spPr/>
+        <p:txBody>
+          <a:bodyPr/>
+          <a:lstStyle/>
+          <a:p>
+            <a:endParaRPr lang="en-US"/>
+          </a:p>
+        </p:txBody>
+      </p:sp>
+      <p:pic>
+        <p:nvPicPr>
+          <p:cNvPr id="5" name="Picture 9" descr="A close up of a logo&#10;&#10;Description generated with very high confidence">
+            <a:extLst>
+              <a:ext uri="{FF2B5EF4-FFF2-40B4-BE49-F238E27FC236}">
+                <a16:creationId xmlns:a16="http://schemas.microsoft.com/office/drawing/2014/main" id="{3BF301C2-8F0D-1047-9D6C-332F61B0D11C}"/>
+              </a:ext>
+            </a:extLst>
+          </p:cNvPr>
+          <p:cNvPicPr>
+            <a:picLocks noChangeAspect="1"/>
+          </p:cNvPicPr>
+          <p:nvPr/>
+        </p:nvPicPr>
+        <p:blipFill>
+          <a:blip r:embed="rId2"/>
+          <a:stretch>
+            <a:fillRect/>
+          </a:stretch>
+        </p:blipFill>
         <p:spPr>
           <a:xfrm>
-            <a:off x="457200" y="548680"/>
-            <a:ext cx="8229600" cy="6192688"/>
+            <a:off x="457200" y="1700808"/>
+            <a:ext cx="8406635" cy="3896597"/>
           </a:xfrm>
+          <a:prstGeom prst="rect">
+            <a:avLst/>
+          </a:prstGeom>
         </p:spPr>
-        <p:txBody>
-          <a:bodyPr>
-            <a:normAutofit/>
-          </a:bodyPr>
-          <a:lstStyle/>
-          <a:p>
-            <a:r>
-              <a:rPr lang="en-GB" dirty="0"/>
-              <a:t>Introduction to the module</a:t>
-            </a:r>
-          </a:p>
-          <a:p>
-            <a:pPr lvl="1"/>
-            <a:r>
-              <a:rPr lang="en-GB" dirty="0"/>
-              <a:t>Everything is different!</a:t>
-            </a:r>
-          </a:p>
-          <a:p>
-            <a:pPr lvl="1"/>
-            <a:endParaRPr lang="en-GB" dirty="0"/>
-          </a:p>
-        </p:txBody>
-      </p:sp>
+      </p:pic>
     </p:spTree>
     <p:extLst>
       <p:ext uri="{BB962C8B-B14F-4D97-AF65-F5344CB8AC3E}">
-        <p14:creationId xmlns:p14="http://schemas.microsoft.com/office/powerpoint/2010/main" val="4252971268"/>
+        <p14:creationId xmlns:p14="http://schemas.microsoft.com/office/powerpoint/2010/main" val="3851362813"/>
       </p:ext>
     </p:extLst>
   </p:cSld>
@@ -7317,44 +6940,12 @@
             <a:pPr lvl="1"/>
             <a:endParaRPr lang="en-GB" dirty="0"/>
           </a:p>
-          <a:p>
-            <a:pPr lvl="1"/>
-            <a:r>
-              <a:rPr lang="en-GB" dirty="0"/>
-              <a:t>Old GAM340</a:t>
-            </a:r>
-          </a:p>
-          <a:p>
-            <a:pPr lvl="2"/>
-            <a:r>
-              <a:rPr lang="en-GB" dirty="0"/>
-              <a:t>Interview people and write a report (40%)</a:t>
-            </a:r>
-          </a:p>
-          <a:p>
-            <a:pPr lvl="2"/>
-            <a:r>
-              <a:rPr lang="en-GB" dirty="0"/>
-              <a:t>Write a business plan (40%)</a:t>
-            </a:r>
-          </a:p>
-          <a:p>
-            <a:pPr lvl="2"/>
-            <a:r>
-              <a:rPr lang="en-GB" dirty="0"/>
-              <a:t>Make some promotional materials (20%)</a:t>
-            </a:r>
-          </a:p>
-          <a:p>
-            <a:pPr lvl="1"/>
-            <a:endParaRPr lang="en-GB" dirty="0"/>
-          </a:p>
         </p:txBody>
       </p:sp>
     </p:spTree>
     <p:extLst>
       <p:ext uri="{BB962C8B-B14F-4D97-AF65-F5344CB8AC3E}">
-        <p14:creationId xmlns:p14="http://schemas.microsoft.com/office/powerpoint/2010/main" val="336933415"/>
+        <p14:creationId xmlns:p14="http://schemas.microsoft.com/office/powerpoint/2010/main" val="4252971268"/>
       </p:ext>
     </p:extLst>
   </p:cSld>
@@ -7423,14 +7014,21 @@
             <a:pPr lvl="1"/>
             <a:r>
               <a:rPr lang="en-GB" dirty="0"/>
-              <a:t>New GAM340</a:t>
+              <a:t>Old GAM340</a:t>
             </a:r>
           </a:p>
           <a:p>
             <a:pPr lvl="2"/>
             <a:r>
               <a:rPr lang="en-GB" dirty="0"/>
-              <a:t>Make portfolio pieces (80%)</a:t>
+              <a:t>Interview people and write a report (40%)</a:t>
+            </a:r>
+          </a:p>
+          <a:p>
+            <a:pPr lvl="2"/>
+            <a:r>
+              <a:rPr lang="en-GB" dirty="0"/>
+              <a:t>Write a business plan (40%)</a:t>
             </a:r>
           </a:p>
           <a:p>
@@ -7449,7 +7047,7 @@
     </p:spTree>
     <p:extLst>
       <p:ext uri="{BB962C8B-B14F-4D97-AF65-F5344CB8AC3E}">
-        <p14:creationId xmlns:p14="http://schemas.microsoft.com/office/powerpoint/2010/main" val="3979137871"/>
+        <p14:creationId xmlns:p14="http://schemas.microsoft.com/office/powerpoint/2010/main" val="336933415"/>
       </p:ext>
     </p:extLst>
   </p:cSld>
@@ -7507,42 +7105,36 @@
             <a:pPr lvl="1"/>
             <a:r>
               <a:rPr lang="en-GB" dirty="0"/>
-              <a:t>Assignment 1</a:t>
+              <a:t>Everything is different!</a:t>
+            </a:r>
+          </a:p>
+          <a:p>
+            <a:pPr lvl="1"/>
+            <a:endParaRPr lang="en-GB" dirty="0"/>
+          </a:p>
+          <a:p>
+            <a:pPr lvl="1"/>
+            <a:r>
+              <a:rPr lang="en-GB" dirty="0"/>
+              <a:t>New GAM340</a:t>
             </a:r>
           </a:p>
           <a:p>
             <a:pPr lvl="2"/>
             <a:r>
               <a:rPr lang="en-GB" dirty="0"/>
-              <a:t>‘Professional Practice Report’</a:t>
+              <a:t>Make portfolio pieces (80%)</a:t>
             </a:r>
           </a:p>
           <a:p>
             <a:pPr lvl="2"/>
             <a:r>
               <a:rPr lang="en-GB" dirty="0"/>
-              <a:t>Not a professional practice report</a:t>
-            </a:r>
-          </a:p>
-          <a:p>
-            <a:pPr lvl="2"/>
-            <a:r>
-              <a:rPr lang="en-GB" dirty="0"/>
-              <a:t>Really : create professional portfolio materials</a:t>
-            </a:r>
-          </a:p>
-          <a:p>
-            <a:pPr lvl="2"/>
-            <a:r>
-              <a:rPr lang="en-GB" dirty="0">
-                <a:hlinkClick r:id="rId2"/>
-              </a:rPr>
-              <a:t>https://learningspace.falmouth.ac.uk/course/view.php?id=4352</a:t>
-            </a:r>
-            <a:endParaRPr lang="en-GB" dirty="0"/>
-          </a:p>
-          <a:p>
-            <a:pPr lvl="2"/>
+              <a:t>Make some promotional materials (20%)</a:t>
+            </a:r>
+          </a:p>
+          <a:p>
+            <a:pPr lvl="1"/>
             <a:endParaRPr lang="en-GB" dirty="0"/>
           </a:p>
         </p:txBody>
@@ -7550,7 +7142,7 @@
     </p:spTree>
     <p:extLst>
       <p:ext uri="{BB962C8B-B14F-4D97-AF65-F5344CB8AC3E}">
-        <p14:creationId xmlns:p14="http://schemas.microsoft.com/office/powerpoint/2010/main" val="1181043381"/>
+        <p14:creationId xmlns:p14="http://schemas.microsoft.com/office/powerpoint/2010/main" val="3979137871"/>
       </p:ext>
     </p:extLst>
   </p:cSld>
@@ -7643,42 +7235,6 @@
             <a:endParaRPr lang="en-GB" dirty="0"/>
           </a:p>
           <a:p>
-            <a:pPr lvl="3"/>
-            <a:r>
-              <a:rPr lang="en-GB" dirty="0"/>
-              <a:t>Moved to explicit rubrics to make it clearer what you are being assessed on </a:t>
-            </a:r>
-          </a:p>
-          <a:p>
-            <a:pPr lvl="3"/>
-            <a:r>
-              <a:rPr lang="en-GB" dirty="0"/>
-              <a:t>And what good, bad and indifferent looks like</a:t>
-            </a:r>
-          </a:p>
-          <a:p>
-            <a:pPr lvl="3"/>
-            <a:r>
-              <a:rPr lang="en-GB" dirty="0"/>
-              <a:t>Linked to the common assessment criteria</a:t>
-            </a:r>
-          </a:p>
-          <a:p>
-            <a:pPr lvl="3"/>
-            <a:endParaRPr lang="en-GB" dirty="0"/>
-          </a:p>
-          <a:p>
-            <a:pPr lvl="2"/>
-            <a:r>
-              <a:rPr lang="en-GB" dirty="0"/>
-              <a:t>Showcase your work in week 13</a:t>
-            </a:r>
-          </a:p>
-          <a:p>
-            <a:pPr lvl="2"/>
-            <a:endParaRPr lang="en-GB" dirty="0"/>
-          </a:p>
-          <a:p>
             <a:pPr lvl="2"/>
             <a:endParaRPr lang="en-GB" dirty="0"/>
           </a:p>
@@ -7687,7 +7243,7 @@
     </p:spTree>
     <p:extLst>
       <p:ext uri="{BB962C8B-B14F-4D97-AF65-F5344CB8AC3E}">
-        <p14:creationId xmlns:p14="http://schemas.microsoft.com/office/powerpoint/2010/main" val="2266090859"/>
+        <p14:creationId xmlns:p14="http://schemas.microsoft.com/office/powerpoint/2010/main" val="1181043381"/>
       </p:ext>
     </p:extLst>
   </p:cSld>
@@ -7752,29 +7308,68 @@
             <a:pPr lvl="2"/>
             <a:r>
               <a:rPr lang="en-GB" dirty="0"/>
-              <a:t>create professional portfolio materials</a:t>
-            </a:r>
+              <a:t>‘Professional Practice Report’</a:t>
+            </a:r>
+          </a:p>
+          <a:p>
+            <a:pPr lvl="2"/>
+            <a:r>
+              <a:rPr lang="en-GB" dirty="0"/>
+              <a:t>Not a professional practice report</a:t>
+            </a:r>
+          </a:p>
+          <a:p>
+            <a:pPr lvl="2"/>
+            <a:r>
+              <a:rPr lang="en-GB" dirty="0"/>
+              <a:t>Really : create professional portfolio materials</a:t>
+            </a:r>
+          </a:p>
+          <a:p>
+            <a:pPr lvl="2"/>
+            <a:r>
+              <a:rPr lang="en-GB" dirty="0">
+                <a:hlinkClick r:id="rId2"/>
+              </a:rPr>
+              <a:t>https://learningspace.falmouth.ac.uk/course/view.php?id=4352</a:t>
+            </a:r>
+            <a:endParaRPr lang="en-GB" dirty="0"/>
           </a:p>
           <a:p>
             <a:pPr lvl="3"/>
             <a:r>
               <a:rPr lang="en-GB" dirty="0"/>
-              <a:t>Precise content will depend on what you want to do</a:t>
-            </a:r>
-          </a:p>
-          <a:p>
-            <a:pPr lvl="4"/>
+              <a:t>Moved to explicit rubrics to make it clearer what you are being assessed on </a:t>
+            </a:r>
+          </a:p>
+          <a:p>
+            <a:pPr lvl="3"/>
             <a:r>
               <a:rPr lang="en-GB" dirty="0"/>
-              <a:t>That’s why the rubric is fairly loose</a:t>
-            </a:r>
-          </a:p>
-          <a:p>
-            <a:pPr lvl="4"/>
+              <a:t>And what good, bad and indifferent looks like</a:t>
+            </a:r>
+          </a:p>
+          <a:p>
+            <a:pPr lvl="3"/>
             <a:r>
               <a:rPr lang="en-GB" dirty="0"/>
-              <a:t>Your tutors will be able to give you guidance</a:t>
-            </a:r>
+              <a:t>Linked to the common assessment criteria (CAC)</a:t>
+            </a:r>
+          </a:p>
+          <a:p>
+            <a:pPr lvl="3"/>
+            <a:endParaRPr lang="en-GB" dirty="0"/>
+          </a:p>
+          <a:p>
+            <a:pPr lvl="2"/>
+            <a:r>
+              <a:rPr lang="en-GB" dirty="0"/>
+              <a:t>Showcase your work in week 13</a:t>
+            </a:r>
+          </a:p>
+          <a:p>
+            <a:pPr lvl="2"/>
+            <a:endParaRPr lang="en-GB" dirty="0"/>
           </a:p>
           <a:p>
             <a:pPr lvl="2"/>
@@ -7785,7 +7380,7 @@
     </p:spTree>
     <p:extLst>
       <p:ext uri="{BB962C8B-B14F-4D97-AF65-F5344CB8AC3E}">
-        <p14:creationId xmlns:p14="http://schemas.microsoft.com/office/powerpoint/2010/main" val="1069100361"/>
+        <p14:creationId xmlns:p14="http://schemas.microsoft.com/office/powerpoint/2010/main" val="2266090859"/>
       </p:ext>
     </p:extLst>
   </p:cSld>
@@ -7875,73 +7470,45 @@
             </a:r>
           </a:p>
           <a:p>
-            <a:pPr lvl="4"/>
-            <a:endParaRPr lang="en-GB" dirty="0"/>
-          </a:p>
-          <a:p>
-            <a:pPr lvl="2"/>
-            <a:r>
-              <a:rPr lang="en-GB" dirty="0"/>
-              <a:t>If you want to do something ‘different’ to your route</a:t>
-            </a:r>
-          </a:p>
-          <a:p>
-            <a:pPr lvl="3"/>
-            <a:r>
-              <a:rPr lang="en-GB" dirty="0"/>
-              <a:t>That’s cool, make it work around your portfolio work</a:t>
-            </a:r>
-          </a:p>
-          <a:p>
-            <a:pPr lvl="4"/>
-            <a:r>
-              <a:rPr lang="en-GB" dirty="0"/>
-              <a:t>Game programming -&gt; </a:t>
-            </a:r>
-            <a:r>
-              <a:rPr lang="en-GB" dirty="0" err="1"/>
-              <a:t>webdev</a:t>
-            </a:r>
-            <a:endParaRPr lang="en-GB" dirty="0"/>
-          </a:p>
-          <a:p>
-            <a:pPr lvl="4"/>
-            <a:r>
-              <a:rPr lang="en-GB" dirty="0"/>
-              <a:t>Anything -&gt; production / business / PR / marketing / community management etc</a:t>
-            </a:r>
-          </a:p>
-          <a:p>
-            <a:pPr lvl="4"/>
-            <a:r>
-              <a:rPr lang="en-GB" dirty="0"/>
-              <a:t>Anything -&gt; something non-games</a:t>
-            </a:r>
-          </a:p>
-          <a:p>
-            <a:pPr lvl="4"/>
-            <a:r>
-              <a:rPr lang="en-GB" dirty="0"/>
-              <a:t>Anything -&gt; further education</a:t>
-            </a:r>
-          </a:p>
-          <a:p>
-            <a:pPr lvl="3"/>
-            <a:r>
-              <a:rPr lang="en-GB" dirty="0"/>
-              <a:t>Talk to me and your route tutor and we can work things out.</a:t>
-            </a:r>
-          </a:p>
-          <a:p>
             <a:pPr lvl="2"/>
             <a:endParaRPr lang="en-GB" dirty="0"/>
           </a:p>
         </p:txBody>
       </p:sp>
+      <p:pic>
+        <p:nvPicPr>
+          <p:cNvPr id="2" name="Picture 1">
+            <a:extLst>
+              <a:ext uri="{FF2B5EF4-FFF2-40B4-BE49-F238E27FC236}">
+                <a16:creationId xmlns:a16="http://schemas.microsoft.com/office/drawing/2014/main" id="{7EEDCF6C-5820-A049-BECC-1B6703C2BE4F}"/>
+              </a:ext>
+            </a:extLst>
+          </p:cNvPr>
+          <p:cNvPicPr>
+            <a:picLocks noChangeAspect="1"/>
+          </p:cNvPicPr>
+          <p:nvPr/>
+        </p:nvPicPr>
+        <p:blipFill>
+          <a:blip r:embed="rId2"/>
+          <a:stretch>
+            <a:fillRect/>
+          </a:stretch>
+        </p:blipFill>
+        <p:spPr>
+          <a:xfrm>
+            <a:off x="3131840" y="3861048"/>
+            <a:ext cx="2997200" cy="2451100"/>
+          </a:xfrm>
+          <a:prstGeom prst="rect">
+            <a:avLst/>
+          </a:prstGeom>
+        </p:spPr>
+      </p:pic>
     </p:spTree>
     <p:extLst>
       <p:ext uri="{BB962C8B-B14F-4D97-AF65-F5344CB8AC3E}">
-        <p14:creationId xmlns:p14="http://schemas.microsoft.com/office/powerpoint/2010/main" val="687884265"/>
+        <p14:creationId xmlns:p14="http://schemas.microsoft.com/office/powerpoint/2010/main" val="1069100361"/>
       </p:ext>
     </p:extLst>
   </p:cSld>
@@ -7999,67 +7566,97 @@
             <a:pPr lvl="1"/>
             <a:r>
               <a:rPr lang="en-GB" dirty="0"/>
-              <a:t>Assignment 2</a:t>
+              <a:t>Assignment 1</a:t>
             </a:r>
           </a:p>
           <a:p>
             <a:pPr lvl="2"/>
             <a:r>
               <a:rPr lang="en-GB" dirty="0"/>
-              <a:t>‘Promotional materials’</a:t>
-            </a:r>
+              <a:t>create professional portfolio materials</a:t>
+            </a:r>
+          </a:p>
+          <a:p>
+            <a:pPr lvl="3"/>
+            <a:r>
+              <a:rPr lang="en-GB" dirty="0"/>
+              <a:t>Precise content will depend on what you want to do</a:t>
+            </a:r>
+          </a:p>
+          <a:p>
+            <a:pPr lvl="4"/>
+            <a:r>
+              <a:rPr lang="en-GB" dirty="0"/>
+              <a:t>That’s why the rubric is fairly loose</a:t>
+            </a:r>
+          </a:p>
+          <a:p>
+            <a:pPr lvl="4"/>
+            <a:r>
+              <a:rPr lang="en-GB" dirty="0"/>
+              <a:t>Your tutors will be able to give you guidance</a:t>
+            </a:r>
+          </a:p>
+          <a:p>
+            <a:pPr lvl="4"/>
+            <a:endParaRPr lang="en-GB" dirty="0"/>
           </a:p>
           <a:p>
             <a:pPr lvl="2"/>
             <a:r>
               <a:rPr lang="en-GB" dirty="0"/>
-              <a:t>Create materials</a:t>
+              <a:t>If you want to do something ‘different’ to your route</a:t>
             </a:r>
           </a:p>
           <a:p>
             <a:pPr lvl="3"/>
             <a:r>
               <a:rPr lang="en-GB" dirty="0"/>
-              <a:t>Resume</a:t>
+              <a:t>That’s cool, make it work around your portfolio work</a:t>
+            </a:r>
+          </a:p>
+          <a:p>
+            <a:pPr lvl="4"/>
+            <a:r>
+              <a:rPr lang="en-GB" dirty="0"/>
+              <a:t>Game programming -&gt; </a:t>
+            </a:r>
+            <a:r>
+              <a:rPr lang="en-GB" dirty="0" err="1"/>
+              <a:t>webdev</a:t>
+            </a:r>
+            <a:endParaRPr lang="en-GB" dirty="0"/>
+          </a:p>
+          <a:p>
+            <a:pPr lvl="4"/>
+            <a:r>
+              <a:rPr lang="en-GB" dirty="0"/>
+              <a:t>Anything -&gt; production / business / PR / marketing / community management etc</a:t>
+            </a:r>
+          </a:p>
+          <a:p>
+            <a:pPr lvl="4"/>
+            <a:r>
+              <a:rPr lang="en-GB" dirty="0"/>
+              <a:t>Anything -&gt; something non-games</a:t>
+            </a:r>
+          </a:p>
+          <a:p>
+            <a:pPr lvl="4"/>
+            <a:r>
+              <a:rPr lang="en-GB" dirty="0"/>
+              <a:t>Anything -&gt; further education</a:t>
             </a:r>
           </a:p>
           <a:p>
             <a:pPr lvl="3"/>
             <a:r>
               <a:rPr lang="en-GB" dirty="0"/>
-              <a:t>LinkedIn profile</a:t>
-            </a:r>
-          </a:p>
-          <a:p>
-            <a:pPr lvl="3"/>
-            <a:r>
-              <a:rPr lang="en-GB" dirty="0"/>
-              <a:t>Suitable website / portfolio hosting</a:t>
-            </a:r>
-          </a:p>
-          <a:p>
-            <a:pPr lvl="3"/>
-            <a:endParaRPr lang="en-GB" dirty="0"/>
+              <a:t>Talk to me and your route tutor and we can work things out.</a:t>
+            </a:r>
           </a:p>
           <a:p>
             <a:pPr lvl="2"/>
-            <a:r>
-              <a:rPr lang="en-GB" dirty="0">
-                <a:hlinkClick r:id="rId2"/>
-              </a:rPr>
-              <a:t>https://learningspace.falmouth.ac.uk/course/view.php?id=4352</a:t>
-            </a:r>
-            <a:endParaRPr lang="en-GB" dirty="0"/>
-          </a:p>
-          <a:p>
-            <a:pPr lvl="3"/>
-            <a:r>
-              <a:rPr lang="en-GB" dirty="0"/>
-              <a:t>Again, rubrics to make things clear</a:t>
-            </a:r>
-          </a:p>
-          <a:p>
-            <a:pPr lvl="3"/>
             <a:endParaRPr lang="en-GB" dirty="0"/>
           </a:p>
         </p:txBody>
@@ -8067,7 +7664,7 @@
     </p:spTree>
     <p:extLst>
       <p:ext uri="{BB962C8B-B14F-4D97-AF65-F5344CB8AC3E}">
-        <p14:creationId xmlns:p14="http://schemas.microsoft.com/office/powerpoint/2010/main" val="298523495"/>
+        <p14:creationId xmlns:p14="http://schemas.microsoft.com/office/powerpoint/2010/main" val="687884265"/>
       </p:ext>
     </p:extLst>
   </p:cSld>

--- a/GAM340/01/GAM340_01_lecture.pptx
+++ b/GAM340/01/GAM340_01_lecture.pptx
@@ -4305,6 +4305,23 @@
                 <a:hlinkClick r:id="rId5"/>
               </a:rPr>
               <a:t>https://ioluyadi.wixsite.com/website</a:t>
+            </a:r>
+            <a:endParaRPr lang="en-GB" dirty="0"/>
+          </a:p>
+          <a:p>
+            <a:pPr lvl="3"/>
+            <a:r>
+              <a:rPr lang="en-GB" dirty="0"/>
+              <a:t>Sophie Shepherd</a:t>
+            </a:r>
+          </a:p>
+          <a:p>
+            <a:pPr lvl="4"/>
+            <a:r>
+              <a:rPr lang="en-GB" dirty="0">
+                <a:hlinkClick r:id="rId6"/>
+              </a:rPr>
+              <a:t>https://80.lv/articles/004adk-studying-animation-with-sophie-shepherd/</a:t>
             </a:r>
             <a:endParaRPr lang="en-GB" dirty="0"/>
           </a:p>
